--- a/WorkReport.pptx
+++ b/WorkReport.pptx
@@ -5,7 +5,7 @@
     <p:sldMasterId id="2147483648" r:id="rId1"/>
   </p:sldMasterIdLst>
   <p:notesMasterIdLst>
-    <p:notesMasterId r:id="rId20"/>
+    <p:notesMasterId r:id="rId23"/>
   </p:notesMasterIdLst>
   <p:sldIdLst>
     <p:sldId id="256" r:id="rId2"/>
@@ -25,7 +25,10 @@
     <p:sldId id="277" r:id="rId16"/>
     <p:sldId id="278" r:id="rId17"/>
     <p:sldId id="279" r:id="rId18"/>
-    <p:sldId id="274" r:id="rId19"/>
+    <p:sldId id="286" r:id="rId19"/>
+    <p:sldId id="287" r:id="rId20"/>
+    <p:sldId id="285" r:id="rId21"/>
+    <p:sldId id="274" r:id="rId22"/>
   </p:sldIdLst>
   <p:sldSz cx="12192000" cy="6858000"/>
   <p:notesSz cx="6858000" cy="9144000"/>
@@ -18799,7 +18802,7 @@
                 <a:latin typeface="Arial" panose="020B0604020202020204" pitchFamily="34" charset="0"/>
                 <a:cs typeface="Arial" panose="020B0604020202020204" pitchFamily="34" charset="0"/>
               </a:rPr>
-              <a:t>Simulated data</a:t>
+              <a:t>Simulated data test</a:t>
             </a:r>
             <a:endParaRPr lang="zh-CN" altLang="en-US" sz="2400" dirty="0">
               <a:solidFill>
@@ -18811,6 +18814,2000 @@
           </a:p>
         </p:txBody>
       </p:sp>
+      <p:graphicFrame>
+        <p:nvGraphicFramePr>
+          <p:cNvPr id="3" name="表格 2">
+            <a:extLst>
+              <a:ext uri="{FF2B5EF4-FFF2-40B4-BE49-F238E27FC236}">
+                <a16:creationId xmlns:a16="http://schemas.microsoft.com/office/drawing/2014/main" id="{CC9411DB-2CFA-2291-EAB8-74165EF47DC5}"/>
+              </a:ext>
+            </a:extLst>
+          </p:cNvPr>
+          <p:cNvGraphicFramePr>
+            <a:graphicFrameLocks noGrp="1"/>
+          </p:cNvGraphicFramePr>
+          <p:nvPr>
+            <p:extLst>
+              <p:ext uri="{D42A27DB-BD31-4B8C-83A1-F6EECF244321}">
+                <p14:modId xmlns:p14="http://schemas.microsoft.com/office/powerpoint/2010/main" val="1596815256"/>
+              </p:ext>
+            </p:extLst>
+          </p:nvPr>
+        </p:nvGraphicFramePr>
+        <p:xfrm>
+          <a:off x="849592" y="1361841"/>
+          <a:ext cx="10492816" cy="2954818"/>
+        </p:xfrm>
+        <a:graphic>
+          <a:graphicData uri="http://schemas.openxmlformats.org/drawingml/2006/table">
+            <a:tbl>
+              <a:tblPr/>
+              <a:tblGrid>
+                <a:gridCol w="2623204">
+                  <a:extLst>
+                    <a:ext uri="{9D8B030D-6E8A-4147-A177-3AD203B41FA5}">
+                      <a16:colId xmlns:a16="http://schemas.microsoft.com/office/drawing/2014/main" val="1082091315"/>
+                    </a:ext>
+                  </a:extLst>
+                </a:gridCol>
+                <a:gridCol w="2623204">
+                  <a:extLst>
+                    <a:ext uri="{9D8B030D-6E8A-4147-A177-3AD203B41FA5}">
+                      <a16:colId xmlns:a16="http://schemas.microsoft.com/office/drawing/2014/main" val="1624301467"/>
+                    </a:ext>
+                  </a:extLst>
+                </a:gridCol>
+                <a:gridCol w="2623204">
+                  <a:extLst>
+                    <a:ext uri="{9D8B030D-6E8A-4147-A177-3AD203B41FA5}">
+                      <a16:colId xmlns:a16="http://schemas.microsoft.com/office/drawing/2014/main" val="2251942970"/>
+                    </a:ext>
+                  </a:extLst>
+                </a:gridCol>
+                <a:gridCol w="2623204">
+                  <a:extLst>
+                    <a:ext uri="{9D8B030D-6E8A-4147-A177-3AD203B41FA5}">
+                      <a16:colId xmlns:a16="http://schemas.microsoft.com/office/drawing/2014/main" val="2516320957"/>
+                    </a:ext>
+                  </a:extLst>
+                </a:gridCol>
+              </a:tblGrid>
+              <a:tr h="256647">
+                <a:tc>
+                  <a:txBody>
+                    <a:bodyPr/>
+                    <a:lstStyle/>
+                    <a:p>
+                      <a:pPr algn="ctr"/>
+                      <a:r>
+                        <a:rPr lang="en-US" altLang="zh-CN" sz="1400" b="1" dirty="0">
+                          <a:effectLst/>
+                          <a:latin typeface="Arial" panose="020B0604020202020204" pitchFamily="34" charset="0"/>
+                          <a:cs typeface="Arial" panose="020B0604020202020204" pitchFamily="34" charset="0"/>
+                        </a:rPr>
+                        <a:t>Key point</a:t>
+                      </a:r>
+                      <a:endParaRPr lang="en-US" sz="1400" b="1" dirty="0">
+                        <a:effectLst/>
+                        <a:latin typeface="Arial" panose="020B0604020202020204" pitchFamily="34" charset="0"/>
+                        <a:cs typeface="Arial" panose="020B0604020202020204" pitchFamily="34" charset="0"/>
+                      </a:endParaRPr>
+                    </a:p>
+                  </a:txBody>
+                  <a:tcPr marL="23332" marR="23332" marT="23332" marB="23332" anchor="ctr">
+                    <a:lnL w="7620" cap="flat" cmpd="sng" algn="ctr">
+                      <a:solidFill>
+                        <a:srgbClr val="DDDDDD"/>
+                      </a:solidFill>
+                      <a:prstDash val="solid"/>
+                      <a:round/>
+                      <a:headEnd type="none" w="med" len="med"/>
+                      <a:tailEnd type="none" w="med" len="med"/>
+                    </a:lnL>
+                    <a:lnR w="7620" cap="flat" cmpd="sng" algn="ctr">
+                      <a:solidFill>
+                        <a:srgbClr val="DDDDDD"/>
+                      </a:solidFill>
+                      <a:prstDash val="solid"/>
+                      <a:round/>
+                      <a:headEnd type="none" w="med" len="med"/>
+                      <a:tailEnd type="none" w="med" len="med"/>
+                    </a:lnR>
+                    <a:lnT w="7620" cap="flat" cmpd="sng" algn="ctr">
+                      <a:solidFill>
+                        <a:srgbClr val="DDDDDD"/>
+                      </a:solidFill>
+                      <a:prstDash val="solid"/>
+                      <a:round/>
+                      <a:headEnd type="none" w="med" len="med"/>
+                      <a:tailEnd type="none" w="med" len="med"/>
+                    </a:lnT>
+                    <a:lnB w="7620" cap="flat" cmpd="sng" algn="ctr">
+                      <a:solidFill>
+                        <a:srgbClr val="DDDDDD"/>
+                      </a:solidFill>
+                      <a:prstDash val="solid"/>
+                      <a:round/>
+                      <a:headEnd type="none" w="med" len="med"/>
+                      <a:tailEnd type="none" w="med" len="med"/>
+                    </a:lnB>
+                    <a:solidFill>
+                      <a:schemeClr val="bg1">
+                        <a:lumMod val="75000"/>
+                      </a:schemeClr>
+                    </a:solidFill>
+                  </a:tcPr>
+                </a:tc>
+                <a:tc>
+                  <a:txBody>
+                    <a:bodyPr/>
+                    <a:lstStyle/>
+                    <a:p>
+                      <a:pPr algn="ctr"/>
+                      <a:r>
+                        <a:rPr lang="en-US" altLang="zh-CN" sz="1400" b="1" dirty="0">
+                          <a:effectLst/>
+                          <a:latin typeface="Arial" panose="020B0604020202020204" pitchFamily="34" charset="0"/>
+                          <a:cs typeface="Arial" panose="020B0604020202020204" pitchFamily="34" charset="0"/>
+                        </a:rPr>
+                        <a:t>Motif</a:t>
+                      </a:r>
+                    </a:p>
+                  </a:txBody>
+                  <a:tcPr marL="23332" marR="23332" marT="23332" marB="23332" anchor="ctr">
+                    <a:lnL w="7620" cap="flat" cmpd="sng" algn="ctr">
+                      <a:solidFill>
+                        <a:srgbClr val="DDDDDD"/>
+                      </a:solidFill>
+                      <a:prstDash val="solid"/>
+                      <a:round/>
+                      <a:headEnd type="none" w="med" len="med"/>
+                      <a:tailEnd type="none" w="med" len="med"/>
+                    </a:lnL>
+                    <a:lnR w="7620" cap="flat" cmpd="sng" algn="ctr">
+                      <a:solidFill>
+                        <a:srgbClr val="DDDDDD"/>
+                      </a:solidFill>
+                      <a:prstDash val="solid"/>
+                      <a:round/>
+                      <a:headEnd type="none" w="med" len="med"/>
+                      <a:tailEnd type="none" w="med" len="med"/>
+                    </a:lnR>
+                    <a:lnT w="7620" cap="flat" cmpd="sng" algn="ctr">
+                      <a:solidFill>
+                        <a:srgbClr val="DDDDDD"/>
+                      </a:solidFill>
+                      <a:prstDash val="solid"/>
+                      <a:round/>
+                      <a:headEnd type="none" w="med" len="med"/>
+                      <a:tailEnd type="none" w="med" len="med"/>
+                    </a:lnT>
+                    <a:lnB w="7620" cap="flat" cmpd="sng" algn="ctr">
+                      <a:solidFill>
+                        <a:srgbClr val="DDDDDD"/>
+                      </a:solidFill>
+                      <a:prstDash val="solid"/>
+                      <a:round/>
+                      <a:headEnd type="none" w="med" len="med"/>
+                      <a:tailEnd type="none" w="med" len="med"/>
+                    </a:lnB>
+                    <a:solidFill>
+                      <a:schemeClr val="bg1">
+                        <a:lumMod val="75000"/>
+                      </a:schemeClr>
+                    </a:solidFill>
+                  </a:tcPr>
+                </a:tc>
+                <a:tc>
+                  <a:txBody>
+                    <a:bodyPr/>
+                    <a:lstStyle/>
+                    <a:p>
+                      <a:pPr algn="ctr"/>
+                      <a:r>
+                        <a:rPr lang="en-US" altLang="zh-CN" sz="1400" b="1" dirty="0">
+                          <a:effectLst/>
+                          <a:latin typeface="Arial" panose="020B0604020202020204" pitchFamily="34" charset="0"/>
+                          <a:cs typeface="Arial" panose="020B0604020202020204" pitchFamily="34" charset="0"/>
+                        </a:rPr>
+                        <a:t>Complete</a:t>
+                      </a:r>
+                    </a:p>
+                  </a:txBody>
+                  <a:tcPr marL="23332" marR="23332" marT="23332" marB="23332" anchor="ctr">
+                    <a:lnL w="7620" cap="flat" cmpd="sng" algn="ctr">
+                      <a:solidFill>
+                        <a:srgbClr val="DDDDDD"/>
+                      </a:solidFill>
+                      <a:prstDash val="solid"/>
+                      <a:round/>
+                      <a:headEnd type="none" w="med" len="med"/>
+                      <a:tailEnd type="none" w="med" len="med"/>
+                    </a:lnL>
+                    <a:lnR w="7620" cap="flat" cmpd="sng" algn="ctr">
+                      <a:solidFill>
+                        <a:srgbClr val="DDDDDD"/>
+                      </a:solidFill>
+                      <a:prstDash val="solid"/>
+                      <a:round/>
+                      <a:headEnd type="none" w="med" len="med"/>
+                      <a:tailEnd type="none" w="med" len="med"/>
+                    </a:lnR>
+                    <a:lnT w="7620" cap="flat" cmpd="sng" algn="ctr">
+                      <a:solidFill>
+                        <a:srgbClr val="DDDDDD"/>
+                      </a:solidFill>
+                      <a:prstDash val="solid"/>
+                      <a:round/>
+                      <a:headEnd type="none" w="med" len="med"/>
+                      <a:tailEnd type="none" w="med" len="med"/>
+                    </a:lnT>
+                    <a:lnB w="7620" cap="flat" cmpd="sng" algn="ctr">
+                      <a:solidFill>
+                        <a:srgbClr val="DDDDDD"/>
+                      </a:solidFill>
+                      <a:prstDash val="solid"/>
+                      <a:round/>
+                      <a:headEnd type="none" w="med" len="med"/>
+                      <a:tailEnd type="none" w="med" len="med"/>
+                    </a:lnB>
+                    <a:solidFill>
+                      <a:schemeClr val="bg1">
+                        <a:lumMod val="75000"/>
+                      </a:schemeClr>
+                    </a:solidFill>
+                  </a:tcPr>
+                </a:tc>
+                <a:tc>
+                  <a:txBody>
+                    <a:bodyPr/>
+                    <a:lstStyle/>
+                    <a:p>
+                      <a:pPr algn="ctr"/>
+                      <a:r>
+                        <a:rPr lang="en-US" altLang="zh-CN" sz="1400" b="1" dirty="0">
+                          <a:effectLst/>
+                          <a:latin typeface="Arial" panose="020B0604020202020204" pitchFamily="34" charset="0"/>
+                          <a:cs typeface="Arial" panose="020B0604020202020204" pitchFamily="34" charset="0"/>
+                        </a:rPr>
+                        <a:t>Note</a:t>
+                      </a:r>
+                    </a:p>
+                  </a:txBody>
+                  <a:tcPr marL="23332" marR="23332" marT="23332" marB="23332" anchor="ctr">
+                    <a:lnL w="7620" cap="flat" cmpd="sng" algn="ctr">
+                      <a:solidFill>
+                        <a:srgbClr val="DDDDDD"/>
+                      </a:solidFill>
+                      <a:prstDash val="solid"/>
+                      <a:round/>
+                      <a:headEnd type="none" w="med" len="med"/>
+                      <a:tailEnd type="none" w="med" len="med"/>
+                    </a:lnL>
+                    <a:lnR w="7620" cap="flat" cmpd="sng" algn="ctr">
+                      <a:solidFill>
+                        <a:srgbClr val="DDDDDD"/>
+                      </a:solidFill>
+                      <a:prstDash val="solid"/>
+                      <a:round/>
+                      <a:headEnd type="none" w="med" len="med"/>
+                      <a:tailEnd type="none" w="med" len="med"/>
+                    </a:lnR>
+                    <a:lnT w="7620" cap="flat" cmpd="sng" algn="ctr">
+                      <a:solidFill>
+                        <a:srgbClr val="DDDDDD"/>
+                      </a:solidFill>
+                      <a:prstDash val="solid"/>
+                      <a:round/>
+                      <a:headEnd type="none" w="med" len="med"/>
+                      <a:tailEnd type="none" w="med" len="med"/>
+                    </a:lnT>
+                    <a:lnB w="7620" cap="flat" cmpd="sng" algn="ctr">
+                      <a:solidFill>
+                        <a:srgbClr val="DDDDDD"/>
+                      </a:solidFill>
+                      <a:prstDash val="solid"/>
+                      <a:round/>
+                      <a:headEnd type="none" w="med" len="med"/>
+                      <a:tailEnd type="none" w="med" len="med"/>
+                    </a:lnB>
+                    <a:solidFill>
+                      <a:schemeClr val="bg1">
+                        <a:lumMod val="75000"/>
+                      </a:schemeClr>
+                    </a:solidFill>
+                  </a:tcPr>
+                </a:tc>
+                <a:extLst>
+                  <a:ext uri="{0D108BD9-81ED-4DB2-BD59-A6C34878D82A}">
+                    <a16:rowId xmlns:a16="http://schemas.microsoft.com/office/drawing/2014/main" val="1560633725"/>
+                  </a:ext>
+                </a:extLst>
+              </a:tr>
+              <a:tr h="466631">
+                <a:tc>
+                  <a:txBody>
+                    <a:bodyPr/>
+                    <a:lstStyle/>
+                    <a:p>
+                      <a:pPr algn="ctr"/>
+                      <a:r>
+                        <a:rPr lang="en-US" altLang="zh-CN" sz="1400" b="0" dirty="0">
+                          <a:effectLst/>
+                          <a:latin typeface="Arial" panose="020B0604020202020204" pitchFamily="34" charset="0"/>
+                          <a:cs typeface="Arial" panose="020B0604020202020204" pitchFamily="34" charset="0"/>
+                        </a:rPr>
+                        <a:t>De novo find motif</a:t>
+                      </a:r>
+                      <a:endParaRPr lang="en-US" sz="1400" b="0" dirty="0">
+                        <a:effectLst/>
+                        <a:latin typeface="Arial" panose="020B0604020202020204" pitchFamily="34" charset="0"/>
+                        <a:cs typeface="Arial" panose="020B0604020202020204" pitchFamily="34" charset="0"/>
+                      </a:endParaRPr>
+                    </a:p>
+                  </a:txBody>
+                  <a:tcPr marL="23332" marR="23332" marT="23332" marB="23332" anchor="ctr">
+                    <a:lnL w="7620" cap="flat" cmpd="sng" algn="ctr">
+                      <a:solidFill>
+                        <a:srgbClr val="DDDDDD"/>
+                      </a:solidFill>
+                      <a:prstDash val="solid"/>
+                      <a:round/>
+                      <a:headEnd type="none" w="med" len="med"/>
+                      <a:tailEnd type="none" w="med" len="med"/>
+                    </a:lnL>
+                    <a:lnR w="7620" cap="flat" cmpd="sng" algn="ctr">
+                      <a:solidFill>
+                        <a:srgbClr val="DDDDDD"/>
+                      </a:solidFill>
+                      <a:prstDash val="solid"/>
+                      <a:round/>
+                      <a:headEnd type="none" w="med" len="med"/>
+                      <a:tailEnd type="none" w="med" len="med"/>
+                    </a:lnR>
+                    <a:lnT w="7620" cap="flat" cmpd="sng" algn="ctr">
+                      <a:solidFill>
+                        <a:srgbClr val="DDDDDD"/>
+                      </a:solidFill>
+                      <a:prstDash val="solid"/>
+                      <a:round/>
+                      <a:headEnd type="none" w="med" len="med"/>
+                      <a:tailEnd type="none" w="med" len="med"/>
+                    </a:lnT>
+                    <a:lnB w="7620" cap="flat" cmpd="sng" algn="ctr">
+                      <a:solidFill>
+                        <a:srgbClr val="DDDDDD"/>
+                      </a:solidFill>
+                      <a:prstDash val="solid"/>
+                      <a:round/>
+                      <a:headEnd type="none" w="med" len="med"/>
+                      <a:tailEnd type="none" w="med" len="med"/>
+                    </a:lnB>
+                    <a:solidFill>
+                      <a:srgbClr val="DDDDDD"/>
+                    </a:solidFill>
+                  </a:tcPr>
+                </a:tc>
+                <a:tc>
+                  <a:txBody>
+                    <a:bodyPr/>
+                    <a:lstStyle/>
+                    <a:p>
+                      <a:pPr algn="ctr"/>
+                      <a:r>
+                        <a:rPr lang="en-US" altLang="zh-CN" sz="1400" dirty="0">
+                          <a:effectLst/>
+                          <a:latin typeface="Arial" panose="020B0604020202020204" pitchFamily="34" charset="0"/>
+                          <a:cs typeface="Arial" panose="020B0604020202020204" pitchFamily="34" charset="0"/>
+                        </a:rPr>
+                        <a:t>A</a:t>
+                      </a:r>
+                      <a:endParaRPr lang="zh-CN" altLang="en-US" sz="1400" dirty="0">
+                        <a:effectLst/>
+                        <a:latin typeface="Arial" panose="020B0604020202020204" pitchFamily="34" charset="0"/>
+                        <a:cs typeface="Arial" panose="020B0604020202020204" pitchFamily="34" charset="0"/>
+                      </a:endParaRPr>
+                    </a:p>
+                  </a:txBody>
+                  <a:tcPr marL="23332" marR="23332" marT="23332" marB="23332" anchor="ctr">
+                    <a:lnL w="7620" cap="flat" cmpd="sng" algn="ctr">
+                      <a:solidFill>
+                        <a:srgbClr val="DDDDDD"/>
+                      </a:solidFill>
+                      <a:prstDash val="solid"/>
+                      <a:round/>
+                      <a:headEnd type="none" w="med" len="med"/>
+                      <a:tailEnd type="none" w="med" len="med"/>
+                    </a:lnL>
+                    <a:lnR w="7620" cap="flat" cmpd="sng" algn="ctr">
+                      <a:solidFill>
+                        <a:srgbClr val="DDDDDD"/>
+                      </a:solidFill>
+                      <a:prstDash val="solid"/>
+                      <a:round/>
+                      <a:headEnd type="none" w="med" len="med"/>
+                      <a:tailEnd type="none" w="med" len="med"/>
+                    </a:lnR>
+                    <a:lnT w="7620" cap="flat" cmpd="sng" algn="ctr">
+                      <a:solidFill>
+                        <a:srgbClr val="DDDDDD"/>
+                      </a:solidFill>
+                      <a:prstDash val="solid"/>
+                      <a:round/>
+                      <a:headEnd type="none" w="med" len="med"/>
+                      <a:tailEnd type="none" w="med" len="med"/>
+                    </a:lnT>
+                    <a:lnB w="7620" cap="flat" cmpd="sng" algn="ctr">
+                      <a:solidFill>
+                        <a:srgbClr val="DDDDDD"/>
+                      </a:solidFill>
+                      <a:prstDash val="solid"/>
+                      <a:round/>
+                      <a:headEnd type="none" w="med" len="med"/>
+                      <a:tailEnd type="none" w="med" len="med"/>
+                    </a:lnB>
+                    <a:solidFill>
+                      <a:srgbClr val="DDDDDD"/>
+                    </a:solidFill>
+                  </a:tcPr>
+                </a:tc>
+                <a:tc>
+                  <a:txBody>
+                    <a:bodyPr/>
+                    <a:lstStyle/>
+                    <a:p>
+                      <a:pPr marL="0" marR="0" lvl="0" indent="0" algn="ctr" defTabSz="914400" rtl="0" eaLnBrk="1" fontAlgn="auto" latinLnBrk="0" hangingPunct="1">
+                        <a:lnSpc>
+                          <a:spcPct val="100000"/>
+                        </a:lnSpc>
+                        <a:spcBef>
+                          <a:spcPts val="0"/>
+                        </a:spcBef>
+                        <a:spcAft>
+                          <a:spcPts val="0"/>
+                        </a:spcAft>
+                        <a:buClrTx/>
+                        <a:buSzTx/>
+                        <a:buFontTx/>
+                        <a:buNone/>
+                        <a:tabLst/>
+                        <a:defRPr/>
+                      </a:pPr>
+                      <a:r>
+                        <a:rPr lang="zh-CN" altLang="en-US" sz="1400" dirty="0">
+                          <a:effectLst/>
+                          <a:latin typeface="Arial" panose="020B0604020202020204" pitchFamily="34" charset="0"/>
+                          <a:cs typeface="Arial" panose="020B0604020202020204" pitchFamily="34" charset="0"/>
+                        </a:rPr>
+                        <a:t>✓</a:t>
+                      </a:r>
+                    </a:p>
+                  </a:txBody>
+                  <a:tcPr marL="23332" marR="23332" marT="23332" marB="23332" anchor="ctr">
+                    <a:lnL w="7620" cap="flat" cmpd="sng" algn="ctr">
+                      <a:solidFill>
+                        <a:srgbClr val="DDDDDD"/>
+                      </a:solidFill>
+                      <a:prstDash val="solid"/>
+                      <a:round/>
+                      <a:headEnd type="none" w="med" len="med"/>
+                      <a:tailEnd type="none" w="med" len="med"/>
+                    </a:lnL>
+                    <a:lnR w="7620" cap="flat" cmpd="sng" algn="ctr">
+                      <a:solidFill>
+                        <a:srgbClr val="DDDDDD"/>
+                      </a:solidFill>
+                      <a:prstDash val="solid"/>
+                      <a:round/>
+                      <a:headEnd type="none" w="med" len="med"/>
+                      <a:tailEnd type="none" w="med" len="med"/>
+                    </a:lnR>
+                    <a:lnT w="7620" cap="flat" cmpd="sng" algn="ctr">
+                      <a:solidFill>
+                        <a:srgbClr val="DDDDDD"/>
+                      </a:solidFill>
+                      <a:prstDash val="solid"/>
+                      <a:round/>
+                      <a:headEnd type="none" w="med" len="med"/>
+                      <a:tailEnd type="none" w="med" len="med"/>
+                    </a:lnT>
+                    <a:lnB w="7620" cap="flat" cmpd="sng" algn="ctr">
+                      <a:solidFill>
+                        <a:srgbClr val="DDDDDD"/>
+                      </a:solidFill>
+                      <a:prstDash val="solid"/>
+                      <a:round/>
+                      <a:headEnd type="none" w="med" len="med"/>
+                      <a:tailEnd type="none" w="med" len="med"/>
+                    </a:lnB>
+                    <a:solidFill>
+                      <a:srgbClr val="DDDDDD"/>
+                    </a:solidFill>
+                  </a:tcPr>
+                </a:tc>
+                <a:tc>
+                  <a:txBody>
+                    <a:bodyPr/>
+                    <a:lstStyle/>
+                    <a:p>
+                      <a:pPr algn="ctr"/>
+                      <a:r>
+                        <a:rPr lang="en-US" altLang="zh-CN" sz="1400" dirty="0">
+                          <a:effectLst/>
+                          <a:latin typeface="Arial" panose="020B0604020202020204" pitchFamily="34" charset="0"/>
+                          <a:cs typeface="Arial" panose="020B0604020202020204" pitchFamily="34" charset="0"/>
+                        </a:rPr>
+                        <a:t>1bp_TR.fasta, k=5</a:t>
+                      </a:r>
+                      <a:endParaRPr lang="zh-CN" altLang="en-US" sz="1400" dirty="0">
+                        <a:effectLst/>
+                        <a:latin typeface="Arial" panose="020B0604020202020204" pitchFamily="34" charset="0"/>
+                        <a:cs typeface="Arial" panose="020B0604020202020204" pitchFamily="34" charset="0"/>
+                      </a:endParaRPr>
+                    </a:p>
+                  </a:txBody>
+                  <a:tcPr marL="23332" marR="23332" marT="23332" marB="23332" anchor="ctr">
+                    <a:lnL w="7620" cap="flat" cmpd="sng" algn="ctr">
+                      <a:solidFill>
+                        <a:srgbClr val="DDDDDD"/>
+                      </a:solidFill>
+                      <a:prstDash val="solid"/>
+                      <a:round/>
+                      <a:headEnd type="none" w="med" len="med"/>
+                      <a:tailEnd type="none" w="med" len="med"/>
+                    </a:lnL>
+                    <a:lnR w="7620" cap="flat" cmpd="sng" algn="ctr">
+                      <a:solidFill>
+                        <a:srgbClr val="DDDDDD"/>
+                      </a:solidFill>
+                      <a:prstDash val="solid"/>
+                      <a:round/>
+                      <a:headEnd type="none" w="med" len="med"/>
+                      <a:tailEnd type="none" w="med" len="med"/>
+                    </a:lnR>
+                    <a:lnT w="7620" cap="flat" cmpd="sng" algn="ctr">
+                      <a:solidFill>
+                        <a:srgbClr val="DDDDDD"/>
+                      </a:solidFill>
+                      <a:prstDash val="solid"/>
+                      <a:round/>
+                      <a:headEnd type="none" w="med" len="med"/>
+                      <a:tailEnd type="none" w="med" len="med"/>
+                    </a:lnT>
+                    <a:lnB w="7620" cap="flat" cmpd="sng" algn="ctr">
+                      <a:solidFill>
+                        <a:srgbClr val="DDDDDD"/>
+                      </a:solidFill>
+                      <a:prstDash val="solid"/>
+                      <a:round/>
+                      <a:headEnd type="none" w="med" len="med"/>
+                      <a:tailEnd type="none" w="med" len="med"/>
+                    </a:lnB>
+                    <a:solidFill>
+                      <a:srgbClr val="DDDDDD"/>
+                    </a:solidFill>
+                  </a:tcPr>
+                </a:tc>
+                <a:extLst>
+                  <a:ext uri="{0D108BD9-81ED-4DB2-BD59-A6C34878D82A}">
+                    <a16:rowId xmlns:a16="http://schemas.microsoft.com/office/drawing/2014/main" val="2548230455"/>
+                  </a:ext>
+                </a:extLst>
+              </a:tr>
+              <a:tr h="361639">
+                <a:tc>
+                  <a:txBody>
+                    <a:bodyPr/>
+                    <a:lstStyle/>
+                    <a:p>
+                      <a:pPr algn="ctr"/>
+                      <a:r>
+                        <a:rPr lang="en-US" altLang="zh-CN" sz="1400" b="0" dirty="0">
+                          <a:effectLst/>
+                          <a:latin typeface="Arial" panose="020B0604020202020204" pitchFamily="34" charset="0"/>
+                          <a:cs typeface="Arial" panose="020B0604020202020204" pitchFamily="34" charset="0"/>
+                        </a:rPr>
+                        <a:t>De novo find motif</a:t>
+                      </a:r>
+                    </a:p>
+                  </a:txBody>
+                  <a:tcPr marL="23332" marR="23332" marT="23332" marB="23332" anchor="ctr">
+                    <a:lnL w="7620" cap="flat" cmpd="sng" algn="ctr">
+                      <a:solidFill>
+                        <a:srgbClr val="DDDDDD"/>
+                      </a:solidFill>
+                      <a:prstDash val="solid"/>
+                      <a:round/>
+                      <a:headEnd type="none" w="med" len="med"/>
+                      <a:tailEnd type="none" w="med" len="med"/>
+                    </a:lnL>
+                    <a:lnR w="7620" cap="flat" cmpd="sng" algn="ctr">
+                      <a:solidFill>
+                        <a:srgbClr val="DDDDDD"/>
+                      </a:solidFill>
+                      <a:prstDash val="solid"/>
+                      <a:round/>
+                      <a:headEnd type="none" w="med" len="med"/>
+                      <a:tailEnd type="none" w="med" len="med"/>
+                    </a:lnR>
+                    <a:lnT w="7620" cap="flat" cmpd="sng" algn="ctr">
+                      <a:solidFill>
+                        <a:srgbClr val="DDDDDD"/>
+                      </a:solidFill>
+                      <a:prstDash val="solid"/>
+                      <a:round/>
+                      <a:headEnd type="none" w="med" len="med"/>
+                      <a:tailEnd type="none" w="med" len="med"/>
+                    </a:lnT>
+                    <a:lnB w="7620" cap="flat" cmpd="sng" algn="ctr">
+                      <a:solidFill>
+                        <a:srgbClr val="DDDDDD"/>
+                      </a:solidFill>
+                      <a:prstDash val="solid"/>
+                      <a:round/>
+                      <a:headEnd type="none" w="med" len="med"/>
+                      <a:tailEnd type="none" w="med" len="med"/>
+                    </a:lnB>
+                    <a:solidFill>
+                      <a:srgbClr val="EEEEEE"/>
+                    </a:solidFill>
+                  </a:tcPr>
+                </a:tc>
+                <a:tc>
+                  <a:txBody>
+                    <a:bodyPr/>
+                    <a:lstStyle/>
+                    <a:p>
+                      <a:pPr algn="ctr"/>
+                      <a:r>
+                        <a:rPr lang="en-US" altLang="zh-CN" sz="1400" dirty="0">
+                          <a:effectLst/>
+                          <a:latin typeface="Arial" panose="020B0604020202020204" pitchFamily="34" charset="0"/>
+                          <a:cs typeface="Arial" panose="020B0604020202020204" pitchFamily="34" charset="0"/>
+                        </a:rPr>
+                        <a:t>AATGG, TTACC</a:t>
+                      </a:r>
+                      <a:endParaRPr lang="zh-CN" altLang="en-US" sz="1400" dirty="0">
+                        <a:effectLst/>
+                        <a:latin typeface="Arial" panose="020B0604020202020204" pitchFamily="34" charset="0"/>
+                        <a:cs typeface="Arial" panose="020B0604020202020204" pitchFamily="34" charset="0"/>
+                      </a:endParaRPr>
+                    </a:p>
+                  </a:txBody>
+                  <a:tcPr marL="23332" marR="23332" marT="23332" marB="23332" anchor="ctr">
+                    <a:lnL w="7620" cap="flat" cmpd="sng" algn="ctr">
+                      <a:solidFill>
+                        <a:srgbClr val="DDDDDD"/>
+                      </a:solidFill>
+                      <a:prstDash val="solid"/>
+                      <a:round/>
+                      <a:headEnd type="none" w="med" len="med"/>
+                      <a:tailEnd type="none" w="med" len="med"/>
+                    </a:lnL>
+                    <a:lnR w="7620" cap="flat" cmpd="sng" algn="ctr">
+                      <a:solidFill>
+                        <a:srgbClr val="DDDDDD"/>
+                      </a:solidFill>
+                      <a:prstDash val="solid"/>
+                      <a:round/>
+                      <a:headEnd type="none" w="med" len="med"/>
+                      <a:tailEnd type="none" w="med" len="med"/>
+                    </a:lnR>
+                    <a:lnT w="7620" cap="flat" cmpd="sng" algn="ctr">
+                      <a:solidFill>
+                        <a:srgbClr val="DDDDDD"/>
+                      </a:solidFill>
+                      <a:prstDash val="solid"/>
+                      <a:round/>
+                      <a:headEnd type="none" w="med" len="med"/>
+                      <a:tailEnd type="none" w="med" len="med"/>
+                    </a:lnT>
+                    <a:lnB w="7620" cap="flat" cmpd="sng" algn="ctr">
+                      <a:solidFill>
+                        <a:srgbClr val="DDDDDD"/>
+                      </a:solidFill>
+                      <a:prstDash val="solid"/>
+                      <a:round/>
+                      <a:headEnd type="none" w="med" len="med"/>
+                      <a:tailEnd type="none" w="med" len="med"/>
+                    </a:lnB>
+                    <a:solidFill>
+                      <a:srgbClr val="EEEEEE"/>
+                    </a:solidFill>
+                  </a:tcPr>
+                </a:tc>
+                <a:tc>
+                  <a:txBody>
+                    <a:bodyPr/>
+                    <a:lstStyle/>
+                    <a:p>
+                      <a:pPr marL="0" marR="0" lvl="0" indent="0" algn="ctr" defTabSz="914400" rtl="0" eaLnBrk="1" fontAlgn="auto" latinLnBrk="0" hangingPunct="1">
+                        <a:lnSpc>
+                          <a:spcPct val="100000"/>
+                        </a:lnSpc>
+                        <a:spcBef>
+                          <a:spcPts val="0"/>
+                        </a:spcBef>
+                        <a:spcAft>
+                          <a:spcPts val="0"/>
+                        </a:spcAft>
+                        <a:buClrTx/>
+                        <a:buSzTx/>
+                        <a:buFontTx/>
+                        <a:buNone/>
+                        <a:tabLst/>
+                        <a:defRPr/>
+                      </a:pPr>
+                      <a:r>
+                        <a:rPr lang="zh-CN" altLang="en-US" sz="1400">
+                          <a:effectLst/>
+                          <a:latin typeface="Arial" panose="020B0604020202020204" pitchFamily="34" charset="0"/>
+                          <a:cs typeface="Arial" panose="020B0604020202020204" pitchFamily="34" charset="0"/>
+                        </a:rPr>
+                        <a:t>✓</a:t>
+                      </a:r>
+                      <a:endParaRPr lang="zh-CN" altLang="en-US" sz="1400" dirty="0">
+                        <a:effectLst/>
+                        <a:latin typeface="Arial" panose="020B0604020202020204" pitchFamily="34" charset="0"/>
+                        <a:cs typeface="Arial" panose="020B0604020202020204" pitchFamily="34" charset="0"/>
+                      </a:endParaRPr>
+                    </a:p>
+                  </a:txBody>
+                  <a:tcPr marL="23332" marR="23332" marT="23332" marB="23332" anchor="ctr">
+                    <a:lnL w="7620" cap="flat" cmpd="sng" algn="ctr">
+                      <a:solidFill>
+                        <a:srgbClr val="DDDDDD"/>
+                      </a:solidFill>
+                      <a:prstDash val="solid"/>
+                      <a:round/>
+                      <a:headEnd type="none" w="med" len="med"/>
+                      <a:tailEnd type="none" w="med" len="med"/>
+                    </a:lnL>
+                    <a:lnR w="7620" cap="flat" cmpd="sng" algn="ctr">
+                      <a:solidFill>
+                        <a:srgbClr val="DDDDDD"/>
+                      </a:solidFill>
+                      <a:prstDash val="solid"/>
+                      <a:round/>
+                      <a:headEnd type="none" w="med" len="med"/>
+                      <a:tailEnd type="none" w="med" len="med"/>
+                    </a:lnR>
+                    <a:lnT w="7620" cap="flat" cmpd="sng" algn="ctr">
+                      <a:solidFill>
+                        <a:srgbClr val="DDDDDD"/>
+                      </a:solidFill>
+                      <a:prstDash val="solid"/>
+                      <a:round/>
+                      <a:headEnd type="none" w="med" len="med"/>
+                      <a:tailEnd type="none" w="med" len="med"/>
+                    </a:lnT>
+                    <a:lnB w="7620" cap="flat" cmpd="sng" algn="ctr">
+                      <a:solidFill>
+                        <a:srgbClr val="DDDDDD"/>
+                      </a:solidFill>
+                      <a:prstDash val="solid"/>
+                      <a:round/>
+                      <a:headEnd type="none" w="med" len="med"/>
+                      <a:tailEnd type="none" w="med" len="med"/>
+                    </a:lnB>
+                    <a:solidFill>
+                      <a:srgbClr val="EEEEEE"/>
+                    </a:solidFill>
+                  </a:tcPr>
+                </a:tc>
+                <a:tc>
+                  <a:txBody>
+                    <a:bodyPr/>
+                    <a:lstStyle/>
+                    <a:p>
+                      <a:pPr algn="ctr"/>
+                      <a:r>
+                        <a:rPr lang="en-US" altLang="zh-CN" sz="1400" dirty="0">
+                          <a:effectLst/>
+                          <a:latin typeface="Arial" panose="020B0604020202020204" pitchFamily="34" charset="0"/>
+                          <a:cs typeface="Arial" panose="020B0604020202020204" pitchFamily="34" charset="0"/>
+                        </a:rPr>
+                        <a:t>5bp_TR.fasta, k=5</a:t>
+                      </a:r>
+                      <a:endParaRPr lang="zh-CN" altLang="en-US" sz="1400" dirty="0">
+                        <a:effectLst/>
+                        <a:latin typeface="Arial" panose="020B0604020202020204" pitchFamily="34" charset="0"/>
+                        <a:cs typeface="Arial" panose="020B0604020202020204" pitchFamily="34" charset="0"/>
+                      </a:endParaRPr>
+                    </a:p>
+                  </a:txBody>
+                  <a:tcPr marL="23332" marR="23332" marT="23332" marB="23332" anchor="ctr">
+                    <a:lnL w="7620" cap="flat" cmpd="sng" algn="ctr">
+                      <a:solidFill>
+                        <a:srgbClr val="DDDDDD"/>
+                      </a:solidFill>
+                      <a:prstDash val="solid"/>
+                      <a:round/>
+                      <a:headEnd type="none" w="med" len="med"/>
+                      <a:tailEnd type="none" w="med" len="med"/>
+                    </a:lnL>
+                    <a:lnR w="7620" cap="flat" cmpd="sng" algn="ctr">
+                      <a:solidFill>
+                        <a:srgbClr val="DDDDDD"/>
+                      </a:solidFill>
+                      <a:prstDash val="solid"/>
+                      <a:round/>
+                      <a:headEnd type="none" w="med" len="med"/>
+                      <a:tailEnd type="none" w="med" len="med"/>
+                    </a:lnR>
+                    <a:lnT w="7620" cap="flat" cmpd="sng" algn="ctr">
+                      <a:solidFill>
+                        <a:srgbClr val="DDDDDD"/>
+                      </a:solidFill>
+                      <a:prstDash val="solid"/>
+                      <a:round/>
+                      <a:headEnd type="none" w="med" len="med"/>
+                      <a:tailEnd type="none" w="med" len="med"/>
+                    </a:lnT>
+                    <a:lnB w="7620" cap="flat" cmpd="sng" algn="ctr">
+                      <a:solidFill>
+                        <a:srgbClr val="DDDDDD"/>
+                      </a:solidFill>
+                      <a:prstDash val="solid"/>
+                      <a:round/>
+                      <a:headEnd type="none" w="med" len="med"/>
+                      <a:tailEnd type="none" w="med" len="med"/>
+                    </a:lnB>
+                    <a:solidFill>
+                      <a:srgbClr val="EEEEEE"/>
+                    </a:solidFill>
+                  </a:tcPr>
+                </a:tc>
+                <a:extLst>
+                  <a:ext uri="{0D108BD9-81ED-4DB2-BD59-A6C34878D82A}">
+                    <a16:rowId xmlns:a16="http://schemas.microsoft.com/office/drawing/2014/main" val="176003074"/>
+                  </a:ext>
+                </a:extLst>
+              </a:tr>
+              <a:tr h="361639">
+                <a:tc>
+                  <a:txBody>
+                    <a:bodyPr/>
+                    <a:lstStyle/>
+                    <a:p>
+                      <a:pPr algn="ctr"/>
+                      <a:r>
+                        <a:rPr lang="en-US" altLang="zh-CN" sz="1400" b="0" dirty="0">
+                          <a:effectLst/>
+                          <a:latin typeface="Arial" panose="020B0604020202020204" pitchFamily="34" charset="0"/>
+                          <a:cs typeface="Arial" panose="020B0604020202020204" pitchFamily="34" charset="0"/>
+                        </a:rPr>
+                        <a:t>De novo find motif</a:t>
+                      </a:r>
+                    </a:p>
+                  </a:txBody>
+                  <a:tcPr marL="23332" marR="23332" marT="23332" marB="23332" anchor="ctr">
+                    <a:lnL w="7620" cap="flat" cmpd="sng" algn="ctr">
+                      <a:solidFill>
+                        <a:srgbClr val="DDDDDD"/>
+                      </a:solidFill>
+                      <a:prstDash val="solid"/>
+                      <a:round/>
+                      <a:headEnd type="none" w="med" len="med"/>
+                      <a:tailEnd type="none" w="med" len="med"/>
+                    </a:lnL>
+                    <a:lnR w="7620" cap="flat" cmpd="sng" algn="ctr">
+                      <a:solidFill>
+                        <a:srgbClr val="DDDDDD"/>
+                      </a:solidFill>
+                      <a:prstDash val="solid"/>
+                      <a:round/>
+                      <a:headEnd type="none" w="med" len="med"/>
+                      <a:tailEnd type="none" w="med" len="med"/>
+                    </a:lnR>
+                    <a:lnT w="7620" cap="flat" cmpd="sng" algn="ctr">
+                      <a:solidFill>
+                        <a:srgbClr val="DDDDDD"/>
+                      </a:solidFill>
+                      <a:prstDash val="solid"/>
+                      <a:round/>
+                      <a:headEnd type="none" w="med" len="med"/>
+                      <a:tailEnd type="none" w="med" len="med"/>
+                    </a:lnT>
+                    <a:lnB w="7620" cap="flat" cmpd="sng" algn="ctr">
+                      <a:solidFill>
+                        <a:srgbClr val="DDDDDD"/>
+                      </a:solidFill>
+                      <a:prstDash val="solid"/>
+                      <a:round/>
+                      <a:headEnd type="none" w="med" len="med"/>
+                      <a:tailEnd type="none" w="med" len="med"/>
+                    </a:lnB>
+                    <a:solidFill>
+                      <a:srgbClr val="DDDDDD"/>
+                    </a:solidFill>
+                  </a:tcPr>
+                </a:tc>
+                <a:tc>
+                  <a:txBody>
+                    <a:bodyPr/>
+                    <a:lstStyle/>
+                    <a:p>
+                      <a:pPr algn="ctr"/>
+                      <a:r>
+                        <a:rPr lang="en-US" altLang="zh-CN" sz="1400" dirty="0" err="1">
+                          <a:effectLst/>
+                          <a:latin typeface="Arial" panose="020B0604020202020204" pitchFamily="34" charset="0"/>
+                          <a:cs typeface="Arial" panose="020B0604020202020204" pitchFamily="34" charset="0"/>
+                        </a:rPr>
+                        <a:t>pCht</a:t>
+                      </a:r>
+                      <a:r>
+                        <a:rPr lang="en-US" altLang="zh-CN" sz="1400" dirty="0">
+                          <a:effectLst/>
+                          <a:latin typeface="Arial" panose="020B0604020202020204" pitchFamily="34" charset="0"/>
+                          <a:cs typeface="Arial" panose="020B0604020202020204" pitchFamily="34" charset="0"/>
+                        </a:rPr>
+                        <a:t> sequence</a:t>
+                      </a:r>
+                      <a:endParaRPr lang="zh-CN" altLang="en-US" sz="1400" dirty="0">
+                        <a:effectLst/>
+                        <a:latin typeface="Arial" panose="020B0604020202020204" pitchFamily="34" charset="0"/>
+                        <a:cs typeface="Arial" panose="020B0604020202020204" pitchFamily="34" charset="0"/>
+                      </a:endParaRPr>
+                    </a:p>
+                  </a:txBody>
+                  <a:tcPr marL="23332" marR="23332" marT="23332" marB="23332" anchor="ctr">
+                    <a:lnL w="7620" cap="flat" cmpd="sng" algn="ctr">
+                      <a:solidFill>
+                        <a:srgbClr val="DDDDDD"/>
+                      </a:solidFill>
+                      <a:prstDash val="solid"/>
+                      <a:round/>
+                      <a:headEnd type="none" w="med" len="med"/>
+                      <a:tailEnd type="none" w="med" len="med"/>
+                    </a:lnL>
+                    <a:lnR w="7620" cap="flat" cmpd="sng" algn="ctr">
+                      <a:solidFill>
+                        <a:srgbClr val="DDDDDD"/>
+                      </a:solidFill>
+                      <a:prstDash val="solid"/>
+                      <a:round/>
+                      <a:headEnd type="none" w="med" len="med"/>
+                      <a:tailEnd type="none" w="med" len="med"/>
+                    </a:lnR>
+                    <a:lnT w="7620" cap="flat" cmpd="sng" algn="ctr">
+                      <a:solidFill>
+                        <a:srgbClr val="DDDDDD"/>
+                      </a:solidFill>
+                      <a:prstDash val="solid"/>
+                      <a:round/>
+                      <a:headEnd type="none" w="med" len="med"/>
+                      <a:tailEnd type="none" w="med" len="med"/>
+                    </a:lnT>
+                    <a:lnB w="7620" cap="flat" cmpd="sng" algn="ctr">
+                      <a:solidFill>
+                        <a:srgbClr val="DDDDDD"/>
+                      </a:solidFill>
+                      <a:prstDash val="solid"/>
+                      <a:round/>
+                      <a:headEnd type="none" w="med" len="med"/>
+                      <a:tailEnd type="none" w="med" len="med"/>
+                    </a:lnB>
+                    <a:solidFill>
+                      <a:srgbClr val="DDDDDD"/>
+                    </a:solidFill>
+                  </a:tcPr>
+                </a:tc>
+                <a:tc>
+                  <a:txBody>
+                    <a:bodyPr/>
+                    <a:lstStyle/>
+                    <a:p>
+                      <a:pPr marL="0" marR="0" lvl="0" indent="0" algn="ctr" defTabSz="914400" rtl="0" eaLnBrk="1" fontAlgn="auto" latinLnBrk="0" hangingPunct="1">
+                        <a:lnSpc>
+                          <a:spcPct val="100000"/>
+                        </a:lnSpc>
+                        <a:spcBef>
+                          <a:spcPts val="0"/>
+                        </a:spcBef>
+                        <a:spcAft>
+                          <a:spcPts val="0"/>
+                        </a:spcAft>
+                        <a:buClrTx/>
+                        <a:buSzTx/>
+                        <a:buFontTx/>
+                        <a:buNone/>
+                        <a:tabLst/>
+                        <a:defRPr/>
+                      </a:pPr>
+                      <a:r>
+                        <a:rPr lang="zh-CN" altLang="en-US" sz="1400" dirty="0">
+                          <a:effectLst/>
+                          <a:latin typeface="Arial" panose="020B0604020202020204" pitchFamily="34" charset="0"/>
+                          <a:cs typeface="Arial" panose="020B0604020202020204" pitchFamily="34" charset="0"/>
+                        </a:rPr>
+                        <a:t>✓</a:t>
+                      </a:r>
+                    </a:p>
+                  </a:txBody>
+                  <a:tcPr marL="23332" marR="23332" marT="23332" marB="23332" anchor="ctr">
+                    <a:lnL w="7620" cap="flat" cmpd="sng" algn="ctr">
+                      <a:solidFill>
+                        <a:srgbClr val="DDDDDD"/>
+                      </a:solidFill>
+                      <a:prstDash val="solid"/>
+                      <a:round/>
+                      <a:headEnd type="none" w="med" len="med"/>
+                      <a:tailEnd type="none" w="med" len="med"/>
+                    </a:lnL>
+                    <a:lnR w="7620" cap="flat" cmpd="sng" algn="ctr">
+                      <a:solidFill>
+                        <a:srgbClr val="DDDDDD"/>
+                      </a:solidFill>
+                      <a:prstDash val="solid"/>
+                      <a:round/>
+                      <a:headEnd type="none" w="med" len="med"/>
+                      <a:tailEnd type="none" w="med" len="med"/>
+                    </a:lnR>
+                    <a:lnT w="7620" cap="flat" cmpd="sng" algn="ctr">
+                      <a:solidFill>
+                        <a:srgbClr val="DDDDDD"/>
+                      </a:solidFill>
+                      <a:prstDash val="solid"/>
+                      <a:round/>
+                      <a:headEnd type="none" w="med" len="med"/>
+                      <a:tailEnd type="none" w="med" len="med"/>
+                    </a:lnT>
+                    <a:lnB w="7620" cap="flat" cmpd="sng" algn="ctr">
+                      <a:solidFill>
+                        <a:srgbClr val="DDDDDD"/>
+                      </a:solidFill>
+                      <a:prstDash val="solid"/>
+                      <a:round/>
+                      <a:headEnd type="none" w="med" len="med"/>
+                      <a:tailEnd type="none" w="med" len="med"/>
+                    </a:lnB>
+                    <a:solidFill>
+                      <a:srgbClr val="DDDDDD"/>
+                    </a:solidFill>
+                  </a:tcPr>
+                </a:tc>
+                <a:tc>
+                  <a:txBody>
+                    <a:bodyPr/>
+                    <a:lstStyle/>
+                    <a:p>
+                      <a:pPr algn="ctr"/>
+                      <a:r>
+                        <a:rPr lang="en-US" altLang="zh-CN" sz="1400" dirty="0">
+                          <a:effectLst/>
+                          <a:latin typeface="Arial" panose="020B0604020202020204" pitchFamily="34" charset="0"/>
+                          <a:cs typeface="Arial" panose="020B0604020202020204" pitchFamily="34" charset="0"/>
+                        </a:rPr>
+                        <a:t>32bp_TR.fasta, k=5</a:t>
+                      </a:r>
+                      <a:endParaRPr lang="zh-CN" altLang="en-US" sz="1400" dirty="0">
+                        <a:effectLst/>
+                        <a:latin typeface="Arial" panose="020B0604020202020204" pitchFamily="34" charset="0"/>
+                        <a:cs typeface="Arial" panose="020B0604020202020204" pitchFamily="34" charset="0"/>
+                      </a:endParaRPr>
+                    </a:p>
+                  </a:txBody>
+                  <a:tcPr marL="23332" marR="23332" marT="23332" marB="23332" anchor="ctr">
+                    <a:lnL w="7620" cap="flat" cmpd="sng" algn="ctr">
+                      <a:solidFill>
+                        <a:srgbClr val="DDDDDD"/>
+                      </a:solidFill>
+                      <a:prstDash val="solid"/>
+                      <a:round/>
+                      <a:headEnd type="none" w="med" len="med"/>
+                      <a:tailEnd type="none" w="med" len="med"/>
+                    </a:lnL>
+                    <a:lnR w="7620" cap="flat" cmpd="sng" algn="ctr">
+                      <a:solidFill>
+                        <a:srgbClr val="DDDDDD"/>
+                      </a:solidFill>
+                      <a:prstDash val="solid"/>
+                      <a:round/>
+                      <a:headEnd type="none" w="med" len="med"/>
+                      <a:tailEnd type="none" w="med" len="med"/>
+                    </a:lnR>
+                    <a:lnT w="7620" cap="flat" cmpd="sng" algn="ctr">
+                      <a:solidFill>
+                        <a:srgbClr val="DDDDDD"/>
+                      </a:solidFill>
+                      <a:prstDash val="solid"/>
+                      <a:round/>
+                      <a:headEnd type="none" w="med" len="med"/>
+                      <a:tailEnd type="none" w="med" len="med"/>
+                    </a:lnT>
+                    <a:lnB w="7620" cap="flat" cmpd="sng" algn="ctr">
+                      <a:solidFill>
+                        <a:srgbClr val="DDDDDD"/>
+                      </a:solidFill>
+                      <a:prstDash val="solid"/>
+                      <a:round/>
+                      <a:headEnd type="none" w="med" len="med"/>
+                      <a:tailEnd type="none" w="med" len="med"/>
+                    </a:lnB>
+                    <a:solidFill>
+                      <a:srgbClr val="DDDDDD"/>
+                    </a:solidFill>
+                  </a:tcPr>
+                </a:tc>
+                <a:extLst>
+                  <a:ext uri="{0D108BD9-81ED-4DB2-BD59-A6C34878D82A}">
+                    <a16:rowId xmlns:a16="http://schemas.microsoft.com/office/drawing/2014/main" val="3449629275"/>
+                  </a:ext>
+                </a:extLst>
+              </a:tr>
+              <a:tr h="466631">
+                <a:tc>
+                  <a:txBody>
+                    <a:bodyPr/>
+                    <a:lstStyle/>
+                    <a:p>
+                      <a:pPr marL="0" marR="0" lvl="0" indent="0" algn="ctr" defTabSz="914400" rtl="0" eaLnBrk="1" fontAlgn="auto" latinLnBrk="0" hangingPunct="1">
+                        <a:lnSpc>
+                          <a:spcPct val="100000"/>
+                        </a:lnSpc>
+                        <a:spcBef>
+                          <a:spcPts val="0"/>
+                        </a:spcBef>
+                        <a:spcAft>
+                          <a:spcPts val="0"/>
+                        </a:spcAft>
+                        <a:buClrTx/>
+                        <a:buSzTx/>
+                        <a:buFontTx/>
+                        <a:buNone/>
+                        <a:tabLst/>
+                        <a:defRPr/>
+                      </a:pPr>
+                      <a:r>
+                        <a:rPr lang="en-US" altLang="zh-CN" sz="1400" b="0" dirty="0">
+                          <a:effectLst/>
+                          <a:latin typeface="Arial" panose="020B0604020202020204" pitchFamily="34" charset="0"/>
+                          <a:cs typeface="Arial" panose="020B0604020202020204" pitchFamily="34" charset="0"/>
+                        </a:rPr>
+                        <a:t>De novo find motif</a:t>
+                      </a:r>
+                    </a:p>
+                  </a:txBody>
+                  <a:tcPr marL="23332" marR="23332" marT="23332" marB="23332" anchor="ctr">
+                    <a:lnL w="7620" cap="flat" cmpd="sng" algn="ctr">
+                      <a:solidFill>
+                        <a:srgbClr val="DDDDDD"/>
+                      </a:solidFill>
+                      <a:prstDash val="solid"/>
+                      <a:round/>
+                      <a:headEnd type="none" w="med" len="med"/>
+                      <a:tailEnd type="none" w="med" len="med"/>
+                    </a:lnL>
+                    <a:lnR w="7620" cap="flat" cmpd="sng" algn="ctr">
+                      <a:solidFill>
+                        <a:srgbClr val="DDDDDD"/>
+                      </a:solidFill>
+                      <a:prstDash val="solid"/>
+                      <a:round/>
+                      <a:headEnd type="none" w="med" len="med"/>
+                      <a:tailEnd type="none" w="med" len="med"/>
+                    </a:lnR>
+                    <a:lnT w="7620" cap="flat" cmpd="sng" algn="ctr">
+                      <a:solidFill>
+                        <a:srgbClr val="DDDDDD"/>
+                      </a:solidFill>
+                      <a:prstDash val="solid"/>
+                      <a:round/>
+                      <a:headEnd type="none" w="med" len="med"/>
+                      <a:tailEnd type="none" w="med" len="med"/>
+                    </a:lnT>
+                    <a:lnB w="7620" cap="flat" cmpd="sng" algn="ctr">
+                      <a:solidFill>
+                        <a:srgbClr val="DDDDDD"/>
+                      </a:solidFill>
+                      <a:prstDash val="solid"/>
+                      <a:round/>
+                      <a:headEnd type="none" w="med" len="med"/>
+                      <a:tailEnd type="none" w="med" len="med"/>
+                    </a:lnB>
+                    <a:solidFill>
+                      <a:srgbClr val="EEEEEE"/>
+                    </a:solidFill>
+                  </a:tcPr>
+                </a:tc>
+                <a:tc>
+                  <a:txBody>
+                    <a:bodyPr/>
+                    <a:lstStyle/>
+                    <a:p>
+                      <a:pPr algn="ctr"/>
+                      <a:r>
+                        <a:rPr lang="en-US" altLang="zh-CN" sz="1400" dirty="0">
+                          <a:effectLst/>
+                          <a:latin typeface="Arial" panose="020B0604020202020204" pitchFamily="34" charset="0"/>
+                          <a:cs typeface="Arial" panose="020B0604020202020204" pitchFamily="34" charset="0"/>
+                        </a:rPr>
+                        <a:t>R1_cons.11Jul21_CHM13</a:t>
+                      </a:r>
+                      <a:endParaRPr lang="zh-CN" altLang="en-US" sz="1400" dirty="0">
+                        <a:effectLst/>
+                        <a:latin typeface="Arial" panose="020B0604020202020204" pitchFamily="34" charset="0"/>
+                        <a:cs typeface="Arial" panose="020B0604020202020204" pitchFamily="34" charset="0"/>
+                      </a:endParaRPr>
+                    </a:p>
+                  </a:txBody>
+                  <a:tcPr marL="23332" marR="23332" marT="23332" marB="23332" anchor="ctr">
+                    <a:lnL w="7620" cap="flat" cmpd="sng" algn="ctr">
+                      <a:solidFill>
+                        <a:srgbClr val="DDDDDD"/>
+                      </a:solidFill>
+                      <a:prstDash val="solid"/>
+                      <a:round/>
+                      <a:headEnd type="none" w="med" len="med"/>
+                      <a:tailEnd type="none" w="med" len="med"/>
+                    </a:lnL>
+                    <a:lnR w="7620" cap="flat" cmpd="sng" algn="ctr">
+                      <a:solidFill>
+                        <a:srgbClr val="DDDDDD"/>
+                      </a:solidFill>
+                      <a:prstDash val="solid"/>
+                      <a:round/>
+                      <a:headEnd type="none" w="med" len="med"/>
+                      <a:tailEnd type="none" w="med" len="med"/>
+                    </a:lnR>
+                    <a:lnT w="7620" cap="flat" cmpd="sng" algn="ctr">
+                      <a:solidFill>
+                        <a:srgbClr val="DDDDDD"/>
+                      </a:solidFill>
+                      <a:prstDash val="solid"/>
+                      <a:round/>
+                      <a:headEnd type="none" w="med" len="med"/>
+                      <a:tailEnd type="none" w="med" len="med"/>
+                    </a:lnT>
+                    <a:lnB w="7620" cap="flat" cmpd="sng" algn="ctr">
+                      <a:solidFill>
+                        <a:srgbClr val="DDDDDD"/>
+                      </a:solidFill>
+                      <a:prstDash val="solid"/>
+                      <a:round/>
+                      <a:headEnd type="none" w="med" len="med"/>
+                      <a:tailEnd type="none" w="med" len="med"/>
+                    </a:lnB>
+                    <a:solidFill>
+                      <a:srgbClr val="EEEEEE"/>
+                    </a:solidFill>
+                  </a:tcPr>
+                </a:tc>
+                <a:tc>
+                  <a:txBody>
+                    <a:bodyPr/>
+                    <a:lstStyle/>
+                    <a:p>
+                      <a:pPr marL="0" marR="0" lvl="0" indent="0" algn="ctr" defTabSz="914400" rtl="0" eaLnBrk="1" fontAlgn="auto" latinLnBrk="0" hangingPunct="1">
+                        <a:lnSpc>
+                          <a:spcPct val="100000"/>
+                        </a:lnSpc>
+                        <a:spcBef>
+                          <a:spcPts val="0"/>
+                        </a:spcBef>
+                        <a:spcAft>
+                          <a:spcPts val="0"/>
+                        </a:spcAft>
+                        <a:buClrTx/>
+                        <a:buSzTx/>
+                        <a:buFontTx/>
+                        <a:buNone/>
+                        <a:tabLst/>
+                        <a:defRPr/>
+                      </a:pPr>
+                      <a:r>
+                        <a:rPr lang="zh-CN" altLang="en-US" sz="1400" dirty="0">
+                          <a:effectLst/>
+                          <a:latin typeface="Arial" panose="020B0604020202020204" pitchFamily="34" charset="0"/>
+                          <a:cs typeface="Arial" panose="020B0604020202020204" pitchFamily="34" charset="0"/>
+                        </a:rPr>
+                        <a:t>✓</a:t>
+                      </a:r>
+                    </a:p>
+                  </a:txBody>
+                  <a:tcPr marL="23332" marR="23332" marT="23332" marB="23332" anchor="ctr">
+                    <a:lnL w="7620" cap="flat" cmpd="sng" algn="ctr">
+                      <a:solidFill>
+                        <a:srgbClr val="DDDDDD"/>
+                      </a:solidFill>
+                      <a:prstDash val="solid"/>
+                      <a:round/>
+                      <a:headEnd type="none" w="med" len="med"/>
+                      <a:tailEnd type="none" w="med" len="med"/>
+                    </a:lnL>
+                    <a:lnR w="7620" cap="flat" cmpd="sng" algn="ctr">
+                      <a:solidFill>
+                        <a:srgbClr val="DDDDDD"/>
+                      </a:solidFill>
+                      <a:prstDash val="solid"/>
+                      <a:round/>
+                      <a:headEnd type="none" w="med" len="med"/>
+                      <a:tailEnd type="none" w="med" len="med"/>
+                    </a:lnR>
+                    <a:lnT w="7620" cap="flat" cmpd="sng" algn="ctr">
+                      <a:solidFill>
+                        <a:srgbClr val="DDDDDD"/>
+                      </a:solidFill>
+                      <a:prstDash val="solid"/>
+                      <a:round/>
+                      <a:headEnd type="none" w="med" len="med"/>
+                      <a:tailEnd type="none" w="med" len="med"/>
+                    </a:lnT>
+                    <a:lnB w="7620" cap="flat" cmpd="sng" algn="ctr">
+                      <a:solidFill>
+                        <a:srgbClr val="DDDDDD"/>
+                      </a:solidFill>
+                      <a:prstDash val="solid"/>
+                      <a:round/>
+                      <a:headEnd type="none" w="med" len="med"/>
+                      <a:tailEnd type="none" w="med" len="med"/>
+                    </a:lnB>
+                    <a:solidFill>
+                      <a:srgbClr val="EEEEEE"/>
+                    </a:solidFill>
+                  </a:tcPr>
+                </a:tc>
+                <a:tc>
+                  <a:txBody>
+                    <a:bodyPr/>
+                    <a:lstStyle/>
+                    <a:p>
+                      <a:pPr marL="0" marR="0" lvl="0" indent="0" algn="ctr" defTabSz="914400" rtl="0" eaLnBrk="1" fontAlgn="auto" latinLnBrk="0" hangingPunct="1">
+                        <a:lnSpc>
+                          <a:spcPct val="100000"/>
+                        </a:lnSpc>
+                        <a:spcBef>
+                          <a:spcPts val="0"/>
+                        </a:spcBef>
+                        <a:spcAft>
+                          <a:spcPts val="0"/>
+                        </a:spcAft>
+                        <a:buClrTx/>
+                        <a:buSzTx/>
+                        <a:buFontTx/>
+                        <a:buNone/>
+                        <a:tabLst/>
+                        <a:defRPr/>
+                      </a:pPr>
+                      <a:r>
+                        <a:rPr lang="en-US" altLang="zh-CN" sz="1400" dirty="0">
+                          <a:effectLst/>
+                          <a:latin typeface="Arial" panose="020B0604020202020204" pitchFamily="34" charset="0"/>
+                          <a:cs typeface="Arial" panose="020B0604020202020204" pitchFamily="34" charset="0"/>
+                        </a:rPr>
+                        <a:t>171bp_TR.fasta, k=7</a:t>
+                      </a:r>
+                      <a:endParaRPr lang="zh-CN" altLang="en-US" sz="1400" dirty="0">
+                        <a:effectLst/>
+                        <a:latin typeface="Arial" panose="020B0604020202020204" pitchFamily="34" charset="0"/>
+                        <a:cs typeface="Arial" panose="020B0604020202020204" pitchFamily="34" charset="0"/>
+                      </a:endParaRPr>
+                    </a:p>
+                  </a:txBody>
+                  <a:tcPr marL="23332" marR="23332" marT="23332" marB="23332" anchor="ctr">
+                    <a:lnL w="7620" cap="flat" cmpd="sng" algn="ctr">
+                      <a:solidFill>
+                        <a:srgbClr val="DDDDDD"/>
+                      </a:solidFill>
+                      <a:prstDash val="solid"/>
+                      <a:round/>
+                      <a:headEnd type="none" w="med" len="med"/>
+                      <a:tailEnd type="none" w="med" len="med"/>
+                    </a:lnL>
+                    <a:lnR w="7620" cap="flat" cmpd="sng" algn="ctr">
+                      <a:solidFill>
+                        <a:srgbClr val="DDDDDD"/>
+                      </a:solidFill>
+                      <a:prstDash val="solid"/>
+                      <a:round/>
+                      <a:headEnd type="none" w="med" len="med"/>
+                      <a:tailEnd type="none" w="med" len="med"/>
+                    </a:lnR>
+                    <a:lnT w="7620" cap="flat" cmpd="sng" algn="ctr">
+                      <a:solidFill>
+                        <a:srgbClr val="DDDDDD"/>
+                      </a:solidFill>
+                      <a:prstDash val="solid"/>
+                      <a:round/>
+                      <a:headEnd type="none" w="med" len="med"/>
+                      <a:tailEnd type="none" w="med" len="med"/>
+                    </a:lnT>
+                    <a:lnB w="7620" cap="flat" cmpd="sng" algn="ctr">
+                      <a:solidFill>
+                        <a:srgbClr val="DDDDDD"/>
+                      </a:solidFill>
+                      <a:prstDash val="solid"/>
+                      <a:round/>
+                      <a:headEnd type="none" w="med" len="med"/>
+                      <a:tailEnd type="none" w="med" len="med"/>
+                    </a:lnB>
+                    <a:solidFill>
+                      <a:srgbClr val="EEEEEE"/>
+                    </a:solidFill>
+                  </a:tcPr>
+                </a:tc>
+                <a:extLst>
+                  <a:ext uri="{0D108BD9-81ED-4DB2-BD59-A6C34878D82A}">
+                    <a16:rowId xmlns:a16="http://schemas.microsoft.com/office/drawing/2014/main" val="2161448757"/>
+                  </a:ext>
+                </a:extLst>
+              </a:tr>
+              <a:tr h="466631">
+                <a:tc>
+                  <a:txBody>
+                    <a:bodyPr/>
+                    <a:lstStyle/>
+                    <a:p>
+                      <a:pPr algn="ctr"/>
+                      <a:r>
+                        <a:rPr lang="en-US" altLang="zh-CN" sz="1400" b="0" dirty="0">
+                          <a:effectLst/>
+                          <a:latin typeface="Arial" panose="020B0604020202020204" pitchFamily="34" charset="0"/>
+                          <a:cs typeface="Arial" panose="020B0604020202020204" pitchFamily="34" charset="0"/>
+                        </a:rPr>
+                        <a:t>Nested motif</a:t>
+                      </a:r>
+                    </a:p>
+                  </a:txBody>
+                  <a:tcPr marL="23332" marR="23332" marT="23332" marB="23332" anchor="ctr">
+                    <a:lnL w="7620" cap="flat" cmpd="sng" algn="ctr">
+                      <a:solidFill>
+                        <a:srgbClr val="DDDDDD"/>
+                      </a:solidFill>
+                      <a:prstDash val="solid"/>
+                      <a:round/>
+                      <a:headEnd type="none" w="med" len="med"/>
+                      <a:tailEnd type="none" w="med" len="med"/>
+                    </a:lnL>
+                    <a:lnR w="7620" cap="flat" cmpd="sng" algn="ctr">
+                      <a:solidFill>
+                        <a:srgbClr val="DDDDDD"/>
+                      </a:solidFill>
+                      <a:prstDash val="solid"/>
+                      <a:round/>
+                      <a:headEnd type="none" w="med" len="med"/>
+                      <a:tailEnd type="none" w="med" len="med"/>
+                    </a:lnR>
+                    <a:lnT w="7620" cap="flat" cmpd="sng" algn="ctr">
+                      <a:solidFill>
+                        <a:srgbClr val="DDDDDD"/>
+                      </a:solidFill>
+                      <a:prstDash val="solid"/>
+                      <a:round/>
+                      <a:headEnd type="none" w="med" len="med"/>
+                      <a:tailEnd type="none" w="med" len="med"/>
+                    </a:lnT>
+                    <a:lnB w="7620" cap="flat" cmpd="sng" algn="ctr">
+                      <a:solidFill>
+                        <a:srgbClr val="DDDDDD"/>
+                      </a:solidFill>
+                      <a:prstDash val="solid"/>
+                      <a:round/>
+                      <a:headEnd type="none" w="med" len="med"/>
+                      <a:tailEnd type="none" w="med" len="med"/>
+                    </a:lnB>
+                    <a:solidFill>
+                      <a:srgbClr val="DDDDDD"/>
+                    </a:solidFill>
+                  </a:tcPr>
+                </a:tc>
+                <a:tc>
+                  <a:txBody>
+                    <a:bodyPr/>
+                    <a:lstStyle/>
+                    <a:p>
+                      <a:pPr algn="ctr"/>
+                      <a:r>
+                        <a:rPr lang="en-US" altLang="zh-CN" sz="1400" dirty="0">
+                          <a:effectLst/>
+                          <a:latin typeface="Arial" panose="020B0604020202020204" pitchFamily="34" charset="0"/>
+                          <a:cs typeface="Arial" panose="020B0604020202020204" pitchFamily="34" charset="0"/>
+                        </a:rPr>
+                        <a:t>ATTGG, TTG</a:t>
+                      </a:r>
+                      <a:endParaRPr lang="zh-CN" altLang="en-US" sz="1400" dirty="0">
+                        <a:effectLst/>
+                        <a:latin typeface="Arial" panose="020B0604020202020204" pitchFamily="34" charset="0"/>
+                        <a:cs typeface="Arial" panose="020B0604020202020204" pitchFamily="34" charset="0"/>
+                      </a:endParaRPr>
+                    </a:p>
+                  </a:txBody>
+                  <a:tcPr marL="23332" marR="23332" marT="23332" marB="23332" anchor="ctr">
+                    <a:lnL w="7620" cap="flat" cmpd="sng" algn="ctr">
+                      <a:solidFill>
+                        <a:srgbClr val="DDDDDD"/>
+                      </a:solidFill>
+                      <a:prstDash val="solid"/>
+                      <a:round/>
+                      <a:headEnd type="none" w="med" len="med"/>
+                      <a:tailEnd type="none" w="med" len="med"/>
+                    </a:lnL>
+                    <a:lnR w="7620" cap="flat" cmpd="sng" algn="ctr">
+                      <a:solidFill>
+                        <a:srgbClr val="DDDDDD"/>
+                      </a:solidFill>
+                      <a:prstDash val="solid"/>
+                      <a:round/>
+                      <a:headEnd type="none" w="med" len="med"/>
+                      <a:tailEnd type="none" w="med" len="med"/>
+                    </a:lnR>
+                    <a:lnT w="7620" cap="flat" cmpd="sng" algn="ctr">
+                      <a:solidFill>
+                        <a:srgbClr val="DDDDDD"/>
+                      </a:solidFill>
+                      <a:prstDash val="solid"/>
+                      <a:round/>
+                      <a:headEnd type="none" w="med" len="med"/>
+                      <a:tailEnd type="none" w="med" len="med"/>
+                    </a:lnT>
+                    <a:lnB w="7620" cap="flat" cmpd="sng" algn="ctr">
+                      <a:solidFill>
+                        <a:srgbClr val="DDDDDD"/>
+                      </a:solidFill>
+                      <a:prstDash val="solid"/>
+                      <a:round/>
+                      <a:headEnd type="none" w="med" len="med"/>
+                      <a:tailEnd type="none" w="med" len="med"/>
+                    </a:lnB>
+                    <a:solidFill>
+                      <a:srgbClr val="DDDDDD"/>
+                    </a:solidFill>
+                  </a:tcPr>
+                </a:tc>
+                <a:tc>
+                  <a:txBody>
+                    <a:bodyPr/>
+                    <a:lstStyle/>
+                    <a:p>
+                      <a:pPr marL="0" marR="0" lvl="0" indent="0" algn="ctr" defTabSz="914400" rtl="0" eaLnBrk="1" fontAlgn="auto" latinLnBrk="0" hangingPunct="1">
+                        <a:lnSpc>
+                          <a:spcPct val="100000"/>
+                        </a:lnSpc>
+                        <a:spcBef>
+                          <a:spcPts val="0"/>
+                        </a:spcBef>
+                        <a:spcAft>
+                          <a:spcPts val="0"/>
+                        </a:spcAft>
+                        <a:buClrTx/>
+                        <a:buSzTx/>
+                        <a:buFontTx/>
+                        <a:buNone/>
+                        <a:tabLst/>
+                        <a:defRPr/>
+                      </a:pPr>
+                      <a:r>
+                        <a:rPr lang="zh-CN" altLang="en-US" sz="1400" dirty="0">
+                          <a:effectLst/>
+                          <a:latin typeface="Arial" panose="020B0604020202020204" pitchFamily="34" charset="0"/>
+                          <a:cs typeface="Arial" panose="020B0604020202020204" pitchFamily="34" charset="0"/>
+                        </a:rPr>
+                        <a:t>✓</a:t>
+                      </a:r>
+                    </a:p>
+                  </a:txBody>
+                  <a:tcPr marL="23332" marR="23332" marT="23332" marB="23332" anchor="ctr">
+                    <a:lnL w="7620" cap="flat" cmpd="sng" algn="ctr">
+                      <a:solidFill>
+                        <a:srgbClr val="DDDDDD"/>
+                      </a:solidFill>
+                      <a:prstDash val="solid"/>
+                      <a:round/>
+                      <a:headEnd type="none" w="med" len="med"/>
+                      <a:tailEnd type="none" w="med" len="med"/>
+                    </a:lnL>
+                    <a:lnR w="7620" cap="flat" cmpd="sng" algn="ctr">
+                      <a:solidFill>
+                        <a:srgbClr val="DDDDDD"/>
+                      </a:solidFill>
+                      <a:prstDash val="solid"/>
+                      <a:round/>
+                      <a:headEnd type="none" w="med" len="med"/>
+                      <a:tailEnd type="none" w="med" len="med"/>
+                    </a:lnR>
+                    <a:lnT w="7620" cap="flat" cmpd="sng" algn="ctr">
+                      <a:solidFill>
+                        <a:srgbClr val="DDDDDD"/>
+                      </a:solidFill>
+                      <a:prstDash val="solid"/>
+                      <a:round/>
+                      <a:headEnd type="none" w="med" len="med"/>
+                      <a:tailEnd type="none" w="med" len="med"/>
+                    </a:lnT>
+                    <a:lnB w="7620" cap="flat" cmpd="sng" algn="ctr">
+                      <a:solidFill>
+                        <a:srgbClr val="DDDDDD"/>
+                      </a:solidFill>
+                      <a:prstDash val="solid"/>
+                      <a:round/>
+                      <a:headEnd type="none" w="med" len="med"/>
+                      <a:tailEnd type="none" w="med" len="med"/>
+                    </a:lnB>
+                    <a:solidFill>
+                      <a:srgbClr val="DDDDDD"/>
+                    </a:solidFill>
+                  </a:tcPr>
+                </a:tc>
+                <a:tc>
+                  <a:txBody>
+                    <a:bodyPr/>
+                    <a:lstStyle/>
+                    <a:p>
+                      <a:pPr marL="0" marR="0" lvl="0" indent="0" algn="ctr" defTabSz="914400" rtl="0" eaLnBrk="1" fontAlgn="auto" latinLnBrk="0" hangingPunct="1">
+                        <a:lnSpc>
+                          <a:spcPct val="100000"/>
+                        </a:lnSpc>
+                        <a:spcBef>
+                          <a:spcPts val="0"/>
+                        </a:spcBef>
+                        <a:spcAft>
+                          <a:spcPts val="0"/>
+                        </a:spcAft>
+                        <a:buClrTx/>
+                        <a:buSzTx/>
+                        <a:buFontTx/>
+                        <a:buNone/>
+                        <a:tabLst/>
+                        <a:defRPr/>
+                      </a:pPr>
+                      <a:r>
+                        <a:rPr lang="en-US" altLang="zh-CN" sz="1400" dirty="0" err="1">
+                          <a:effectLst/>
+                          <a:latin typeface="Arial" panose="020B0604020202020204" pitchFamily="34" charset="0"/>
+                          <a:cs typeface="Arial" panose="020B0604020202020204" pitchFamily="34" charset="0"/>
+                        </a:rPr>
+                        <a:t>nestedMotif.fasta</a:t>
+                      </a:r>
+                      <a:r>
+                        <a:rPr lang="en-US" altLang="zh-CN" sz="1400" dirty="0">
+                          <a:effectLst/>
+                          <a:latin typeface="Arial" panose="020B0604020202020204" pitchFamily="34" charset="0"/>
+                          <a:cs typeface="Arial" panose="020B0604020202020204" pitchFamily="34" charset="0"/>
+                        </a:rPr>
+                        <a:t>, k=7</a:t>
+                      </a:r>
+                      <a:endParaRPr lang="zh-CN" altLang="en-US" sz="1400" dirty="0">
+                        <a:effectLst/>
+                        <a:latin typeface="Arial" panose="020B0604020202020204" pitchFamily="34" charset="0"/>
+                        <a:cs typeface="Arial" panose="020B0604020202020204" pitchFamily="34" charset="0"/>
+                      </a:endParaRPr>
+                    </a:p>
+                  </a:txBody>
+                  <a:tcPr marL="23332" marR="23332" marT="23332" marB="23332" anchor="ctr">
+                    <a:lnL w="7620" cap="flat" cmpd="sng" algn="ctr">
+                      <a:solidFill>
+                        <a:srgbClr val="DDDDDD"/>
+                      </a:solidFill>
+                      <a:prstDash val="solid"/>
+                      <a:round/>
+                      <a:headEnd type="none" w="med" len="med"/>
+                      <a:tailEnd type="none" w="med" len="med"/>
+                    </a:lnL>
+                    <a:lnR w="7620" cap="flat" cmpd="sng" algn="ctr">
+                      <a:solidFill>
+                        <a:srgbClr val="DDDDDD"/>
+                      </a:solidFill>
+                      <a:prstDash val="solid"/>
+                      <a:round/>
+                      <a:headEnd type="none" w="med" len="med"/>
+                      <a:tailEnd type="none" w="med" len="med"/>
+                    </a:lnR>
+                    <a:lnT w="7620" cap="flat" cmpd="sng" algn="ctr">
+                      <a:solidFill>
+                        <a:srgbClr val="DDDDDD"/>
+                      </a:solidFill>
+                      <a:prstDash val="solid"/>
+                      <a:round/>
+                      <a:headEnd type="none" w="med" len="med"/>
+                      <a:tailEnd type="none" w="med" len="med"/>
+                    </a:lnT>
+                    <a:lnB w="7620" cap="flat" cmpd="sng" algn="ctr">
+                      <a:solidFill>
+                        <a:srgbClr val="DDDDDD"/>
+                      </a:solidFill>
+                      <a:prstDash val="solid"/>
+                      <a:round/>
+                      <a:headEnd type="none" w="med" len="med"/>
+                      <a:tailEnd type="none" w="med" len="med"/>
+                    </a:lnB>
+                    <a:solidFill>
+                      <a:srgbClr val="DDDDDD"/>
+                    </a:solidFill>
+                  </a:tcPr>
+                </a:tc>
+                <a:extLst>
+                  <a:ext uri="{0D108BD9-81ED-4DB2-BD59-A6C34878D82A}">
+                    <a16:rowId xmlns:a16="http://schemas.microsoft.com/office/drawing/2014/main" val="2504128467"/>
+                  </a:ext>
+                </a:extLst>
+              </a:tr>
+              <a:tr h="571623">
+                <a:tc>
+                  <a:txBody>
+                    <a:bodyPr/>
+                    <a:lstStyle/>
+                    <a:p>
+                      <a:pPr algn="ctr"/>
+                      <a:r>
+                        <a:rPr lang="en-US" sz="1400" b="0" dirty="0">
+                          <a:effectLst/>
+                          <a:latin typeface="Arial" panose="020B0604020202020204" pitchFamily="34" charset="0"/>
+                          <a:cs typeface="Arial" panose="020B0604020202020204" pitchFamily="34" charset="0"/>
+                        </a:rPr>
+                        <a:t>Sequence with N</a:t>
+                      </a:r>
+                    </a:p>
+                  </a:txBody>
+                  <a:tcPr marL="23332" marR="23332" marT="23332" marB="23332" anchor="ctr">
+                    <a:lnL w="7620" cap="flat" cmpd="sng" algn="ctr">
+                      <a:solidFill>
+                        <a:srgbClr val="DDDDDD"/>
+                      </a:solidFill>
+                      <a:prstDash val="solid"/>
+                      <a:round/>
+                      <a:headEnd type="none" w="med" len="med"/>
+                      <a:tailEnd type="none" w="med" len="med"/>
+                    </a:lnL>
+                    <a:lnR w="7620" cap="flat" cmpd="sng" algn="ctr">
+                      <a:solidFill>
+                        <a:srgbClr val="DDDDDD"/>
+                      </a:solidFill>
+                      <a:prstDash val="solid"/>
+                      <a:round/>
+                      <a:headEnd type="none" w="med" len="med"/>
+                      <a:tailEnd type="none" w="med" len="med"/>
+                    </a:lnR>
+                    <a:lnT w="7620" cap="flat" cmpd="sng" algn="ctr">
+                      <a:solidFill>
+                        <a:srgbClr val="DDDDDD"/>
+                      </a:solidFill>
+                      <a:prstDash val="solid"/>
+                      <a:round/>
+                      <a:headEnd type="none" w="med" len="med"/>
+                      <a:tailEnd type="none" w="med" len="med"/>
+                    </a:lnT>
+                    <a:lnB w="7620" cap="flat" cmpd="sng" algn="ctr">
+                      <a:solidFill>
+                        <a:srgbClr val="DDDDDD"/>
+                      </a:solidFill>
+                      <a:prstDash val="solid"/>
+                      <a:round/>
+                      <a:headEnd type="none" w="med" len="med"/>
+                      <a:tailEnd type="none" w="med" len="med"/>
+                    </a:lnB>
+                    <a:solidFill>
+                      <a:srgbClr val="EEEEEE"/>
+                    </a:solidFill>
+                  </a:tcPr>
+                </a:tc>
+                <a:tc>
+                  <a:txBody>
+                    <a:bodyPr/>
+                    <a:lstStyle/>
+                    <a:p>
+                      <a:pPr algn="ctr"/>
+                      <a:endParaRPr lang="zh-CN" altLang="en-US" sz="1400" dirty="0">
+                        <a:effectLst/>
+                        <a:latin typeface="Arial" panose="020B0604020202020204" pitchFamily="34" charset="0"/>
+                        <a:cs typeface="Arial" panose="020B0604020202020204" pitchFamily="34" charset="0"/>
+                      </a:endParaRPr>
+                    </a:p>
+                  </a:txBody>
+                  <a:tcPr marL="23332" marR="23332" marT="23332" marB="23332" anchor="ctr">
+                    <a:lnL w="7620" cap="flat" cmpd="sng" algn="ctr">
+                      <a:solidFill>
+                        <a:srgbClr val="DDDDDD"/>
+                      </a:solidFill>
+                      <a:prstDash val="solid"/>
+                      <a:round/>
+                      <a:headEnd type="none" w="med" len="med"/>
+                      <a:tailEnd type="none" w="med" len="med"/>
+                    </a:lnL>
+                    <a:lnR w="7620" cap="flat" cmpd="sng" algn="ctr">
+                      <a:solidFill>
+                        <a:srgbClr val="DDDDDD"/>
+                      </a:solidFill>
+                      <a:prstDash val="solid"/>
+                      <a:round/>
+                      <a:headEnd type="none" w="med" len="med"/>
+                      <a:tailEnd type="none" w="med" len="med"/>
+                    </a:lnR>
+                    <a:lnT w="7620" cap="flat" cmpd="sng" algn="ctr">
+                      <a:solidFill>
+                        <a:srgbClr val="DDDDDD"/>
+                      </a:solidFill>
+                      <a:prstDash val="solid"/>
+                      <a:round/>
+                      <a:headEnd type="none" w="med" len="med"/>
+                      <a:tailEnd type="none" w="med" len="med"/>
+                    </a:lnT>
+                    <a:lnB w="7620" cap="flat" cmpd="sng" algn="ctr">
+                      <a:solidFill>
+                        <a:srgbClr val="DDDDDD"/>
+                      </a:solidFill>
+                      <a:prstDash val="solid"/>
+                      <a:round/>
+                      <a:headEnd type="none" w="med" len="med"/>
+                      <a:tailEnd type="none" w="med" len="med"/>
+                    </a:lnB>
+                    <a:solidFill>
+                      <a:srgbClr val="EEEEEE"/>
+                    </a:solidFill>
+                  </a:tcPr>
+                </a:tc>
+                <a:tc>
+                  <a:txBody>
+                    <a:bodyPr/>
+                    <a:lstStyle/>
+                    <a:p>
+                      <a:pPr marL="0" marR="0" lvl="0" indent="0" algn="ctr" defTabSz="914400" rtl="0" eaLnBrk="1" fontAlgn="auto" latinLnBrk="0" hangingPunct="1">
+                        <a:lnSpc>
+                          <a:spcPct val="100000"/>
+                        </a:lnSpc>
+                        <a:spcBef>
+                          <a:spcPts val="0"/>
+                        </a:spcBef>
+                        <a:spcAft>
+                          <a:spcPts val="0"/>
+                        </a:spcAft>
+                        <a:buClrTx/>
+                        <a:buSzTx/>
+                        <a:buFontTx/>
+                        <a:buNone/>
+                        <a:tabLst/>
+                        <a:defRPr/>
+                      </a:pPr>
+                      <a:r>
+                        <a:rPr lang="zh-CN" altLang="en-US" sz="1400" dirty="0">
+                          <a:effectLst/>
+                          <a:latin typeface="Arial" panose="020B0604020202020204" pitchFamily="34" charset="0"/>
+                          <a:cs typeface="Arial" panose="020B0604020202020204" pitchFamily="34" charset="0"/>
+                        </a:rPr>
+                        <a:t>✓</a:t>
+                      </a:r>
+                    </a:p>
+                  </a:txBody>
+                  <a:tcPr marL="23332" marR="23332" marT="23332" marB="23332" anchor="ctr">
+                    <a:lnL w="7620" cap="flat" cmpd="sng" algn="ctr">
+                      <a:solidFill>
+                        <a:srgbClr val="DDDDDD"/>
+                      </a:solidFill>
+                      <a:prstDash val="solid"/>
+                      <a:round/>
+                      <a:headEnd type="none" w="med" len="med"/>
+                      <a:tailEnd type="none" w="med" len="med"/>
+                    </a:lnL>
+                    <a:lnR w="7620" cap="flat" cmpd="sng" algn="ctr">
+                      <a:solidFill>
+                        <a:srgbClr val="DDDDDD"/>
+                      </a:solidFill>
+                      <a:prstDash val="solid"/>
+                      <a:round/>
+                      <a:headEnd type="none" w="med" len="med"/>
+                      <a:tailEnd type="none" w="med" len="med"/>
+                    </a:lnR>
+                    <a:lnT w="7620" cap="flat" cmpd="sng" algn="ctr">
+                      <a:solidFill>
+                        <a:srgbClr val="DDDDDD"/>
+                      </a:solidFill>
+                      <a:prstDash val="solid"/>
+                      <a:round/>
+                      <a:headEnd type="none" w="med" len="med"/>
+                      <a:tailEnd type="none" w="med" len="med"/>
+                    </a:lnT>
+                    <a:lnB w="7620" cap="flat" cmpd="sng" algn="ctr">
+                      <a:solidFill>
+                        <a:srgbClr val="DDDDDD"/>
+                      </a:solidFill>
+                      <a:prstDash val="solid"/>
+                      <a:round/>
+                      <a:headEnd type="none" w="med" len="med"/>
+                      <a:tailEnd type="none" w="med" len="med"/>
+                    </a:lnB>
+                    <a:solidFill>
+                      <a:srgbClr val="EEEEEE"/>
+                    </a:solidFill>
+                  </a:tcPr>
+                </a:tc>
+                <a:tc>
+                  <a:txBody>
+                    <a:bodyPr/>
+                    <a:lstStyle/>
+                    <a:p>
+                      <a:pPr marL="0" marR="0" lvl="0" indent="0" algn="ctr" defTabSz="914400" rtl="0" eaLnBrk="1" fontAlgn="auto" latinLnBrk="0" hangingPunct="1">
+                        <a:lnSpc>
+                          <a:spcPct val="100000"/>
+                        </a:lnSpc>
+                        <a:spcBef>
+                          <a:spcPts val="0"/>
+                        </a:spcBef>
+                        <a:spcAft>
+                          <a:spcPts val="0"/>
+                        </a:spcAft>
+                        <a:buClrTx/>
+                        <a:buSzTx/>
+                        <a:buFontTx/>
+                        <a:buNone/>
+                        <a:tabLst/>
+                        <a:defRPr/>
+                      </a:pPr>
+                      <a:r>
+                        <a:rPr lang="en-US" altLang="zh-CN" sz="1400" dirty="0" err="1">
+                          <a:effectLst/>
+                          <a:latin typeface="Arial" panose="020B0604020202020204" pitchFamily="34" charset="0"/>
+                          <a:cs typeface="Arial" panose="020B0604020202020204" pitchFamily="34" charset="0"/>
+                        </a:rPr>
+                        <a:t>N.fasta</a:t>
+                      </a:r>
+                      <a:r>
+                        <a:rPr lang="en-US" altLang="zh-CN" sz="1400" dirty="0">
+                          <a:effectLst/>
+                          <a:latin typeface="Arial" panose="020B0604020202020204" pitchFamily="34" charset="0"/>
+                          <a:cs typeface="Arial" panose="020B0604020202020204" pitchFamily="34" charset="0"/>
+                        </a:rPr>
+                        <a:t>, k=5</a:t>
+                      </a:r>
+                      <a:endParaRPr lang="zh-CN" altLang="en-US" sz="1400" dirty="0">
+                        <a:effectLst/>
+                        <a:latin typeface="Arial" panose="020B0604020202020204" pitchFamily="34" charset="0"/>
+                        <a:cs typeface="Arial" panose="020B0604020202020204" pitchFamily="34" charset="0"/>
+                      </a:endParaRPr>
+                    </a:p>
+                  </a:txBody>
+                  <a:tcPr marL="23332" marR="23332" marT="23332" marB="23332" anchor="ctr">
+                    <a:lnL w="7620" cap="flat" cmpd="sng" algn="ctr">
+                      <a:solidFill>
+                        <a:srgbClr val="DDDDDD"/>
+                      </a:solidFill>
+                      <a:prstDash val="solid"/>
+                      <a:round/>
+                      <a:headEnd type="none" w="med" len="med"/>
+                      <a:tailEnd type="none" w="med" len="med"/>
+                    </a:lnL>
+                    <a:lnR w="7620" cap="flat" cmpd="sng" algn="ctr">
+                      <a:solidFill>
+                        <a:srgbClr val="DDDDDD"/>
+                      </a:solidFill>
+                      <a:prstDash val="solid"/>
+                      <a:round/>
+                      <a:headEnd type="none" w="med" len="med"/>
+                      <a:tailEnd type="none" w="med" len="med"/>
+                    </a:lnR>
+                    <a:lnT w="7620" cap="flat" cmpd="sng" algn="ctr">
+                      <a:solidFill>
+                        <a:srgbClr val="DDDDDD"/>
+                      </a:solidFill>
+                      <a:prstDash val="solid"/>
+                      <a:round/>
+                      <a:headEnd type="none" w="med" len="med"/>
+                      <a:tailEnd type="none" w="med" len="med"/>
+                    </a:lnT>
+                    <a:lnB w="7620" cap="flat" cmpd="sng" algn="ctr">
+                      <a:solidFill>
+                        <a:srgbClr val="DDDDDD"/>
+                      </a:solidFill>
+                      <a:prstDash val="solid"/>
+                      <a:round/>
+                      <a:headEnd type="none" w="med" len="med"/>
+                      <a:tailEnd type="none" w="med" len="med"/>
+                    </a:lnB>
+                    <a:solidFill>
+                      <a:srgbClr val="EEEEEE"/>
+                    </a:solidFill>
+                  </a:tcPr>
+                </a:tc>
+                <a:extLst>
+                  <a:ext uri="{0D108BD9-81ED-4DB2-BD59-A6C34878D82A}">
+                    <a16:rowId xmlns:a16="http://schemas.microsoft.com/office/drawing/2014/main" val="459981700"/>
+                  </a:ext>
+                </a:extLst>
+              </a:tr>
+            </a:tbl>
+          </a:graphicData>
+        </a:graphic>
+      </p:graphicFrame>
     </p:spTree>
     <p:extLst>
       <p:ext uri="{BB962C8B-B14F-4D97-AF65-F5344CB8AC3E}">
@@ -18883,7 +20880,7 @@
                 <a:latin typeface="Arial" panose="020B0604020202020204" pitchFamily="34" charset="0"/>
                 <a:cs typeface="Arial" panose="020B0604020202020204" pitchFamily="34" charset="0"/>
               </a:rPr>
-              <a:t>Simulated data</a:t>
+              <a:t>Nested motif example</a:t>
             </a:r>
             <a:endParaRPr lang="zh-CN" altLang="en-US" sz="2400" dirty="0">
               <a:solidFill>
@@ -18897,10 +20894,10 @@
       </p:sp>
       <p:pic>
         <p:nvPicPr>
-          <p:cNvPr id="5" name="图片 4">
+          <p:cNvPr id="4" name="图片 3">
             <a:extLst>
               <a:ext uri="{FF2B5EF4-FFF2-40B4-BE49-F238E27FC236}">
-                <a16:creationId xmlns:a16="http://schemas.microsoft.com/office/drawing/2014/main" id="{6A99056A-A26B-43A2-2D59-73B69F981299}"/>
+                <a16:creationId xmlns:a16="http://schemas.microsoft.com/office/drawing/2014/main" id="{83355935-60D7-55F4-9D37-60A6F8048B9F}"/>
               </a:ext>
             </a:extLst>
           </p:cNvPr>
@@ -18917,62 +20914,20 @@
         </p:blipFill>
         <p:spPr>
           <a:xfrm>
-            <a:off x="721020" y="2099124"/>
-            <a:ext cx="3914919" cy="2659753"/>
+            <a:off x="868544" y="1495192"/>
+            <a:ext cx="3985704" cy="1412409"/>
           </a:xfrm>
           <a:prstGeom prst="rect">
             <a:avLst/>
           </a:prstGeom>
         </p:spPr>
       </p:pic>
-      <p:sp>
-        <p:nvSpPr>
-          <p:cNvPr id="7" name="文本框 6">
+      <p:pic>
+        <p:nvPicPr>
+          <p:cNvPr id="6" name="图片 5">
             <a:extLst>
               <a:ext uri="{FF2B5EF4-FFF2-40B4-BE49-F238E27FC236}">
-                <a16:creationId xmlns:a16="http://schemas.microsoft.com/office/drawing/2014/main" id="{61896F6C-F9AE-030E-D3A2-138B9D1F9355}"/>
-              </a:ext>
-            </a:extLst>
-          </p:cNvPr>
-          <p:cNvSpPr txBox="1"/>
-          <p:nvPr/>
-        </p:nvSpPr>
-        <p:spPr>
-          <a:xfrm>
-            <a:off x="721020" y="1729792"/>
-            <a:ext cx="2442258" cy="369332"/>
-          </a:xfrm>
-          <a:prstGeom prst="rect">
-            <a:avLst/>
-          </a:prstGeom>
-          <a:noFill/>
-        </p:spPr>
-        <p:txBody>
-          <a:bodyPr wrap="square" rtlCol="0">
-            <a:spAutoFit/>
-          </a:bodyPr>
-          <a:lstStyle/>
-          <a:p>
-            <a:r>
-              <a:rPr lang="en-US" altLang="zh-CN" dirty="0">
-                <a:latin typeface="Arial" panose="020B0604020202020204" pitchFamily="34" charset="0"/>
-                <a:cs typeface="Arial" panose="020B0604020202020204" pitchFamily="34" charset="0"/>
-              </a:rPr>
-              <a:t>Single motif alignment</a:t>
-            </a:r>
-            <a:endParaRPr lang="zh-CN" altLang="en-US" dirty="0">
-              <a:latin typeface="Arial" panose="020B0604020202020204" pitchFamily="34" charset="0"/>
-              <a:cs typeface="Arial" panose="020B0604020202020204" pitchFamily="34" charset="0"/>
-            </a:endParaRPr>
-          </a:p>
-        </p:txBody>
-      </p:sp>
-      <p:pic>
-        <p:nvPicPr>
-          <p:cNvPr id="4" name="图片 3">
-            <a:extLst>
-              <a:ext uri="{FF2B5EF4-FFF2-40B4-BE49-F238E27FC236}">
-                <a16:creationId xmlns:a16="http://schemas.microsoft.com/office/drawing/2014/main" id="{5907CAA5-5D36-AE65-0FEA-4B39CE96B7F2}"/>
+                <a16:creationId xmlns:a16="http://schemas.microsoft.com/office/drawing/2014/main" id="{05ADC512-A998-1F61-8958-A286DD2285AA}"/>
               </a:ext>
             </a:extLst>
           </p:cNvPr>
@@ -18989,56 +20944,14 @@
         </p:blipFill>
         <p:spPr>
           <a:xfrm>
-            <a:off x="4886685" y="2099124"/>
-            <a:ext cx="6839445" cy="1619436"/>
+            <a:off x="868544" y="3305309"/>
+            <a:ext cx="7797273" cy="1905785"/>
           </a:xfrm>
           <a:prstGeom prst="rect">
             <a:avLst/>
           </a:prstGeom>
         </p:spPr>
       </p:pic>
-      <p:sp>
-        <p:nvSpPr>
-          <p:cNvPr id="6" name="文本框 5">
-            <a:extLst>
-              <a:ext uri="{FF2B5EF4-FFF2-40B4-BE49-F238E27FC236}">
-                <a16:creationId xmlns:a16="http://schemas.microsoft.com/office/drawing/2014/main" id="{E878BB37-A173-5FEA-063E-0432A0CA3571}"/>
-              </a:ext>
-            </a:extLst>
-          </p:cNvPr>
-          <p:cNvSpPr txBox="1"/>
-          <p:nvPr/>
-        </p:nvSpPr>
-        <p:spPr>
-          <a:xfrm>
-            <a:off x="4914199" y="1729792"/>
-            <a:ext cx="2442258" cy="369332"/>
-          </a:xfrm>
-          <a:prstGeom prst="rect">
-            <a:avLst/>
-          </a:prstGeom>
-          <a:noFill/>
-        </p:spPr>
-        <p:txBody>
-          <a:bodyPr wrap="square" rtlCol="0">
-            <a:spAutoFit/>
-          </a:bodyPr>
-          <a:lstStyle/>
-          <a:p>
-            <a:r>
-              <a:rPr lang="en-US" altLang="zh-CN" dirty="0">
-                <a:latin typeface="Arial" panose="020B0604020202020204" pitchFamily="34" charset="0"/>
-                <a:cs typeface="Arial" panose="020B0604020202020204" pitchFamily="34" charset="0"/>
-              </a:rPr>
-              <a:t>Final annotation</a:t>
-            </a:r>
-            <a:endParaRPr lang="zh-CN" altLang="en-US" dirty="0">
-              <a:latin typeface="Arial" panose="020B0604020202020204" pitchFamily="34" charset="0"/>
-              <a:cs typeface="Arial" panose="020B0604020202020204" pitchFamily="34" charset="0"/>
-            </a:endParaRPr>
-          </a:p>
-        </p:txBody>
-      </p:sp>
     </p:spTree>
     <p:extLst>
       <p:ext uri="{BB962C8B-B14F-4D97-AF65-F5344CB8AC3E}">
@@ -19053,6 +20966,2042 @@
 </file>
 
 <file path=ppt/slides/slide18.xml><?xml version="1.0" encoding="utf-8"?>
+<p:sld xmlns:a="http://schemas.openxmlformats.org/drawingml/2006/main" xmlns:r="http://schemas.openxmlformats.org/officeDocument/2006/relationships" xmlns:p="http://schemas.openxmlformats.org/presentationml/2006/main">
+  <p:cSld>
+    <p:spTree>
+      <p:nvGrpSpPr>
+        <p:cNvPr id="1" name="">
+          <a:extLst>
+            <a:ext uri="{FF2B5EF4-FFF2-40B4-BE49-F238E27FC236}">
+              <a16:creationId xmlns:a16="http://schemas.microsoft.com/office/drawing/2014/main" id="{F7275785-DB24-E19B-8746-D6DAE5E00EEF}"/>
+            </a:ext>
+          </a:extLst>
+        </p:cNvPr>
+        <p:cNvGrpSpPr/>
+        <p:nvPr/>
+      </p:nvGrpSpPr>
+      <p:grpSpPr>
+        <a:xfrm>
+          <a:off x="0" y="0"/>
+          <a:ext cx="0" cy="0"/>
+          <a:chOff x="0" y="0"/>
+          <a:chExt cx="0" cy="0"/>
+        </a:xfrm>
+      </p:grpSpPr>
+      <p:pic>
+        <p:nvPicPr>
+          <p:cNvPr id="12" name="图片 11">
+            <a:extLst>
+              <a:ext uri="{FF2B5EF4-FFF2-40B4-BE49-F238E27FC236}">
+                <a16:creationId xmlns:a16="http://schemas.microsoft.com/office/drawing/2014/main" id="{F14E9CC1-7393-ABA5-1E08-9E70F63EF893}"/>
+              </a:ext>
+            </a:extLst>
+          </p:cNvPr>
+          <p:cNvPicPr>
+            <a:picLocks noChangeAspect="1"/>
+          </p:cNvPicPr>
+          <p:nvPr/>
+        </p:nvPicPr>
+        <p:blipFill>
+          <a:blip r:embed="rId2"/>
+          <a:stretch>
+            <a:fillRect/>
+          </a:stretch>
+        </p:blipFill>
+        <p:spPr>
+          <a:xfrm>
+            <a:off x="6104067" y="1975249"/>
+            <a:ext cx="2980938" cy="2769001"/>
+          </a:xfrm>
+          <a:prstGeom prst="rect">
+            <a:avLst/>
+          </a:prstGeom>
+        </p:spPr>
+      </p:pic>
+      <p:sp>
+        <p:nvSpPr>
+          <p:cNvPr id="2" name="文本框 1">
+            <a:extLst>
+              <a:ext uri="{FF2B5EF4-FFF2-40B4-BE49-F238E27FC236}">
+                <a16:creationId xmlns:a16="http://schemas.microsoft.com/office/drawing/2014/main" id="{5573E9C8-6C03-3445-A9EF-98FDE63BC43B}"/>
+              </a:ext>
+            </a:extLst>
+          </p:cNvPr>
+          <p:cNvSpPr txBox="1"/>
+          <p:nvPr/>
+        </p:nvSpPr>
+        <p:spPr>
+          <a:xfrm>
+            <a:off x="380565" y="203200"/>
+            <a:ext cx="9697500" cy="461665"/>
+          </a:xfrm>
+          <a:prstGeom prst="rect">
+            <a:avLst/>
+          </a:prstGeom>
+          <a:noFill/>
+        </p:spPr>
+        <p:txBody>
+          <a:bodyPr wrap="square" rtlCol="0">
+            <a:spAutoFit/>
+          </a:bodyPr>
+          <a:lstStyle/>
+          <a:p>
+            <a:r>
+              <a:rPr lang="en-US" altLang="zh-CN" sz="2400" dirty="0">
+                <a:solidFill>
+                  <a:schemeClr val="bg1"/>
+                </a:solidFill>
+                <a:latin typeface="Arial" panose="020B0604020202020204" pitchFamily="34" charset="0"/>
+                <a:cs typeface="Arial" panose="020B0604020202020204" pitchFamily="34" charset="0"/>
+              </a:rPr>
+              <a:t>Effect of k-mer size on motif acquiring</a:t>
+            </a:r>
+            <a:endParaRPr lang="zh-CN" altLang="en-US" sz="2400" dirty="0">
+              <a:solidFill>
+                <a:schemeClr val="bg1"/>
+              </a:solidFill>
+              <a:latin typeface="Arial" panose="020B0604020202020204" pitchFamily="34" charset="0"/>
+              <a:cs typeface="Arial" panose="020B0604020202020204" pitchFamily="34" charset="0"/>
+            </a:endParaRPr>
+          </a:p>
+        </p:txBody>
+      </p:sp>
+      <p:pic>
+        <p:nvPicPr>
+          <p:cNvPr id="7" name="图片 6">
+            <a:extLst>
+              <a:ext uri="{FF2B5EF4-FFF2-40B4-BE49-F238E27FC236}">
+                <a16:creationId xmlns:a16="http://schemas.microsoft.com/office/drawing/2014/main" id="{94552762-6BD6-06FB-1F0A-D900870008C7}"/>
+              </a:ext>
+            </a:extLst>
+          </p:cNvPr>
+          <p:cNvPicPr>
+            <a:picLocks noChangeAspect="1"/>
+          </p:cNvPicPr>
+          <p:nvPr/>
+        </p:nvPicPr>
+        <p:blipFill>
+          <a:blip r:embed="rId3"/>
+          <a:stretch>
+            <a:fillRect/>
+          </a:stretch>
+        </p:blipFill>
+        <p:spPr>
+          <a:xfrm>
+            <a:off x="2986236" y="2113749"/>
+            <a:ext cx="3109764" cy="2630501"/>
+          </a:xfrm>
+          <a:prstGeom prst="rect">
+            <a:avLst/>
+          </a:prstGeom>
+        </p:spPr>
+      </p:pic>
+      <p:sp>
+        <p:nvSpPr>
+          <p:cNvPr id="5" name="文本框 4">
+            <a:extLst>
+              <a:ext uri="{FF2B5EF4-FFF2-40B4-BE49-F238E27FC236}">
+                <a16:creationId xmlns:a16="http://schemas.microsoft.com/office/drawing/2014/main" id="{ECC7BDED-5A26-A2A2-EA61-396936F60C8C}"/>
+              </a:ext>
+            </a:extLst>
+          </p:cNvPr>
+          <p:cNvSpPr txBox="1"/>
+          <p:nvPr/>
+        </p:nvSpPr>
+        <p:spPr>
+          <a:xfrm>
+            <a:off x="3077496" y="890336"/>
+            <a:ext cx="6007510" cy="646331"/>
+          </a:xfrm>
+          <a:prstGeom prst="rect">
+            <a:avLst/>
+          </a:prstGeom>
+          <a:noFill/>
+        </p:spPr>
+        <p:txBody>
+          <a:bodyPr wrap="square">
+            <a:spAutoFit/>
+          </a:bodyPr>
+          <a:lstStyle/>
+          <a:p>
+            <a:pPr algn="ctr"/>
+            <a:r>
+              <a:rPr lang="en-US" altLang="zh-CN" sz="1800" b="0" i="0" u="none" strike="noStrike" dirty="0">
+                <a:solidFill>
+                  <a:srgbClr val="000000"/>
+                </a:solidFill>
+                <a:effectLst/>
+                <a:latin typeface="Arial" panose="020B0604020202020204" pitchFamily="34" charset="0"/>
+                <a:ea typeface="等线" panose="02010600030101010101" pitchFamily="2" charset="-122"/>
+                <a:cs typeface="Arial" panose="020B0604020202020204" pitchFamily="34" charset="0"/>
+              </a:rPr>
+              <a:t>32bp pCht in </a:t>
+            </a:r>
+            <a:r>
+              <a:rPr lang="en-US" altLang="zh-CN" sz="1800" b="0" i="1" u="none" strike="noStrike" dirty="0">
+                <a:solidFill>
+                  <a:srgbClr val="000000"/>
+                </a:solidFill>
+                <a:effectLst/>
+                <a:latin typeface="Arial" panose="020B0604020202020204" pitchFamily="34" charset="0"/>
+                <a:ea typeface="等线" panose="02010600030101010101" pitchFamily="2" charset="-122"/>
+                <a:cs typeface="Arial" panose="020B0604020202020204" pitchFamily="34" charset="0"/>
+              </a:rPr>
+              <a:t>Pan</a:t>
+            </a:r>
+          </a:p>
+          <a:p>
+            <a:pPr algn="ctr"/>
+            <a:r>
+              <a:rPr lang="en-US" altLang="zh-CN" sz="1800" b="0" i="0" u="none" strike="noStrike" dirty="0">
+                <a:solidFill>
+                  <a:srgbClr val="000000"/>
+                </a:solidFill>
+                <a:effectLst/>
+                <a:latin typeface="Arial" panose="020B0604020202020204" pitchFamily="34" charset="0"/>
+                <a:ea typeface="等线" panose="02010600030101010101" pitchFamily="2" charset="-122"/>
+                <a:cs typeface="Arial" panose="020B0604020202020204" pitchFamily="34" charset="0"/>
+              </a:rPr>
+              <a:t>TAAACATGGAAATATCTACACCGCTATCTGTA</a:t>
+            </a:r>
+            <a:r>
+              <a:rPr lang="en-US" altLang="zh-CN" dirty="0">
+                <a:latin typeface="Arial" panose="020B0604020202020204" pitchFamily="34" charset="0"/>
+                <a:cs typeface="Arial" panose="020B0604020202020204" pitchFamily="34" charset="0"/>
+              </a:rPr>
+              <a:t> </a:t>
+            </a:r>
+            <a:endParaRPr lang="zh-CN" altLang="en-US" dirty="0">
+              <a:latin typeface="Arial" panose="020B0604020202020204" pitchFamily="34" charset="0"/>
+              <a:cs typeface="Arial" panose="020B0604020202020204" pitchFamily="34" charset="0"/>
+            </a:endParaRPr>
+          </a:p>
+        </p:txBody>
+      </p:sp>
+      <p:sp>
+        <p:nvSpPr>
+          <p:cNvPr id="3" name="文本框 2">
+            <a:extLst>
+              <a:ext uri="{FF2B5EF4-FFF2-40B4-BE49-F238E27FC236}">
+                <a16:creationId xmlns:a16="http://schemas.microsoft.com/office/drawing/2014/main" id="{227FB9B9-5E90-EB1A-5959-A2BDC8ABDFFD}"/>
+              </a:ext>
+            </a:extLst>
+          </p:cNvPr>
+          <p:cNvSpPr txBox="1"/>
+          <p:nvPr/>
+        </p:nvSpPr>
+        <p:spPr>
+          <a:xfrm>
+            <a:off x="3077495" y="1605917"/>
+            <a:ext cx="2939845" cy="369332"/>
+          </a:xfrm>
+          <a:prstGeom prst="rect">
+            <a:avLst/>
+          </a:prstGeom>
+          <a:solidFill>
+            <a:schemeClr val="bg1">
+              <a:lumMod val="85000"/>
+            </a:schemeClr>
+          </a:solidFill>
+        </p:spPr>
+        <p:txBody>
+          <a:bodyPr wrap="square">
+            <a:spAutoFit/>
+          </a:bodyPr>
+          <a:lstStyle/>
+          <a:p>
+            <a:pPr algn="ctr"/>
+            <a:r>
+              <a:rPr lang="en-US" altLang="zh-CN" sz="1800" b="0" i="0" u="none" strike="noStrike" dirty="0">
+                <a:solidFill>
+                  <a:srgbClr val="000000"/>
+                </a:solidFill>
+                <a:effectLst/>
+                <a:latin typeface="Arial" panose="020B0604020202020204" pitchFamily="34" charset="0"/>
+                <a:ea typeface="等线" panose="02010600030101010101" pitchFamily="2" charset="-122"/>
+                <a:cs typeface="Arial" panose="020B0604020202020204" pitchFamily="34" charset="0"/>
+              </a:rPr>
+              <a:t>K=5</a:t>
+            </a:r>
+            <a:endParaRPr lang="zh-CN" altLang="en-US" dirty="0">
+              <a:latin typeface="Arial" panose="020B0604020202020204" pitchFamily="34" charset="0"/>
+              <a:cs typeface="Arial" panose="020B0604020202020204" pitchFamily="34" charset="0"/>
+            </a:endParaRPr>
+          </a:p>
+        </p:txBody>
+      </p:sp>
+      <p:pic>
+        <p:nvPicPr>
+          <p:cNvPr id="8" name="图片 7">
+            <a:extLst>
+              <a:ext uri="{FF2B5EF4-FFF2-40B4-BE49-F238E27FC236}">
+                <a16:creationId xmlns:a16="http://schemas.microsoft.com/office/drawing/2014/main" id="{0862F4C0-6DC9-B4C7-DF96-338CEE599EB4}"/>
+              </a:ext>
+            </a:extLst>
+          </p:cNvPr>
+          <p:cNvPicPr>
+            <a:picLocks noChangeAspect="1"/>
+          </p:cNvPicPr>
+          <p:nvPr/>
+        </p:nvPicPr>
+        <p:blipFill>
+          <a:blip r:embed="rId4"/>
+          <a:srcRect b="67570"/>
+          <a:stretch/>
+        </p:blipFill>
+        <p:spPr>
+          <a:xfrm>
+            <a:off x="-6262057" y="2761290"/>
+            <a:ext cx="5774426" cy="1196918"/>
+          </a:xfrm>
+          <a:prstGeom prst="rect">
+            <a:avLst/>
+          </a:prstGeom>
+        </p:spPr>
+      </p:pic>
+      <p:sp>
+        <p:nvSpPr>
+          <p:cNvPr id="10" name="文本框 9">
+            <a:extLst>
+              <a:ext uri="{FF2B5EF4-FFF2-40B4-BE49-F238E27FC236}">
+                <a16:creationId xmlns:a16="http://schemas.microsoft.com/office/drawing/2014/main" id="{9C8261EF-4864-D52F-7DC8-8BB595621714}"/>
+              </a:ext>
+            </a:extLst>
+          </p:cNvPr>
+          <p:cNvSpPr txBox="1"/>
+          <p:nvPr/>
+        </p:nvSpPr>
+        <p:spPr>
+          <a:xfrm>
+            <a:off x="6145160" y="1605917"/>
+            <a:ext cx="2939845" cy="369332"/>
+          </a:xfrm>
+          <a:prstGeom prst="rect">
+            <a:avLst/>
+          </a:prstGeom>
+          <a:solidFill>
+            <a:schemeClr val="bg1">
+              <a:lumMod val="85000"/>
+            </a:schemeClr>
+          </a:solidFill>
+        </p:spPr>
+        <p:txBody>
+          <a:bodyPr wrap="square">
+            <a:spAutoFit/>
+          </a:bodyPr>
+          <a:lstStyle/>
+          <a:p>
+            <a:pPr algn="ctr"/>
+            <a:r>
+              <a:rPr lang="en-US" altLang="zh-CN" sz="1800" b="0" i="0" u="none" strike="noStrike" dirty="0">
+                <a:solidFill>
+                  <a:srgbClr val="000000"/>
+                </a:solidFill>
+                <a:effectLst/>
+                <a:latin typeface="Arial" panose="020B0604020202020204" pitchFamily="34" charset="0"/>
+                <a:ea typeface="等线" panose="02010600030101010101" pitchFamily="2" charset="-122"/>
+                <a:cs typeface="Arial" panose="020B0604020202020204" pitchFamily="34" charset="0"/>
+              </a:rPr>
+              <a:t>K=7</a:t>
+            </a:r>
+            <a:endParaRPr lang="zh-CN" altLang="en-US" dirty="0">
+              <a:latin typeface="Arial" panose="020B0604020202020204" pitchFamily="34" charset="0"/>
+              <a:cs typeface="Arial" panose="020B0604020202020204" pitchFamily="34" charset="0"/>
+            </a:endParaRPr>
+          </a:p>
+        </p:txBody>
+      </p:sp>
+      <p:pic>
+        <p:nvPicPr>
+          <p:cNvPr id="16" name="图片 15">
+            <a:extLst>
+              <a:ext uri="{FF2B5EF4-FFF2-40B4-BE49-F238E27FC236}">
+                <a16:creationId xmlns:a16="http://schemas.microsoft.com/office/drawing/2014/main" id="{9FF7BFA9-3232-27C3-BBF6-AB3403E85D9B}"/>
+              </a:ext>
+            </a:extLst>
+          </p:cNvPr>
+          <p:cNvPicPr>
+            <a:picLocks noChangeAspect="1"/>
+          </p:cNvPicPr>
+          <p:nvPr/>
+        </p:nvPicPr>
+        <p:blipFill>
+          <a:blip r:embed="rId5"/>
+          <a:stretch>
+            <a:fillRect/>
+          </a:stretch>
+        </p:blipFill>
+        <p:spPr>
+          <a:xfrm>
+            <a:off x="13010318" y="3359749"/>
+            <a:ext cx="8436071" cy="342930"/>
+          </a:xfrm>
+          <a:prstGeom prst="rect">
+            <a:avLst/>
+          </a:prstGeom>
+        </p:spPr>
+      </p:pic>
+      <p:sp>
+        <p:nvSpPr>
+          <p:cNvPr id="17" name="箭头: 下 16">
+            <a:extLst>
+              <a:ext uri="{FF2B5EF4-FFF2-40B4-BE49-F238E27FC236}">
+                <a16:creationId xmlns:a16="http://schemas.microsoft.com/office/drawing/2014/main" id="{DD16B967-D398-958F-8F59-C0A6A1B98963}"/>
+              </a:ext>
+            </a:extLst>
+          </p:cNvPr>
+          <p:cNvSpPr/>
+          <p:nvPr/>
+        </p:nvSpPr>
+        <p:spPr>
+          <a:xfrm rot="9000000">
+            <a:off x="4114581" y="4700032"/>
+            <a:ext cx="259588" cy="502570"/>
+          </a:xfrm>
+          <a:prstGeom prst="downArrow">
+            <a:avLst>
+              <a:gd name="adj1" fmla="val 33730"/>
+              <a:gd name="adj2" fmla="val 99153"/>
+            </a:avLst>
+          </a:prstGeom>
+          <a:ln w="28575">
+            <a:solidFill>
+              <a:schemeClr val="accent2"/>
+            </a:solidFill>
+          </a:ln>
+        </p:spPr>
+        <p:style>
+          <a:lnRef idx="2">
+            <a:schemeClr val="accent4">
+              <a:shade val="15000"/>
+            </a:schemeClr>
+          </a:lnRef>
+          <a:fillRef idx="1">
+            <a:schemeClr val="accent4"/>
+          </a:fillRef>
+          <a:effectRef idx="0">
+            <a:schemeClr val="accent4"/>
+          </a:effectRef>
+          <a:fontRef idx="minor">
+            <a:schemeClr val="lt1"/>
+          </a:fontRef>
+        </p:style>
+        <p:txBody>
+          <a:bodyPr rtlCol="0" anchor="ctr"/>
+          <a:lstStyle/>
+          <a:p>
+            <a:pPr algn="ctr"/>
+            <a:endParaRPr lang="zh-CN" altLang="en-US"/>
+          </a:p>
+        </p:txBody>
+      </p:sp>
+      <p:sp>
+        <p:nvSpPr>
+          <p:cNvPr id="18" name="文本框 17">
+            <a:extLst>
+              <a:ext uri="{FF2B5EF4-FFF2-40B4-BE49-F238E27FC236}">
+                <a16:creationId xmlns:a16="http://schemas.microsoft.com/office/drawing/2014/main" id="{F010BC4C-AE12-458D-FF9D-3A43074B3F6C}"/>
+              </a:ext>
+            </a:extLst>
+          </p:cNvPr>
+          <p:cNvSpPr txBox="1"/>
+          <p:nvPr/>
+        </p:nvSpPr>
+        <p:spPr>
+          <a:xfrm>
+            <a:off x="4397697" y="5161488"/>
+            <a:ext cx="3878203" cy="369332"/>
+          </a:xfrm>
+          <a:prstGeom prst="rect">
+            <a:avLst/>
+          </a:prstGeom>
+          <a:noFill/>
+        </p:spPr>
+        <p:txBody>
+          <a:bodyPr wrap="square">
+            <a:spAutoFit/>
+          </a:bodyPr>
+          <a:lstStyle/>
+          <a:p>
+            <a:r>
+              <a:rPr lang="en-US" altLang="zh-CN" dirty="0">
+                <a:latin typeface="Arial" panose="020B0604020202020204" pitchFamily="34" charset="0"/>
+                <a:cs typeface="Arial" panose="020B0604020202020204" pitchFamily="34" charset="0"/>
+              </a:rPr>
+              <a:t>Recurring 5-mer in single motif</a:t>
+            </a:r>
+            <a:endParaRPr lang="zh-CN" altLang="en-US" dirty="0">
+              <a:latin typeface="Arial" panose="020B0604020202020204" pitchFamily="34" charset="0"/>
+              <a:cs typeface="Arial" panose="020B0604020202020204" pitchFamily="34" charset="0"/>
+            </a:endParaRPr>
+          </a:p>
+        </p:txBody>
+      </p:sp>
+      <p:sp>
+        <p:nvSpPr>
+          <p:cNvPr id="19" name="文本框 18">
+            <a:extLst>
+              <a:ext uri="{FF2B5EF4-FFF2-40B4-BE49-F238E27FC236}">
+                <a16:creationId xmlns:a16="http://schemas.microsoft.com/office/drawing/2014/main" id="{C4440C64-2395-F1FB-3D71-87D46C8C5CED}"/>
+              </a:ext>
+            </a:extLst>
+          </p:cNvPr>
+          <p:cNvSpPr txBox="1"/>
+          <p:nvPr/>
+        </p:nvSpPr>
+        <p:spPr>
+          <a:xfrm>
+            <a:off x="9618562" y="6435523"/>
+            <a:ext cx="2479629" cy="369332"/>
+          </a:xfrm>
+          <a:prstGeom prst="rect">
+            <a:avLst/>
+          </a:prstGeom>
+          <a:noFill/>
+        </p:spPr>
+        <p:txBody>
+          <a:bodyPr wrap="square">
+            <a:spAutoFit/>
+          </a:bodyPr>
+          <a:lstStyle/>
+          <a:p>
+            <a:pPr algn="r"/>
+            <a:r>
+              <a:rPr lang="en-US" altLang="zh-CN" dirty="0">
+                <a:latin typeface="Arial" panose="020B0604020202020204" pitchFamily="34" charset="0"/>
+                <a:cs typeface="Arial" panose="020B0604020202020204" pitchFamily="34" charset="0"/>
+              </a:rPr>
+              <a:t>From 32bp </a:t>
+            </a:r>
+            <a:r>
+              <a:rPr lang="en-US" altLang="zh-CN" dirty="0" err="1">
+                <a:latin typeface="Arial" panose="020B0604020202020204" pitchFamily="34" charset="0"/>
+                <a:cs typeface="Arial" panose="020B0604020202020204" pitchFamily="34" charset="0"/>
+              </a:rPr>
+              <a:t>pCht</a:t>
+            </a:r>
+            <a:r>
+              <a:rPr lang="en-US" altLang="zh-CN" dirty="0">
+                <a:latin typeface="Arial" panose="020B0604020202020204" pitchFamily="34" charset="0"/>
+                <a:cs typeface="Arial" panose="020B0604020202020204" pitchFamily="34" charset="0"/>
+              </a:rPr>
+              <a:t> test</a:t>
+            </a:r>
+            <a:endParaRPr lang="zh-CN" altLang="en-US" dirty="0">
+              <a:latin typeface="Arial" panose="020B0604020202020204" pitchFamily="34" charset="0"/>
+              <a:cs typeface="Arial" panose="020B0604020202020204" pitchFamily="34" charset="0"/>
+            </a:endParaRPr>
+          </a:p>
+        </p:txBody>
+      </p:sp>
+    </p:spTree>
+    <p:extLst>
+      <p:ext uri="{BB962C8B-B14F-4D97-AF65-F5344CB8AC3E}">
+        <p14:creationId xmlns:p14="http://schemas.microsoft.com/office/powerpoint/2010/main" val="3110061961"/>
+      </p:ext>
+    </p:extLst>
+  </p:cSld>
+  <p:clrMapOvr>
+    <a:masterClrMapping/>
+  </p:clrMapOvr>
+</p:sld>
+</file>
+
+<file path=ppt/slides/slide19.xml><?xml version="1.0" encoding="utf-8"?>
+<p:sld xmlns:a="http://schemas.openxmlformats.org/drawingml/2006/main" xmlns:r="http://schemas.openxmlformats.org/officeDocument/2006/relationships" xmlns:p="http://schemas.openxmlformats.org/presentationml/2006/main">
+  <p:cSld>
+    <p:spTree>
+      <p:nvGrpSpPr>
+        <p:cNvPr id="1" name="">
+          <a:extLst>
+            <a:ext uri="{FF2B5EF4-FFF2-40B4-BE49-F238E27FC236}">
+              <a16:creationId xmlns:a16="http://schemas.microsoft.com/office/drawing/2014/main" id="{83B6F849-6951-6EE9-78D5-80B66AE98931}"/>
+            </a:ext>
+          </a:extLst>
+        </p:cNvPr>
+        <p:cNvGrpSpPr/>
+        <p:nvPr/>
+      </p:nvGrpSpPr>
+      <p:grpSpPr>
+        <a:xfrm>
+          <a:off x="0" y="0"/>
+          <a:ext cx="0" cy="0"/>
+          <a:chOff x="0" y="0"/>
+          <a:chExt cx="0" cy="0"/>
+        </a:xfrm>
+      </p:grpSpPr>
+      <p:grpSp>
+        <p:nvGrpSpPr>
+          <p:cNvPr id="6" name="组合 5">
+            <a:extLst>
+              <a:ext uri="{FF2B5EF4-FFF2-40B4-BE49-F238E27FC236}">
+                <a16:creationId xmlns:a16="http://schemas.microsoft.com/office/drawing/2014/main" id="{3482B3FF-B41C-E615-3A01-A86D117BF479}"/>
+              </a:ext>
+            </a:extLst>
+          </p:cNvPr>
+          <p:cNvGrpSpPr/>
+          <p:nvPr/>
+        </p:nvGrpSpPr>
+        <p:grpSpPr>
+          <a:xfrm>
+            <a:off x="1524953" y="4769386"/>
+            <a:ext cx="5074919" cy="1156970"/>
+            <a:chOff x="1195705" y="1808699"/>
+            <a:chExt cx="5074919" cy="1156970"/>
+          </a:xfrm>
+        </p:grpSpPr>
+        <p:sp>
+          <p:nvSpPr>
+            <p:cNvPr id="7" name="矩形 6">
+              <a:extLst>
+                <a:ext uri="{FF2B5EF4-FFF2-40B4-BE49-F238E27FC236}">
+                  <a16:creationId xmlns:a16="http://schemas.microsoft.com/office/drawing/2014/main" id="{053057ED-2889-25CE-84D9-10A585B17412}"/>
+                </a:ext>
+              </a:extLst>
+            </p:cNvPr>
+            <p:cNvSpPr/>
+            <p:nvPr userDrawn="1"/>
+          </p:nvSpPr>
+          <p:spPr>
+            <a:xfrm>
+              <a:off x="1195705" y="1808699"/>
+              <a:ext cx="45719" cy="1156970"/>
+            </a:xfrm>
+            <a:prstGeom prst="rect">
+              <a:avLst/>
+            </a:prstGeom>
+            <a:solidFill>
+              <a:schemeClr val="bg1">
+                <a:lumMod val="95000"/>
+              </a:schemeClr>
+            </a:solidFill>
+            <a:ln>
+              <a:noFill/>
+            </a:ln>
+          </p:spPr>
+          <p:style>
+            <a:lnRef idx="2">
+              <a:schemeClr val="accent1">
+                <a:shade val="15000"/>
+              </a:schemeClr>
+            </a:lnRef>
+            <a:fillRef idx="1">
+              <a:schemeClr val="accent1"/>
+            </a:fillRef>
+            <a:effectRef idx="0">
+              <a:schemeClr val="accent1"/>
+            </a:effectRef>
+            <a:fontRef idx="minor">
+              <a:schemeClr val="lt1"/>
+            </a:fontRef>
+          </p:style>
+          <p:txBody>
+            <a:bodyPr rtlCol="0" anchor="ctr"/>
+            <a:lstStyle/>
+            <a:p>
+              <a:pPr algn="ctr"/>
+              <a:endParaRPr lang="zh-CN" altLang="en-US"/>
+            </a:p>
+          </p:txBody>
+        </p:sp>
+        <p:sp>
+          <p:nvSpPr>
+            <p:cNvPr id="8" name="文本框 7">
+              <a:extLst>
+                <a:ext uri="{FF2B5EF4-FFF2-40B4-BE49-F238E27FC236}">
+                  <a16:creationId xmlns:a16="http://schemas.microsoft.com/office/drawing/2014/main" id="{323331BE-F684-6963-72E5-2F9AA1B186B4}"/>
+                </a:ext>
+              </a:extLst>
+            </p:cNvPr>
+            <p:cNvSpPr txBox="1"/>
+            <p:nvPr userDrawn="1"/>
+          </p:nvSpPr>
+          <p:spPr>
+            <a:xfrm>
+              <a:off x="1373504" y="1866302"/>
+              <a:ext cx="2360297" cy="461665"/>
+            </a:xfrm>
+            <a:prstGeom prst="rect">
+              <a:avLst/>
+            </a:prstGeom>
+            <a:noFill/>
+          </p:spPr>
+          <p:txBody>
+            <a:bodyPr wrap="square" rtlCol="0">
+              <a:spAutoFit/>
+            </a:bodyPr>
+            <a:lstStyle/>
+            <a:p>
+              <a:r>
+                <a:rPr lang="en-US" altLang="zh-CN" sz="2400" b="1" spc="300" dirty="0">
+                  <a:solidFill>
+                    <a:schemeClr val="bg1"/>
+                  </a:solidFill>
+                  <a:latin typeface="Gadugi" panose="020B0502040204020203" pitchFamily="34" charset="0"/>
+                  <a:ea typeface="Gadugi" panose="020B0502040204020203" pitchFamily="34" charset="0"/>
+                  <a:cs typeface="Microsoft Sans Serif" panose="020B0604020202020204" pitchFamily="34" charset="0"/>
+                </a:rPr>
+                <a:t>Section V</a:t>
+              </a:r>
+              <a:endParaRPr lang="zh-CN" altLang="en-US" sz="2400" b="1" spc="300" dirty="0">
+                <a:solidFill>
+                  <a:schemeClr val="bg1"/>
+                </a:solidFill>
+                <a:latin typeface="Gadugi" panose="020B0502040204020203" pitchFamily="34" charset="0"/>
+                <a:cs typeface="Microsoft Sans Serif" panose="020B0604020202020204" pitchFamily="34" charset="0"/>
+              </a:endParaRPr>
+            </a:p>
+          </p:txBody>
+        </p:sp>
+        <p:sp>
+          <p:nvSpPr>
+            <p:cNvPr id="9" name="文本框 8">
+              <a:extLst>
+                <a:ext uri="{FF2B5EF4-FFF2-40B4-BE49-F238E27FC236}">
+                  <a16:creationId xmlns:a16="http://schemas.microsoft.com/office/drawing/2014/main" id="{A4190064-551B-A614-1F3A-0EDE01633902}"/>
+                </a:ext>
+              </a:extLst>
+            </p:cNvPr>
+            <p:cNvSpPr txBox="1"/>
+            <p:nvPr userDrawn="1"/>
+          </p:nvSpPr>
+          <p:spPr>
+            <a:xfrm>
+              <a:off x="1373504" y="2282394"/>
+              <a:ext cx="4897120" cy="646331"/>
+            </a:xfrm>
+            <a:prstGeom prst="rect">
+              <a:avLst/>
+            </a:prstGeom>
+            <a:noFill/>
+          </p:spPr>
+          <p:txBody>
+            <a:bodyPr wrap="square" rtlCol="0">
+              <a:spAutoFit/>
+            </a:bodyPr>
+            <a:lstStyle/>
+            <a:p>
+              <a:r>
+                <a:rPr lang="en-US" altLang="zh-CN" sz="3600" b="1" dirty="0">
+                  <a:solidFill>
+                    <a:schemeClr val="bg1"/>
+                  </a:solidFill>
+                  <a:latin typeface="Arial" panose="020B0604020202020204" pitchFamily="34" charset="0"/>
+                  <a:cs typeface="Arial" panose="020B0604020202020204" pitchFamily="34" charset="0"/>
+                </a:rPr>
+                <a:t>Future Plan</a:t>
+              </a:r>
+              <a:endParaRPr lang="zh-CN" altLang="en-US" sz="3600" b="1" dirty="0">
+                <a:solidFill>
+                  <a:schemeClr val="bg1"/>
+                </a:solidFill>
+                <a:latin typeface="Arial" panose="020B0604020202020204" pitchFamily="34" charset="0"/>
+                <a:cs typeface="Arial" panose="020B0604020202020204" pitchFamily="34" charset="0"/>
+              </a:endParaRPr>
+            </a:p>
+          </p:txBody>
+        </p:sp>
+      </p:grpSp>
+    </p:spTree>
+    <p:extLst>
+      <p:ext uri="{BB962C8B-B14F-4D97-AF65-F5344CB8AC3E}">
+        <p14:creationId xmlns:p14="http://schemas.microsoft.com/office/powerpoint/2010/main" val="1487122220"/>
+      </p:ext>
+    </p:extLst>
+  </p:cSld>
+  <p:clrMapOvr>
+    <a:masterClrMapping/>
+  </p:clrMapOvr>
+</p:sld>
+</file>
+
+<file path=ppt/slides/slide2.xml><?xml version="1.0" encoding="utf-8"?>
+<p:sld xmlns:a="http://schemas.openxmlformats.org/drawingml/2006/main" xmlns:r="http://schemas.openxmlformats.org/officeDocument/2006/relationships" xmlns:p="http://schemas.openxmlformats.org/presentationml/2006/main">
+  <p:cSld>
+    <p:spTree>
+      <p:nvGrpSpPr>
+        <p:cNvPr id="1" name="">
+          <a:extLst>
+            <a:ext uri="{FF2B5EF4-FFF2-40B4-BE49-F238E27FC236}">
+              <a16:creationId xmlns:a16="http://schemas.microsoft.com/office/drawing/2014/main" id="{0A23B634-0748-5AEE-1917-A6A085D530DA}"/>
+            </a:ext>
+          </a:extLst>
+        </p:cNvPr>
+        <p:cNvGrpSpPr/>
+        <p:nvPr/>
+      </p:nvGrpSpPr>
+      <p:grpSpPr>
+        <a:xfrm>
+          <a:off x="0" y="0"/>
+          <a:ext cx="0" cy="0"/>
+          <a:chOff x="0" y="0"/>
+          <a:chExt cx="0" cy="0"/>
+        </a:xfrm>
+      </p:grpSpPr>
+      <p:grpSp>
+        <p:nvGrpSpPr>
+          <p:cNvPr id="6" name="组合 5">
+            <a:extLst>
+              <a:ext uri="{FF2B5EF4-FFF2-40B4-BE49-F238E27FC236}">
+                <a16:creationId xmlns:a16="http://schemas.microsoft.com/office/drawing/2014/main" id="{C8268D78-80DF-90E6-8863-8C49E4742BD7}"/>
+              </a:ext>
+            </a:extLst>
+          </p:cNvPr>
+          <p:cNvGrpSpPr/>
+          <p:nvPr/>
+        </p:nvGrpSpPr>
+        <p:grpSpPr>
+          <a:xfrm>
+            <a:off x="1524953" y="4769386"/>
+            <a:ext cx="5074919" cy="1156970"/>
+            <a:chOff x="1195705" y="1808699"/>
+            <a:chExt cx="5074919" cy="1156970"/>
+          </a:xfrm>
+        </p:grpSpPr>
+        <p:sp>
+          <p:nvSpPr>
+            <p:cNvPr id="7" name="矩形 6">
+              <a:extLst>
+                <a:ext uri="{FF2B5EF4-FFF2-40B4-BE49-F238E27FC236}">
+                  <a16:creationId xmlns:a16="http://schemas.microsoft.com/office/drawing/2014/main" id="{27BA1906-596E-0F32-07CE-165DB96894DF}"/>
+                </a:ext>
+              </a:extLst>
+            </p:cNvPr>
+            <p:cNvSpPr/>
+            <p:nvPr userDrawn="1"/>
+          </p:nvSpPr>
+          <p:spPr>
+            <a:xfrm>
+              <a:off x="1195705" y="1808699"/>
+              <a:ext cx="45719" cy="1156970"/>
+            </a:xfrm>
+            <a:prstGeom prst="rect">
+              <a:avLst/>
+            </a:prstGeom>
+            <a:solidFill>
+              <a:schemeClr val="bg1">
+                <a:lumMod val="95000"/>
+              </a:schemeClr>
+            </a:solidFill>
+            <a:ln>
+              <a:noFill/>
+            </a:ln>
+          </p:spPr>
+          <p:style>
+            <a:lnRef idx="2">
+              <a:schemeClr val="accent1">
+                <a:shade val="15000"/>
+              </a:schemeClr>
+            </a:lnRef>
+            <a:fillRef idx="1">
+              <a:schemeClr val="accent1"/>
+            </a:fillRef>
+            <a:effectRef idx="0">
+              <a:schemeClr val="accent1"/>
+            </a:effectRef>
+            <a:fontRef idx="minor">
+              <a:schemeClr val="lt1"/>
+            </a:fontRef>
+          </p:style>
+          <p:txBody>
+            <a:bodyPr rtlCol="0" anchor="ctr"/>
+            <a:lstStyle/>
+            <a:p>
+              <a:pPr algn="ctr"/>
+              <a:endParaRPr lang="zh-CN" altLang="en-US"/>
+            </a:p>
+          </p:txBody>
+        </p:sp>
+        <p:sp>
+          <p:nvSpPr>
+            <p:cNvPr id="8" name="文本框 7">
+              <a:extLst>
+                <a:ext uri="{FF2B5EF4-FFF2-40B4-BE49-F238E27FC236}">
+                  <a16:creationId xmlns:a16="http://schemas.microsoft.com/office/drawing/2014/main" id="{541786FC-876B-1548-A1E5-688BA4E6E327}"/>
+                </a:ext>
+              </a:extLst>
+            </p:cNvPr>
+            <p:cNvSpPr txBox="1"/>
+            <p:nvPr userDrawn="1"/>
+          </p:nvSpPr>
+          <p:spPr>
+            <a:xfrm>
+              <a:off x="1373504" y="1866302"/>
+              <a:ext cx="2360297" cy="461665"/>
+            </a:xfrm>
+            <a:prstGeom prst="rect">
+              <a:avLst/>
+            </a:prstGeom>
+            <a:noFill/>
+          </p:spPr>
+          <p:txBody>
+            <a:bodyPr wrap="square" rtlCol="0">
+              <a:spAutoFit/>
+            </a:bodyPr>
+            <a:lstStyle/>
+            <a:p>
+              <a:r>
+                <a:rPr lang="en-US" altLang="zh-CN" sz="2400" b="1" spc="300" dirty="0">
+                  <a:solidFill>
+                    <a:schemeClr val="bg1"/>
+                  </a:solidFill>
+                  <a:latin typeface="Gadugi" panose="020B0502040204020203" pitchFamily="34" charset="0"/>
+                  <a:ea typeface="Gadugi" panose="020B0502040204020203" pitchFamily="34" charset="0"/>
+                  <a:cs typeface="Microsoft Sans Serif" panose="020B0604020202020204" pitchFamily="34" charset="0"/>
+                </a:rPr>
+                <a:t>Section I</a:t>
+              </a:r>
+              <a:endParaRPr lang="zh-CN" altLang="en-US" sz="2400" b="1" spc="300" dirty="0">
+                <a:solidFill>
+                  <a:schemeClr val="bg1"/>
+                </a:solidFill>
+                <a:latin typeface="Gadugi" panose="020B0502040204020203" pitchFamily="34" charset="0"/>
+                <a:cs typeface="Microsoft Sans Serif" panose="020B0604020202020204" pitchFamily="34" charset="0"/>
+              </a:endParaRPr>
+            </a:p>
+          </p:txBody>
+        </p:sp>
+        <p:sp>
+          <p:nvSpPr>
+            <p:cNvPr id="9" name="文本框 8">
+              <a:extLst>
+                <a:ext uri="{FF2B5EF4-FFF2-40B4-BE49-F238E27FC236}">
+                  <a16:creationId xmlns:a16="http://schemas.microsoft.com/office/drawing/2014/main" id="{61BCEF7D-3769-14C5-7B98-2989A7AC14B6}"/>
+                </a:ext>
+              </a:extLst>
+            </p:cNvPr>
+            <p:cNvSpPr txBox="1"/>
+            <p:nvPr userDrawn="1"/>
+          </p:nvSpPr>
+          <p:spPr>
+            <a:xfrm>
+              <a:off x="1373504" y="2282394"/>
+              <a:ext cx="4897120" cy="646331"/>
+            </a:xfrm>
+            <a:prstGeom prst="rect">
+              <a:avLst/>
+            </a:prstGeom>
+            <a:noFill/>
+          </p:spPr>
+          <p:txBody>
+            <a:bodyPr wrap="square" rtlCol="0">
+              <a:spAutoFit/>
+            </a:bodyPr>
+            <a:lstStyle/>
+            <a:p>
+              <a:r>
+                <a:rPr lang="en-US" altLang="zh-CN" sz="3600" b="1" dirty="0">
+                  <a:solidFill>
+                    <a:schemeClr val="bg1"/>
+                  </a:solidFill>
+                  <a:latin typeface="Arial" panose="020B0604020202020204" pitchFamily="34" charset="0"/>
+                  <a:cs typeface="Arial" panose="020B0604020202020204" pitchFamily="34" charset="0"/>
+                </a:rPr>
+                <a:t>Aim and function</a:t>
+              </a:r>
+              <a:endParaRPr lang="zh-CN" altLang="en-US" sz="3600" b="1" dirty="0">
+                <a:solidFill>
+                  <a:schemeClr val="bg1"/>
+                </a:solidFill>
+                <a:latin typeface="Arial" panose="020B0604020202020204" pitchFamily="34" charset="0"/>
+                <a:cs typeface="Arial" panose="020B0604020202020204" pitchFamily="34" charset="0"/>
+              </a:endParaRPr>
+            </a:p>
+          </p:txBody>
+        </p:sp>
+      </p:grpSp>
+    </p:spTree>
+    <p:extLst>
+      <p:ext uri="{BB962C8B-B14F-4D97-AF65-F5344CB8AC3E}">
+        <p14:creationId xmlns:p14="http://schemas.microsoft.com/office/powerpoint/2010/main" val="3566407729"/>
+      </p:ext>
+    </p:extLst>
+  </p:cSld>
+  <p:clrMapOvr>
+    <a:masterClrMapping/>
+  </p:clrMapOvr>
+</p:sld>
+</file>
+
+<file path=ppt/slides/slide20.xml><?xml version="1.0" encoding="utf-8"?>
+<p:sld xmlns:a="http://schemas.openxmlformats.org/drawingml/2006/main" xmlns:r="http://schemas.openxmlformats.org/officeDocument/2006/relationships" xmlns:p="http://schemas.openxmlformats.org/presentationml/2006/main">
+  <p:cSld>
+    <p:spTree>
+      <p:nvGrpSpPr>
+        <p:cNvPr id="1" name="">
+          <a:extLst>
+            <a:ext uri="{FF2B5EF4-FFF2-40B4-BE49-F238E27FC236}">
+              <a16:creationId xmlns:a16="http://schemas.microsoft.com/office/drawing/2014/main" id="{5D5AE9A9-F9D6-0954-7C9E-33AD2F9B4C3D}"/>
+            </a:ext>
+          </a:extLst>
+        </p:cNvPr>
+        <p:cNvGrpSpPr/>
+        <p:nvPr/>
+      </p:nvGrpSpPr>
+      <p:grpSpPr>
+        <a:xfrm>
+          <a:off x="0" y="0"/>
+          <a:ext cx="0" cy="0"/>
+          <a:chOff x="0" y="0"/>
+          <a:chExt cx="0" cy="0"/>
+        </a:xfrm>
+      </p:grpSpPr>
+      <p:sp>
+        <p:nvSpPr>
+          <p:cNvPr id="2" name="文本框 1">
+            <a:extLst>
+              <a:ext uri="{FF2B5EF4-FFF2-40B4-BE49-F238E27FC236}">
+                <a16:creationId xmlns:a16="http://schemas.microsoft.com/office/drawing/2014/main" id="{4262B709-5FAF-313C-59E0-DC94808A629B}"/>
+              </a:ext>
+            </a:extLst>
+          </p:cNvPr>
+          <p:cNvSpPr txBox="1"/>
+          <p:nvPr/>
+        </p:nvSpPr>
+        <p:spPr>
+          <a:xfrm>
+            <a:off x="380565" y="203200"/>
+            <a:ext cx="9697500" cy="461665"/>
+          </a:xfrm>
+          <a:prstGeom prst="rect">
+            <a:avLst/>
+          </a:prstGeom>
+          <a:noFill/>
+        </p:spPr>
+        <p:txBody>
+          <a:bodyPr wrap="square" rtlCol="0">
+            <a:spAutoFit/>
+          </a:bodyPr>
+          <a:lstStyle/>
+          <a:p>
+            <a:r>
+              <a:rPr lang="en-US" altLang="zh-CN" sz="2400" dirty="0">
+                <a:solidFill>
+                  <a:schemeClr val="bg1"/>
+                </a:solidFill>
+                <a:latin typeface="Arial" panose="020B0604020202020204" pitchFamily="34" charset="0"/>
+                <a:cs typeface="Arial" panose="020B0604020202020204" pitchFamily="34" charset="0"/>
+              </a:rPr>
+              <a:t>Future plan</a:t>
+            </a:r>
+            <a:endParaRPr lang="zh-CN" altLang="en-US" sz="2400" dirty="0">
+              <a:solidFill>
+                <a:schemeClr val="bg1"/>
+              </a:solidFill>
+              <a:latin typeface="Arial" panose="020B0604020202020204" pitchFamily="34" charset="0"/>
+              <a:cs typeface="Arial" panose="020B0604020202020204" pitchFamily="34" charset="0"/>
+            </a:endParaRPr>
+          </a:p>
+        </p:txBody>
+      </p:sp>
+      <p:graphicFrame>
+        <p:nvGraphicFramePr>
+          <p:cNvPr id="3" name="表格 2">
+            <a:extLst>
+              <a:ext uri="{FF2B5EF4-FFF2-40B4-BE49-F238E27FC236}">
+                <a16:creationId xmlns:a16="http://schemas.microsoft.com/office/drawing/2014/main" id="{E2ACEFF5-4721-3B5D-563C-91C31BFC974C}"/>
+              </a:ext>
+            </a:extLst>
+          </p:cNvPr>
+          <p:cNvGraphicFramePr>
+            <a:graphicFrameLocks noGrp="1"/>
+          </p:cNvGraphicFramePr>
+          <p:nvPr>
+            <p:extLst>
+              <p:ext uri="{D42A27DB-BD31-4B8C-83A1-F6EECF244321}">
+                <p14:modId xmlns:p14="http://schemas.microsoft.com/office/powerpoint/2010/main" val="3195232860"/>
+              </p:ext>
+            </p:extLst>
+          </p:nvPr>
+        </p:nvGraphicFramePr>
+        <p:xfrm>
+          <a:off x="849592" y="1361841"/>
+          <a:ext cx="10182202" cy="2954818"/>
+        </p:xfrm>
+        <a:graphic>
+          <a:graphicData uri="http://schemas.openxmlformats.org/drawingml/2006/table">
+            <a:tbl>
+              <a:tblPr/>
+              <a:tblGrid>
+                <a:gridCol w="7989608">
+                  <a:extLst>
+                    <a:ext uri="{9D8B030D-6E8A-4147-A177-3AD203B41FA5}">
+                      <a16:colId xmlns:a16="http://schemas.microsoft.com/office/drawing/2014/main" val="1082091315"/>
+                    </a:ext>
+                  </a:extLst>
+                </a:gridCol>
+                <a:gridCol w="2192594">
+                  <a:extLst>
+                    <a:ext uri="{9D8B030D-6E8A-4147-A177-3AD203B41FA5}">
+                      <a16:colId xmlns:a16="http://schemas.microsoft.com/office/drawing/2014/main" val="2251942970"/>
+                    </a:ext>
+                  </a:extLst>
+                </a:gridCol>
+              </a:tblGrid>
+              <a:tr h="256647">
+                <a:tc>
+                  <a:txBody>
+                    <a:bodyPr/>
+                    <a:lstStyle/>
+                    <a:p>
+                      <a:pPr algn="ctr"/>
+                      <a:r>
+                        <a:rPr lang="en-US" sz="1400" b="1" dirty="0">
+                          <a:effectLst/>
+                          <a:latin typeface="Arial" panose="020B0604020202020204" pitchFamily="34" charset="0"/>
+                          <a:cs typeface="Arial" panose="020B0604020202020204" pitchFamily="34" charset="0"/>
+                        </a:rPr>
+                        <a:t>T</a:t>
+                      </a:r>
+                      <a:r>
+                        <a:rPr lang="en-US" altLang="zh-CN" sz="1400" b="1" dirty="0">
+                          <a:effectLst/>
+                          <a:latin typeface="Arial" panose="020B0604020202020204" pitchFamily="34" charset="0"/>
+                          <a:cs typeface="Arial" panose="020B0604020202020204" pitchFamily="34" charset="0"/>
+                        </a:rPr>
+                        <a:t>o do</a:t>
+                      </a:r>
+                      <a:endParaRPr lang="en-US" sz="1400" b="1" dirty="0">
+                        <a:effectLst/>
+                        <a:latin typeface="Arial" panose="020B0604020202020204" pitchFamily="34" charset="0"/>
+                        <a:cs typeface="Arial" panose="020B0604020202020204" pitchFamily="34" charset="0"/>
+                      </a:endParaRPr>
+                    </a:p>
+                  </a:txBody>
+                  <a:tcPr marL="23332" marR="23332" marT="23332" marB="23332" anchor="ctr">
+                    <a:lnL w="7620" cap="flat" cmpd="sng" algn="ctr">
+                      <a:solidFill>
+                        <a:srgbClr val="DDDDDD"/>
+                      </a:solidFill>
+                      <a:prstDash val="solid"/>
+                      <a:round/>
+                      <a:headEnd type="none" w="med" len="med"/>
+                      <a:tailEnd type="none" w="med" len="med"/>
+                    </a:lnL>
+                    <a:lnR w="7620" cap="flat" cmpd="sng" algn="ctr">
+                      <a:solidFill>
+                        <a:srgbClr val="DDDDDD"/>
+                      </a:solidFill>
+                      <a:prstDash val="solid"/>
+                      <a:round/>
+                      <a:headEnd type="none" w="med" len="med"/>
+                      <a:tailEnd type="none" w="med" len="med"/>
+                    </a:lnR>
+                    <a:lnT w="7620" cap="flat" cmpd="sng" algn="ctr">
+                      <a:solidFill>
+                        <a:srgbClr val="DDDDDD"/>
+                      </a:solidFill>
+                      <a:prstDash val="solid"/>
+                      <a:round/>
+                      <a:headEnd type="none" w="med" len="med"/>
+                      <a:tailEnd type="none" w="med" len="med"/>
+                    </a:lnT>
+                    <a:lnB w="7620" cap="flat" cmpd="sng" algn="ctr">
+                      <a:solidFill>
+                        <a:srgbClr val="DDDDDD"/>
+                      </a:solidFill>
+                      <a:prstDash val="solid"/>
+                      <a:round/>
+                      <a:headEnd type="none" w="med" len="med"/>
+                      <a:tailEnd type="none" w="med" len="med"/>
+                    </a:lnB>
+                    <a:solidFill>
+                      <a:schemeClr val="bg1">
+                        <a:lumMod val="75000"/>
+                      </a:schemeClr>
+                    </a:solidFill>
+                  </a:tcPr>
+                </a:tc>
+                <a:tc>
+                  <a:txBody>
+                    <a:bodyPr/>
+                    <a:lstStyle/>
+                    <a:p>
+                      <a:pPr algn="ctr"/>
+                      <a:r>
+                        <a:rPr lang="en-US" altLang="zh-CN" sz="1400" b="1" dirty="0">
+                          <a:effectLst/>
+                          <a:latin typeface="Arial" panose="020B0604020202020204" pitchFamily="34" charset="0"/>
+                          <a:cs typeface="Arial" panose="020B0604020202020204" pitchFamily="34" charset="0"/>
+                        </a:rPr>
+                        <a:t>Complete</a:t>
+                      </a:r>
+                    </a:p>
+                  </a:txBody>
+                  <a:tcPr marL="23332" marR="23332" marT="23332" marB="23332" anchor="ctr">
+                    <a:lnL w="7620" cap="flat" cmpd="sng" algn="ctr">
+                      <a:solidFill>
+                        <a:srgbClr val="DDDDDD"/>
+                      </a:solidFill>
+                      <a:prstDash val="solid"/>
+                      <a:round/>
+                      <a:headEnd type="none" w="med" len="med"/>
+                      <a:tailEnd type="none" w="med" len="med"/>
+                    </a:lnL>
+                    <a:lnR w="7620" cap="flat" cmpd="sng" algn="ctr">
+                      <a:solidFill>
+                        <a:srgbClr val="DDDDDD"/>
+                      </a:solidFill>
+                      <a:prstDash val="solid"/>
+                      <a:round/>
+                      <a:headEnd type="none" w="med" len="med"/>
+                      <a:tailEnd type="none" w="med" len="med"/>
+                    </a:lnR>
+                    <a:lnT w="7620" cap="flat" cmpd="sng" algn="ctr">
+                      <a:solidFill>
+                        <a:srgbClr val="DDDDDD"/>
+                      </a:solidFill>
+                      <a:prstDash val="solid"/>
+                      <a:round/>
+                      <a:headEnd type="none" w="med" len="med"/>
+                      <a:tailEnd type="none" w="med" len="med"/>
+                    </a:lnT>
+                    <a:lnB w="7620" cap="flat" cmpd="sng" algn="ctr">
+                      <a:solidFill>
+                        <a:srgbClr val="DDDDDD"/>
+                      </a:solidFill>
+                      <a:prstDash val="solid"/>
+                      <a:round/>
+                      <a:headEnd type="none" w="med" len="med"/>
+                      <a:tailEnd type="none" w="med" len="med"/>
+                    </a:lnB>
+                    <a:solidFill>
+                      <a:schemeClr val="bg1">
+                        <a:lumMod val="75000"/>
+                      </a:schemeClr>
+                    </a:solidFill>
+                  </a:tcPr>
+                </a:tc>
+                <a:extLst>
+                  <a:ext uri="{0D108BD9-81ED-4DB2-BD59-A6C34878D82A}">
+                    <a16:rowId xmlns:a16="http://schemas.microsoft.com/office/drawing/2014/main" val="1560633725"/>
+                  </a:ext>
+                </a:extLst>
+              </a:tr>
+              <a:tr h="466631">
+                <a:tc>
+                  <a:txBody>
+                    <a:bodyPr/>
+                    <a:lstStyle/>
+                    <a:p>
+                      <a:pPr algn="ctr"/>
+                      <a:r>
+                        <a:rPr lang="en-US" altLang="zh-CN" sz="1400" b="0" dirty="0">
+                          <a:effectLst/>
+                          <a:latin typeface="Arial" panose="020B0604020202020204" pitchFamily="34" charset="0"/>
+                          <a:cs typeface="Arial" panose="020B0604020202020204" pitchFamily="34" charset="0"/>
+                        </a:rPr>
+                        <a:t>Border polishing</a:t>
+                      </a:r>
+                      <a:endParaRPr lang="en-US" sz="1400" b="0" dirty="0">
+                        <a:effectLst/>
+                        <a:latin typeface="Arial" panose="020B0604020202020204" pitchFamily="34" charset="0"/>
+                        <a:cs typeface="Arial" panose="020B0604020202020204" pitchFamily="34" charset="0"/>
+                      </a:endParaRPr>
+                    </a:p>
+                  </a:txBody>
+                  <a:tcPr marL="23332" marR="23332" marT="23332" marB="23332" anchor="ctr">
+                    <a:lnL w="7620" cap="flat" cmpd="sng" algn="ctr">
+                      <a:solidFill>
+                        <a:srgbClr val="DDDDDD"/>
+                      </a:solidFill>
+                      <a:prstDash val="solid"/>
+                      <a:round/>
+                      <a:headEnd type="none" w="med" len="med"/>
+                      <a:tailEnd type="none" w="med" len="med"/>
+                    </a:lnL>
+                    <a:lnR w="7620" cap="flat" cmpd="sng" algn="ctr">
+                      <a:solidFill>
+                        <a:srgbClr val="DDDDDD"/>
+                      </a:solidFill>
+                      <a:prstDash val="solid"/>
+                      <a:round/>
+                      <a:headEnd type="none" w="med" len="med"/>
+                      <a:tailEnd type="none" w="med" len="med"/>
+                    </a:lnR>
+                    <a:lnT w="7620" cap="flat" cmpd="sng" algn="ctr">
+                      <a:solidFill>
+                        <a:srgbClr val="DDDDDD"/>
+                      </a:solidFill>
+                      <a:prstDash val="solid"/>
+                      <a:round/>
+                      <a:headEnd type="none" w="med" len="med"/>
+                      <a:tailEnd type="none" w="med" len="med"/>
+                    </a:lnT>
+                    <a:lnB w="7620" cap="flat" cmpd="sng" algn="ctr">
+                      <a:solidFill>
+                        <a:srgbClr val="DDDDDD"/>
+                      </a:solidFill>
+                      <a:prstDash val="solid"/>
+                      <a:round/>
+                      <a:headEnd type="none" w="med" len="med"/>
+                      <a:tailEnd type="none" w="med" len="med"/>
+                    </a:lnB>
+                    <a:solidFill>
+                      <a:srgbClr val="DDDDDD"/>
+                    </a:solidFill>
+                  </a:tcPr>
+                </a:tc>
+                <a:tc>
+                  <a:txBody>
+                    <a:bodyPr/>
+                    <a:lstStyle/>
+                    <a:p>
+                      <a:pPr marL="0" marR="0" lvl="0" indent="0" algn="ctr" defTabSz="914400" rtl="0" eaLnBrk="1" fontAlgn="auto" latinLnBrk="0" hangingPunct="1">
+                        <a:lnSpc>
+                          <a:spcPct val="100000"/>
+                        </a:lnSpc>
+                        <a:spcBef>
+                          <a:spcPts val="0"/>
+                        </a:spcBef>
+                        <a:spcAft>
+                          <a:spcPts val="0"/>
+                        </a:spcAft>
+                        <a:buClrTx/>
+                        <a:buSzTx/>
+                        <a:buFontTx/>
+                        <a:buNone/>
+                        <a:tabLst/>
+                        <a:defRPr/>
+                      </a:pPr>
+                      <a:r>
+                        <a:rPr lang="zh-CN" altLang="en-US" sz="1400" dirty="0">
+                          <a:effectLst/>
+                          <a:latin typeface="Arial" panose="020B0604020202020204" pitchFamily="34" charset="0"/>
+                          <a:cs typeface="Arial" panose="020B0604020202020204" pitchFamily="34" charset="0"/>
+                        </a:rPr>
+                        <a:t>✗</a:t>
+                      </a:r>
+                    </a:p>
+                  </a:txBody>
+                  <a:tcPr marL="23332" marR="23332" marT="23332" marB="23332" anchor="ctr">
+                    <a:lnL w="7620" cap="flat" cmpd="sng" algn="ctr">
+                      <a:solidFill>
+                        <a:srgbClr val="DDDDDD"/>
+                      </a:solidFill>
+                      <a:prstDash val="solid"/>
+                      <a:round/>
+                      <a:headEnd type="none" w="med" len="med"/>
+                      <a:tailEnd type="none" w="med" len="med"/>
+                    </a:lnL>
+                    <a:lnR w="7620" cap="flat" cmpd="sng" algn="ctr">
+                      <a:solidFill>
+                        <a:srgbClr val="DDDDDD"/>
+                      </a:solidFill>
+                      <a:prstDash val="solid"/>
+                      <a:round/>
+                      <a:headEnd type="none" w="med" len="med"/>
+                      <a:tailEnd type="none" w="med" len="med"/>
+                    </a:lnR>
+                    <a:lnT w="7620" cap="flat" cmpd="sng" algn="ctr">
+                      <a:solidFill>
+                        <a:srgbClr val="DDDDDD"/>
+                      </a:solidFill>
+                      <a:prstDash val="solid"/>
+                      <a:round/>
+                      <a:headEnd type="none" w="med" len="med"/>
+                      <a:tailEnd type="none" w="med" len="med"/>
+                    </a:lnT>
+                    <a:lnB w="7620" cap="flat" cmpd="sng" algn="ctr">
+                      <a:solidFill>
+                        <a:srgbClr val="DDDDDD"/>
+                      </a:solidFill>
+                      <a:prstDash val="solid"/>
+                      <a:round/>
+                      <a:headEnd type="none" w="med" len="med"/>
+                      <a:tailEnd type="none" w="med" len="med"/>
+                    </a:lnB>
+                    <a:solidFill>
+                      <a:srgbClr val="DDDDDD"/>
+                    </a:solidFill>
+                  </a:tcPr>
+                </a:tc>
+                <a:extLst>
+                  <a:ext uri="{0D108BD9-81ED-4DB2-BD59-A6C34878D82A}">
+                    <a16:rowId xmlns:a16="http://schemas.microsoft.com/office/drawing/2014/main" val="2548230455"/>
+                  </a:ext>
+                </a:extLst>
+              </a:tr>
+              <a:tr h="361639">
+                <a:tc>
+                  <a:txBody>
+                    <a:bodyPr/>
+                    <a:lstStyle/>
+                    <a:p>
+                      <a:pPr algn="ctr"/>
+                      <a:r>
+                        <a:rPr lang="en-US" altLang="zh-CN" sz="1400" b="0" dirty="0">
+                          <a:effectLst/>
+                          <a:latin typeface="Arial" panose="020B0604020202020204" pitchFamily="34" charset="0"/>
+                          <a:cs typeface="Arial" panose="020B0604020202020204" pitchFamily="34" charset="0"/>
+                        </a:rPr>
+                        <a:t>Reference motif calibration</a:t>
+                      </a:r>
+                    </a:p>
+                  </a:txBody>
+                  <a:tcPr marL="23332" marR="23332" marT="23332" marB="23332" anchor="ctr">
+                    <a:lnL w="7620" cap="flat" cmpd="sng" algn="ctr">
+                      <a:solidFill>
+                        <a:srgbClr val="DDDDDD"/>
+                      </a:solidFill>
+                      <a:prstDash val="solid"/>
+                      <a:round/>
+                      <a:headEnd type="none" w="med" len="med"/>
+                      <a:tailEnd type="none" w="med" len="med"/>
+                    </a:lnL>
+                    <a:lnR w="7620" cap="flat" cmpd="sng" algn="ctr">
+                      <a:solidFill>
+                        <a:srgbClr val="DDDDDD"/>
+                      </a:solidFill>
+                      <a:prstDash val="solid"/>
+                      <a:round/>
+                      <a:headEnd type="none" w="med" len="med"/>
+                      <a:tailEnd type="none" w="med" len="med"/>
+                    </a:lnR>
+                    <a:lnT w="7620" cap="flat" cmpd="sng" algn="ctr">
+                      <a:solidFill>
+                        <a:srgbClr val="DDDDDD"/>
+                      </a:solidFill>
+                      <a:prstDash val="solid"/>
+                      <a:round/>
+                      <a:headEnd type="none" w="med" len="med"/>
+                      <a:tailEnd type="none" w="med" len="med"/>
+                    </a:lnT>
+                    <a:lnB w="7620" cap="flat" cmpd="sng" algn="ctr">
+                      <a:solidFill>
+                        <a:srgbClr val="DDDDDD"/>
+                      </a:solidFill>
+                      <a:prstDash val="solid"/>
+                      <a:round/>
+                      <a:headEnd type="none" w="med" len="med"/>
+                      <a:tailEnd type="none" w="med" len="med"/>
+                    </a:lnB>
+                    <a:solidFill>
+                      <a:srgbClr val="EEEEEE"/>
+                    </a:solidFill>
+                  </a:tcPr>
+                </a:tc>
+                <a:tc>
+                  <a:txBody>
+                    <a:bodyPr/>
+                    <a:lstStyle/>
+                    <a:p>
+                      <a:pPr marL="0" marR="0" lvl="0" indent="0" algn="ctr" defTabSz="914400" rtl="0" eaLnBrk="1" fontAlgn="auto" latinLnBrk="0" hangingPunct="1">
+                        <a:lnSpc>
+                          <a:spcPct val="100000"/>
+                        </a:lnSpc>
+                        <a:spcBef>
+                          <a:spcPts val="0"/>
+                        </a:spcBef>
+                        <a:spcAft>
+                          <a:spcPts val="0"/>
+                        </a:spcAft>
+                        <a:buClrTx/>
+                        <a:buSzTx/>
+                        <a:buFontTx/>
+                        <a:buNone/>
+                        <a:tabLst/>
+                        <a:defRPr/>
+                      </a:pPr>
+                      <a:r>
+                        <a:rPr lang="zh-CN" altLang="en-US" sz="1400" dirty="0">
+                          <a:effectLst/>
+                          <a:latin typeface="Arial" panose="020B0604020202020204" pitchFamily="34" charset="0"/>
+                          <a:cs typeface="Arial" panose="020B0604020202020204" pitchFamily="34" charset="0"/>
+                        </a:rPr>
+                        <a:t>✗</a:t>
+                      </a:r>
+                    </a:p>
+                  </a:txBody>
+                  <a:tcPr marL="23332" marR="23332" marT="23332" marB="23332" anchor="ctr">
+                    <a:lnL w="7620" cap="flat" cmpd="sng" algn="ctr">
+                      <a:solidFill>
+                        <a:srgbClr val="DDDDDD"/>
+                      </a:solidFill>
+                      <a:prstDash val="solid"/>
+                      <a:round/>
+                      <a:headEnd type="none" w="med" len="med"/>
+                      <a:tailEnd type="none" w="med" len="med"/>
+                    </a:lnL>
+                    <a:lnR w="7620" cap="flat" cmpd="sng" algn="ctr">
+                      <a:solidFill>
+                        <a:srgbClr val="DDDDDD"/>
+                      </a:solidFill>
+                      <a:prstDash val="solid"/>
+                      <a:round/>
+                      <a:headEnd type="none" w="med" len="med"/>
+                      <a:tailEnd type="none" w="med" len="med"/>
+                    </a:lnR>
+                    <a:lnT w="7620" cap="flat" cmpd="sng" algn="ctr">
+                      <a:solidFill>
+                        <a:srgbClr val="DDDDDD"/>
+                      </a:solidFill>
+                      <a:prstDash val="solid"/>
+                      <a:round/>
+                      <a:headEnd type="none" w="med" len="med"/>
+                      <a:tailEnd type="none" w="med" len="med"/>
+                    </a:lnT>
+                    <a:lnB w="7620" cap="flat" cmpd="sng" algn="ctr">
+                      <a:solidFill>
+                        <a:srgbClr val="DDDDDD"/>
+                      </a:solidFill>
+                      <a:prstDash val="solid"/>
+                      <a:round/>
+                      <a:headEnd type="none" w="med" len="med"/>
+                      <a:tailEnd type="none" w="med" len="med"/>
+                    </a:lnB>
+                    <a:solidFill>
+                      <a:srgbClr val="EEEEEE"/>
+                    </a:solidFill>
+                  </a:tcPr>
+                </a:tc>
+                <a:extLst>
+                  <a:ext uri="{0D108BD9-81ED-4DB2-BD59-A6C34878D82A}">
+                    <a16:rowId xmlns:a16="http://schemas.microsoft.com/office/drawing/2014/main" val="176003074"/>
+                  </a:ext>
+                </a:extLst>
+              </a:tr>
+              <a:tr h="361639">
+                <a:tc>
+                  <a:txBody>
+                    <a:bodyPr/>
+                    <a:lstStyle/>
+                    <a:p>
+                      <a:pPr algn="ctr"/>
+                      <a:r>
+                        <a:rPr lang="en-US" altLang="zh-CN" sz="1400" b="0" dirty="0">
+                          <a:effectLst/>
+                          <a:latin typeface="Arial" panose="020B0604020202020204" pitchFamily="34" charset="0"/>
+                          <a:cs typeface="Arial" panose="020B0604020202020204" pitchFamily="34" charset="0"/>
+                        </a:rPr>
+                        <a:t>Visualization</a:t>
+                      </a:r>
+                    </a:p>
+                  </a:txBody>
+                  <a:tcPr marL="23332" marR="23332" marT="23332" marB="23332" anchor="ctr">
+                    <a:lnL w="7620" cap="flat" cmpd="sng" algn="ctr">
+                      <a:solidFill>
+                        <a:srgbClr val="DDDDDD"/>
+                      </a:solidFill>
+                      <a:prstDash val="solid"/>
+                      <a:round/>
+                      <a:headEnd type="none" w="med" len="med"/>
+                      <a:tailEnd type="none" w="med" len="med"/>
+                    </a:lnL>
+                    <a:lnR w="7620" cap="flat" cmpd="sng" algn="ctr">
+                      <a:solidFill>
+                        <a:srgbClr val="DDDDDD"/>
+                      </a:solidFill>
+                      <a:prstDash val="solid"/>
+                      <a:round/>
+                      <a:headEnd type="none" w="med" len="med"/>
+                      <a:tailEnd type="none" w="med" len="med"/>
+                    </a:lnR>
+                    <a:lnT w="7620" cap="flat" cmpd="sng" algn="ctr">
+                      <a:solidFill>
+                        <a:srgbClr val="DDDDDD"/>
+                      </a:solidFill>
+                      <a:prstDash val="solid"/>
+                      <a:round/>
+                      <a:headEnd type="none" w="med" len="med"/>
+                      <a:tailEnd type="none" w="med" len="med"/>
+                    </a:lnT>
+                    <a:lnB w="7620" cap="flat" cmpd="sng" algn="ctr">
+                      <a:solidFill>
+                        <a:srgbClr val="DDDDDD"/>
+                      </a:solidFill>
+                      <a:prstDash val="solid"/>
+                      <a:round/>
+                      <a:headEnd type="none" w="med" len="med"/>
+                      <a:tailEnd type="none" w="med" len="med"/>
+                    </a:lnB>
+                    <a:solidFill>
+                      <a:srgbClr val="DDDDDD"/>
+                    </a:solidFill>
+                  </a:tcPr>
+                </a:tc>
+                <a:tc>
+                  <a:txBody>
+                    <a:bodyPr/>
+                    <a:lstStyle/>
+                    <a:p>
+                      <a:pPr marL="0" marR="0" lvl="0" indent="0" algn="ctr" defTabSz="914400" rtl="0" eaLnBrk="1" fontAlgn="auto" latinLnBrk="0" hangingPunct="1">
+                        <a:lnSpc>
+                          <a:spcPct val="100000"/>
+                        </a:lnSpc>
+                        <a:spcBef>
+                          <a:spcPts val="0"/>
+                        </a:spcBef>
+                        <a:spcAft>
+                          <a:spcPts val="0"/>
+                        </a:spcAft>
+                        <a:buClrTx/>
+                        <a:buSzTx/>
+                        <a:buFontTx/>
+                        <a:buNone/>
+                        <a:tabLst/>
+                        <a:defRPr/>
+                      </a:pPr>
+                      <a:r>
+                        <a:rPr lang="zh-CN" altLang="en-US" sz="1400" dirty="0">
+                          <a:effectLst/>
+                          <a:latin typeface="Arial" panose="020B0604020202020204" pitchFamily="34" charset="0"/>
+                          <a:cs typeface="Arial" panose="020B0604020202020204" pitchFamily="34" charset="0"/>
+                        </a:rPr>
+                        <a:t>✗</a:t>
+                      </a:r>
+                    </a:p>
+                  </a:txBody>
+                  <a:tcPr marL="23332" marR="23332" marT="23332" marB="23332" anchor="ctr">
+                    <a:lnL w="7620" cap="flat" cmpd="sng" algn="ctr">
+                      <a:solidFill>
+                        <a:srgbClr val="DDDDDD"/>
+                      </a:solidFill>
+                      <a:prstDash val="solid"/>
+                      <a:round/>
+                      <a:headEnd type="none" w="med" len="med"/>
+                      <a:tailEnd type="none" w="med" len="med"/>
+                    </a:lnL>
+                    <a:lnR w="7620" cap="flat" cmpd="sng" algn="ctr">
+                      <a:solidFill>
+                        <a:srgbClr val="DDDDDD"/>
+                      </a:solidFill>
+                      <a:prstDash val="solid"/>
+                      <a:round/>
+                      <a:headEnd type="none" w="med" len="med"/>
+                      <a:tailEnd type="none" w="med" len="med"/>
+                    </a:lnR>
+                    <a:lnT w="7620" cap="flat" cmpd="sng" algn="ctr">
+                      <a:solidFill>
+                        <a:srgbClr val="DDDDDD"/>
+                      </a:solidFill>
+                      <a:prstDash val="solid"/>
+                      <a:round/>
+                      <a:headEnd type="none" w="med" len="med"/>
+                      <a:tailEnd type="none" w="med" len="med"/>
+                    </a:lnT>
+                    <a:lnB w="7620" cap="flat" cmpd="sng" algn="ctr">
+                      <a:solidFill>
+                        <a:srgbClr val="DDDDDD"/>
+                      </a:solidFill>
+                      <a:prstDash val="solid"/>
+                      <a:round/>
+                      <a:headEnd type="none" w="med" len="med"/>
+                      <a:tailEnd type="none" w="med" len="med"/>
+                    </a:lnB>
+                    <a:solidFill>
+                      <a:srgbClr val="DDDDDD"/>
+                    </a:solidFill>
+                  </a:tcPr>
+                </a:tc>
+                <a:extLst>
+                  <a:ext uri="{0D108BD9-81ED-4DB2-BD59-A6C34878D82A}">
+                    <a16:rowId xmlns:a16="http://schemas.microsoft.com/office/drawing/2014/main" val="3449629275"/>
+                  </a:ext>
+                </a:extLst>
+              </a:tr>
+              <a:tr h="466631">
+                <a:tc>
+                  <a:txBody>
+                    <a:bodyPr/>
+                    <a:lstStyle/>
+                    <a:p>
+                      <a:pPr algn="ctr"/>
+                      <a:r>
+                        <a:rPr lang="en-US" altLang="zh-CN" sz="1400" b="0" dirty="0">
+                          <a:effectLst/>
+                          <a:latin typeface="Arial" panose="020B0604020202020204" pitchFamily="34" charset="0"/>
+                          <a:cs typeface="Arial" panose="020B0604020202020204" pitchFamily="34" charset="0"/>
+                        </a:rPr>
+                        <a:t>……</a:t>
+                      </a:r>
+                    </a:p>
+                  </a:txBody>
+                  <a:tcPr marL="23332" marR="23332" marT="23332" marB="23332" anchor="ctr">
+                    <a:lnL w="7620" cap="flat" cmpd="sng" algn="ctr">
+                      <a:solidFill>
+                        <a:srgbClr val="DDDDDD"/>
+                      </a:solidFill>
+                      <a:prstDash val="solid"/>
+                      <a:round/>
+                      <a:headEnd type="none" w="med" len="med"/>
+                      <a:tailEnd type="none" w="med" len="med"/>
+                    </a:lnL>
+                    <a:lnR w="7620" cap="flat" cmpd="sng" algn="ctr">
+                      <a:solidFill>
+                        <a:srgbClr val="DDDDDD"/>
+                      </a:solidFill>
+                      <a:prstDash val="solid"/>
+                      <a:round/>
+                      <a:headEnd type="none" w="med" len="med"/>
+                      <a:tailEnd type="none" w="med" len="med"/>
+                    </a:lnR>
+                    <a:lnT w="7620" cap="flat" cmpd="sng" algn="ctr">
+                      <a:solidFill>
+                        <a:srgbClr val="DDDDDD"/>
+                      </a:solidFill>
+                      <a:prstDash val="solid"/>
+                      <a:round/>
+                      <a:headEnd type="none" w="med" len="med"/>
+                      <a:tailEnd type="none" w="med" len="med"/>
+                    </a:lnT>
+                    <a:lnB w="7620" cap="flat" cmpd="sng" algn="ctr">
+                      <a:solidFill>
+                        <a:srgbClr val="DDDDDD"/>
+                      </a:solidFill>
+                      <a:prstDash val="solid"/>
+                      <a:round/>
+                      <a:headEnd type="none" w="med" len="med"/>
+                      <a:tailEnd type="none" w="med" len="med"/>
+                    </a:lnB>
+                    <a:solidFill>
+                      <a:srgbClr val="EEEEEE"/>
+                    </a:solidFill>
+                  </a:tcPr>
+                </a:tc>
+                <a:tc>
+                  <a:txBody>
+                    <a:bodyPr/>
+                    <a:lstStyle/>
+                    <a:p>
+                      <a:pPr algn="ctr"/>
+                      <a:r>
+                        <a:rPr lang="en-US" altLang="zh-CN" sz="1400" dirty="0">
+                          <a:effectLst/>
+                          <a:latin typeface="Arial" panose="020B0604020202020204" pitchFamily="34" charset="0"/>
+                          <a:cs typeface="Arial" panose="020B0604020202020204" pitchFamily="34" charset="0"/>
+                        </a:rPr>
+                        <a:t>……</a:t>
+                      </a:r>
+                      <a:endParaRPr lang="zh-CN" altLang="en-US" sz="1400" dirty="0">
+                        <a:effectLst/>
+                        <a:latin typeface="Arial" panose="020B0604020202020204" pitchFamily="34" charset="0"/>
+                        <a:cs typeface="Arial" panose="020B0604020202020204" pitchFamily="34" charset="0"/>
+                      </a:endParaRPr>
+                    </a:p>
+                  </a:txBody>
+                  <a:tcPr marL="23332" marR="23332" marT="23332" marB="23332" anchor="ctr">
+                    <a:lnL w="7620" cap="flat" cmpd="sng" algn="ctr">
+                      <a:solidFill>
+                        <a:srgbClr val="DDDDDD"/>
+                      </a:solidFill>
+                      <a:prstDash val="solid"/>
+                      <a:round/>
+                      <a:headEnd type="none" w="med" len="med"/>
+                      <a:tailEnd type="none" w="med" len="med"/>
+                    </a:lnL>
+                    <a:lnR w="7620" cap="flat" cmpd="sng" algn="ctr">
+                      <a:solidFill>
+                        <a:srgbClr val="DDDDDD"/>
+                      </a:solidFill>
+                      <a:prstDash val="solid"/>
+                      <a:round/>
+                      <a:headEnd type="none" w="med" len="med"/>
+                      <a:tailEnd type="none" w="med" len="med"/>
+                    </a:lnR>
+                    <a:lnT w="7620" cap="flat" cmpd="sng" algn="ctr">
+                      <a:solidFill>
+                        <a:srgbClr val="DDDDDD"/>
+                      </a:solidFill>
+                      <a:prstDash val="solid"/>
+                      <a:round/>
+                      <a:headEnd type="none" w="med" len="med"/>
+                      <a:tailEnd type="none" w="med" len="med"/>
+                    </a:lnT>
+                    <a:lnB w="7620" cap="flat" cmpd="sng" algn="ctr">
+                      <a:solidFill>
+                        <a:srgbClr val="DDDDDD"/>
+                      </a:solidFill>
+                      <a:prstDash val="solid"/>
+                      <a:round/>
+                      <a:headEnd type="none" w="med" len="med"/>
+                      <a:tailEnd type="none" w="med" len="med"/>
+                    </a:lnB>
+                    <a:solidFill>
+                      <a:srgbClr val="EEEEEE"/>
+                    </a:solidFill>
+                  </a:tcPr>
+                </a:tc>
+                <a:extLst>
+                  <a:ext uri="{0D108BD9-81ED-4DB2-BD59-A6C34878D82A}">
+                    <a16:rowId xmlns:a16="http://schemas.microsoft.com/office/drawing/2014/main" val="2161448757"/>
+                  </a:ext>
+                </a:extLst>
+              </a:tr>
+              <a:tr h="466631">
+                <a:tc>
+                  <a:txBody>
+                    <a:bodyPr/>
+                    <a:lstStyle/>
+                    <a:p>
+                      <a:pPr algn="ctr"/>
+                      <a:r>
+                        <a:rPr lang="en-US" sz="1400" b="0" dirty="0">
+                          <a:effectLst/>
+                          <a:latin typeface="Arial" panose="020B0604020202020204" pitchFamily="34" charset="0"/>
+                          <a:cs typeface="Arial" panose="020B0604020202020204" pitchFamily="34" charset="0"/>
+                        </a:rPr>
+                        <a:t>……</a:t>
+                      </a:r>
+                    </a:p>
+                  </a:txBody>
+                  <a:tcPr marL="23332" marR="23332" marT="23332" marB="23332" anchor="ctr">
+                    <a:lnL w="7620" cap="flat" cmpd="sng" algn="ctr">
+                      <a:solidFill>
+                        <a:srgbClr val="DDDDDD"/>
+                      </a:solidFill>
+                      <a:prstDash val="solid"/>
+                      <a:round/>
+                      <a:headEnd type="none" w="med" len="med"/>
+                      <a:tailEnd type="none" w="med" len="med"/>
+                    </a:lnL>
+                    <a:lnR w="7620" cap="flat" cmpd="sng" algn="ctr">
+                      <a:solidFill>
+                        <a:srgbClr val="DDDDDD"/>
+                      </a:solidFill>
+                      <a:prstDash val="solid"/>
+                      <a:round/>
+                      <a:headEnd type="none" w="med" len="med"/>
+                      <a:tailEnd type="none" w="med" len="med"/>
+                    </a:lnR>
+                    <a:lnT w="7620" cap="flat" cmpd="sng" algn="ctr">
+                      <a:solidFill>
+                        <a:srgbClr val="DDDDDD"/>
+                      </a:solidFill>
+                      <a:prstDash val="solid"/>
+                      <a:round/>
+                      <a:headEnd type="none" w="med" len="med"/>
+                      <a:tailEnd type="none" w="med" len="med"/>
+                    </a:lnT>
+                    <a:lnB w="7620" cap="flat" cmpd="sng" algn="ctr">
+                      <a:solidFill>
+                        <a:srgbClr val="DDDDDD"/>
+                      </a:solidFill>
+                      <a:prstDash val="solid"/>
+                      <a:round/>
+                      <a:headEnd type="none" w="med" len="med"/>
+                      <a:tailEnd type="none" w="med" len="med"/>
+                    </a:lnB>
+                    <a:solidFill>
+                      <a:srgbClr val="DDDDDD"/>
+                    </a:solidFill>
+                  </a:tcPr>
+                </a:tc>
+                <a:tc>
+                  <a:txBody>
+                    <a:bodyPr/>
+                    <a:lstStyle/>
+                    <a:p>
+                      <a:pPr algn="ctr"/>
+                      <a:r>
+                        <a:rPr lang="en-US" altLang="zh-CN" sz="1400" dirty="0">
+                          <a:effectLst/>
+                          <a:latin typeface="Arial" panose="020B0604020202020204" pitchFamily="34" charset="0"/>
+                          <a:cs typeface="Arial" panose="020B0604020202020204" pitchFamily="34" charset="0"/>
+                        </a:rPr>
+                        <a:t>……</a:t>
+                      </a:r>
+                      <a:endParaRPr lang="zh-CN" altLang="en-US" sz="1400" dirty="0">
+                        <a:effectLst/>
+                        <a:latin typeface="Arial" panose="020B0604020202020204" pitchFamily="34" charset="0"/>
+                        <a:cs typeface="Arial" panose="020B0604020202020204" pitchFamily="34" charset="0"/>
+                      </a:endParaRPr>
+                    </a:p>
+                  </a:txBody>
+                  <a:tcPr marL="23332" marR="23332" marT="23332" marB="23332" anchor="ctr">
+                    <a:lnL w="7620" cap="flat" cmpd="sng" algn="ctr">
+                      <a:solidFill>
+                        <a:srgbClr val="DDDDDD"/>
+                      </a:solidFill>
+                      <a:prstDash val="solid"/>
+                      <a:round/>
+                      <a:headEnd type="none" w="med" len="med"/>
+                      <a:tailEnd type="none" w="med" len="med"/>
+                    </a:lnL>
+                    <a:lnR w="7620" cap="flat" cmpd="sng" algn="ctr">
+                      <a:solidFill>
+                        <a:srgbClr val="DDDDDD"/>
+                      </a:solidFill>
+                      <a:prstDash val="solid"/>
+                      <a:round/>
+                      <a:headEnd type="none" w="med" len="med"/>
+                      <a:tailEnd type="none" w="med" len="med"/>
+                    </a:lnR>
+                    <a:lnT w="7620" cap="flat" cmpd="sng" algn="ctr">
+                      <a:solidFill>
+                        <a:srgbClr val="DDDDDD"/>
+                      </a:solidFill>
+                      <a:prstDash val="solid"/>
+                      <a:round/>
+                      <a:headEnd type="none" w="med" len="med"/>
+                      <a:tailEnd type="none" w="med" len="med"/>
+                    </a:lnT>
+                    <a:lnB w="7620" cap="flat" cmpd="sng" algn="ctr">
+                      <a:solidFill>
+                        <a:srgbClr val="DDDDDD"/>
+                      </a:solidFill>
+                      <a:prstDash val="solid"/>
+                      <a:round/>
+                      <a:headEnd type="none" w="med" len="med"/>
+                      <a:tailEnd type="none" w="med" len="med"/>
+                    </a:lnB>
+                    <a:solidFill>
+                      <a:srgbClr val="DDDDDD"/>
+                    </a:solidFill>
+                  </a:tcPr>
+                </a:tc>
+                <a:extLst>
+                  <a:ext uri="{0D108BD9-81ED-4DB2-BD59-A6C34878D82A}">
+                    <a16:rowId xmlns:a16="http://schemas.microsoft.com/office/drawing/2014/main" val="2504128467"/>
+                  </a:ext>
+                </a:extLst>
+              </a:tr>
+              <a:tr h="571623">
+                <a:tc>
+                  <a:txBody>
+                    <a:bodyPr/>
+                    <a:lstStyle/>
+                    <a:p>
+                      <a:pPr algn="ctr"/>
+                      <a:r>
+                        <a:rPr lang="en-US" sz="1400" dirty="0">
+                          <a:effectLst/>
+                          <a:latin typeface="Arial" panose="020B0604020202020204" pitchFamily="34" charset="0"/>
+                          <a:cs typeface="Arial" panose="020B0604020202020204" pitchFamily="34" charset="0"/>
+                        </a:rPr>
+                        <a:t>……</a:t>
+                      </a:r>
+                    </a:p>
+                  </a:txBody>
+                  <a:tcPr marL="23332" marR="23332" marT="23332" marB="23332" anchor="ctr">
+                    <a:lnL w="7620" cap="flat" cmpd="sng" algn="ctr">
+                      <a:solidFill>
+                        <a:srgbClr val="DDDDDD"/>
+                      </a:solidFill>
+                      <a:prstDash val="solid"/>
+                      <a:round/>
+                      <a:headEnd type="none" w="med" len="med"/>
+                      <a:tailEnd type="none" w="med" len="med"/>
+                    </a:lnL>
+                    <a:lnR w="7620" cap="flat" cmpd="sng" algn="ctr">
+                      <a:solidFill>
+                        <a:srgbClr val="DDDDDD"/>
+                      </a:solidFill>
+                      <a:prstDash val="solid"/>
+                      <a:round/>
+                      <a:headEnd type="none" w="med" len="med"/>
+                      <a:tailEnd type="none" w="med" len="med"/>
+                    </a:lnR>
+                    <a:lnT w="7620" cap="flat" cmpd="sng" algn="ctr">
+                      <a:solidFill>
+                        <a:srgbClr val="DDDDDD"/>
+                      </a:solidFill>
+                      <a:prstDash val="solid"/>
+                      <a:round/>
+                      <a:headEnd type="none" w="med" len="med"/>
+                      <a:tailEnd type="none" w="med" len="med"/>
+                    </a:lnT>
+                    <a:lnB w="7620" cap="flat" cmpd="sng" algn="ctr">
+                      <a:solidFill>
+                        <a:srgbClr val="DDDDDD"/>
+                      </a:solidFill>
+                      <a:prstDash val="solid"/>
+                      <a:round/>
+                      <a:headEnd type="none" w="med" len="med"/>
+                      <a:tailEnd type="none" w="med" len="med"/>
+                    </a:lnB>
+                    <a:solidFill>
+                      <a:srgbClr val="EEEEEE"/>
+                    </a:solidFill>
+                  </a:tcPr>
+                </a:tc>
+                <a:tc>
+                  <a:txBody>
+                    <a:bodyPr/>
+                    <a:lstStyle/>
+                    <a:p>
+                      <a:pPr algn="ctr"/>
+                      <a:r>
+                        <a:rPr lang="en-US" altLang="zh-CN" sz="1400" dirty="0">
+                          <a:effectLst/>
+                          <a:latin typeface="Arial" panose="020B0604020202020204" pitchFamily="34" charset="0"/>
+                          <a:cs typeface="Arial" panose="020B0604020202020204" pitchFamily="34" charset="0"/>
+                        </a:rPr>
+                        <a:t>……</a:t>
+                      </a:r>
+                      <a:endParaRPr lang="zh-CN" altLang="en-US" sz="1400" dirty="0">
+                        <a:effectLst/>
+                        <a:latin typeface="Arial" panose="020B0604020202020204" pitchFamily="34" charset="0"/>
+                        <a:cs typeface="Arial" panose="020B0604020202020204" pitchFamily="34" charset="0"/>
+                      </a:endParaRPr>
+                    </a:p>
+                  </a:txBody>
+                  <a:tcPr marL="23332" marR="23332" marT="23332" marB="23332" anchor="ctr">
+                    <a:lnL w="7620" cap="flat" cmpd="sng" algn="ctr">
+                      <a:solidFill>
+                        <a:srgbClr val="DDDDDD"/>
+                      </a:solidFill>
+                      <a:prstDash val="solid"/>
+                      <a:round/>
+                      <a:headEnd type="none" w="med" len="med"/>
+                      <a:tailEnd type="none" w="med" len="med"/>
+                    </a:lnL>
+                    <a:lnR w="7620" cap="flat" cmpd="sng" algn="ctr">
+                      <a:solidFill>
+                        <a:srgbClr val="DDDDDD"/>
+                      </a:solidFill>
+                      <a:prstDash val="solid"/>
+                      <a:round/>
+                      <a:headEnd type="none" w="med" len="med"/>
+                      <a:tailEnd type="none" w="med" len="med"/>
+                    </a:lnR>
+                    <a:lnT w="7620" cap="flat" cmpd="sng" algn="ctr">
+                      <a:solidFill>
+                        <a:srgbClr val="DDDDDD"/>
+                      </a:solidFill>
+                      <a:prstDash val="solid"/>
+                      <a:round/>
+                      <a:headEnd type="none" w="med" len="med"/>
+                      <a:tailEnd type="none" w="med" len="med"/>
+                    </a:lnT>
+                    <a:lnB w="7620" cap="flat" cmpd="sng" algn="ctr">
+                      <a:solidFill>
+                        <a:srgbClr val="DDDDDD"/>
+                      </a:solidFill>
+                      <a:prstDash val="solid"/>
+                      <a:round/>
+                      <a:headEnd type="none" w="med" len="med"/>
+                      <a:tailEnd type="none" w="med" len="med"/>
+                    </a:lnB>
+                    <a:solidFill>
+                      <a:srgbClr val="EEEEEE"/>
+                    </a:solidFill>
+                  </a:tcPr>
+                </a:tc>
+                <a:extLst>
+                  <a:ext uri="{0D108BD9-81ED-4DB2-BD59-A6C34878D82A}">
+                    <a16:rowId xmlns:a16="http://schemas.microsoft.com/office/drawing/2014/main" val="459981700"/>
+                  </a:ext>
+                </a:extLst>
+              </a:tr>
+            </a:tbl>
+          </a:graphicData>
+        </a:graphic>
+      </p:graphicFrame>
+    </p:spTree>
+    <p:extLst>
+      <p:ext uri="{BB962C8B-B14F-4D97-AF65-F5344CB8AC3E}">
+        <p14:creationId xmlns:p14="http://schemas.microsoft.com/office/powerpoint/2010/main" val="3120118658"/>
+      </p:ext>
+    </p:extLst>
+  </p:cSld>
+  <p:clrMapOvr>
+    <a:masterClrMapping/>
+  </p:clrMapOvr>
+</p:sld>
+</file>
+
+<file path=ppt/slides/slide21.xml><?xml version="1.0" encoding="utf-8"?>
 <p:sld xmlns:a="http://schemas.openxmlformats.org/drawingml/2006/main" xmlns:r="http://schemas.openxmlformats.org/officeDocument/2006/relationships" xmlns:p="http://schemas.openxmlformats.org/presentationml/2006/main">
   <p:cSld>
     <p:spTree>
@@ -19276,214 +23225,6 @@
     <p:extLst>
       <p:ext uri="{BB962C8B-B14F-4D97-AF65-F5344CB8AC3E}">
         <p14:creationId xmlns:p14="http://schemas.microsoft.com/office/powerpoint/2010/main" val="4080941220"/>
-      </p:ext>
-    </p:extLst>
-  </p:cSld>
-  <p:clrMapOvr>
-    <a:masterClrMapping/>
-  </p:clrMapOvr>
-</p:sld>
-</file>
-
-<file path=ppt/slides/slide2.xml><?xml version="1.0" encoding="utf-8"?>
-<p:sld xmlns:a="http://schemas.openxmlformats.org/drawingml/2006/main" xmlns:r="http://schemas.openxmlformats.org/officeDocument/2006/relationships" xmlns:p="http://schemas.openxmlformats.org/presentationml/2006/main">
-  <p:cSld>
-    <p:spTree>
-      <p:nvGrpSpPr>
-        <p:cNvPr id="1" name="">
-          <a:extLst>
-            <a:ext uri="{FF2B5EF4-FFF2-40B4-BE49-F238E27FC236}">
-              <a16:creationId xmlns:a16="http://schemas.microsoft.com/office/drawing/2014/main" id="{0A23B634-0748-5AEE-1917-A6A085D530DA}"/>
-            </a:ext>
-          </a:extLst>
-        </p:cNvPr>
-        <p:cNvGrpSpPr/>
-        <p:nvPr/>
-      </p:nvGrpSpPr>
-      <p:grpSpPr>
-        <a:xfrm>
-          <a:off x="0" y="0"/>
-          <a:ext cx="0" cy="0"/>
-          <a:chOff x="0" y="0"/>
-          <a:chExt cx="0" cy="0"/>
-        </a:xfrm>
-      </p:grpSpPr>
-      <p:grpSp>
-        <p:nvGrpSpPr>
-          <p:cNvPr id="6" name="组合 5">
-            <a:extLst>
-              <a:ext uri="{FF2B5EF4-FFF2-40B4-BE49-F238E27FC236}">
-                <a16:creationId xmlns:a16="http://schemas.microsoft.com/office/drawing/2014/main" id="{C8268D78-80DF-90E6-8863-8C49E4742BD7}"/>
-              </a:ext>
-            </a:extLst>
-          </p:cNvPr>
-          <p:cNvGrpSpPr/>
-          <p:nvPr/>
-        </p:nvGrpSpPr>
-        <p:grpSpPr>
-          <a:xfrm>
-            <a:off x="1524953" y="4769386"/>
-            <a:ext cx="5074919" cy="1156970"/>
-            <a:chOff x="1195705" y="1808699"/>
-            <a:chExt cx="5074919" cy="1156970"/>
-          </a:xfrm>
-        </p:grpSpPr>
-        <p:sp>
-          <p:nvSpPr>
-            <p:cNvPr id="7" name="矩形 6">
-              <a:extLst>
-                <a:ext uri="{FF2B5EF4-FFF2-40B4-BE49-F238E27FC236}">
-                  <a16:creationId xmlns:a16="http://schemas.microsoft.com/office/drawing/2014/main" id="{27BA1906-596E-0F32-07CE-165DB96894DF}"/>
-                </a:ext>
-              </a:extLst>
-            </p:cNvPr>
-            <p:cNvSpPr/>
-            <p:nvPr userDrawn="1"/>
-          </p:nvSpPr>
-          <p:spPr>
-            <a:xfrm>
-              <a:off x="1195705" y="1808699"/>
-              <a:ext cx="45719" cy="1156970"/>
-            </a:xfrm>
-            <a:prstGeom prst="rect">
-              <a:avLst/>
-            </a:prstGeom>
-            <a:solidFill>
-              <a:schemeClr val="bg1">
-                <a:lumMod val="95000"/>
-              </a:schemeClr>
-            </a:solidFill>
-            <a:ln>
-              <a:noFill/>
-            </a:ln>
-          </p:spPr>
-          <p:style>
-            <a:lnRef idx="2">
-              <a:schemeClr val="accent1">
-                <a:shade val="15000"/>
-              </a:schemeClr>
-            </a:lnRef>
-            <a:fillRef idx="1">
-              <a:schemeClr val="accent1"/>
-            </a:fillRef>
-            <a:effectRef idx="0">
-              <a:schemeClr val="accent1"/>
-            </a:effectRef>
-            <a:fontRef idx="minor">
-              <a:schemeClr val="lt1"/>
-            </a:fontRef>
-          </p:style>
-          <p:txBody>
-            <a:bodyPr rtlCol="0" anchor="ctr"/>
-            <a:lstStyle/>
-            <a:p>
-              <a:pPr algn="ctr"/>
-              <a:endParaRPr lang="zh-CN" altLang="en-US"/>
-            </a:p>
-          </p:txBody>
-        </p:sp>
-        <p:sp>
-          <p:nvSpPr>
-            <p:cNvPr id="8" name="文本框 7">
-              <a:extLst>
-                <a:ext uri="{FF2B5EF4-FFF2-40B4-BE49-F238E27FC236}">
-                  <a16:creationId xmlns:a16="http://schemas.microsoft.com/office/drawing/2014/main" id="{541786FC-876B-1548-A1E5-688BA4E6E327}"/>
-                </a:ext>
-              </a:extLst>
-            </p:cNvPr>
-            <p:cNvSpPr txBox="1"/>
-            <p:nvPr userDrawn="1"/>
-          </p:nvSpPr>
-          <p:spPr>
-            <a:xfrm>
-              <a:off x="1373504" y="1866302"/>
-              <a:ext cx="2360297" cy="461665"/>
-            </a:xfrm>
-            <a:prstGeom prst="rect">
-              <a:avLst/>
-            </a:prstGeom>
-            <a:noFill/>
-          </p:spPr>
-          <p:txBody>
-            <a:bodyPr wrap="square" rtlCol="0">
-              <a:spAutoFit/>
-            </a:bodyPr>
-            <a:lstStyle/>
-            <a:p>
-              <a:r>
-                <a:rPr lang="en-US" altLang="zh-CN" sz="2400" b="1" spc="300" dirty="0">
-                  <a:solidFill>
-                    <a:schemeClr val="bg1"/>
-                  </a:solidFill>
-                  <a:latin typeface="Gadugi" panose="020B0502040204020203" pitchFamily="34" charset="0"/>
-                  <a:ea typeface="Gadugi" panose="020B0502040204020203" pitchFamily="34" charset="0"/>
-                  <a:cs typeface="Microsoft Sans Serif" panose="020B0604020202020204" pitchFamily="34" charset="0"/>
-                </a:rPr>
-                <a:t>Section I</a:t>
-              </a:r>
-              <a:endParaRPr lang="zh-CN" altLang="en-US" sz="2400" b="1" spc="300" dirty="0">
-                <a:solidFill>
-                  <a:schemeClr val="bg1"/>
-                </a:solidFill>
-                <a:latin typeface="Gadugi" panose="020B0502040204020203" pitchFamily="34" charset="0"/>
-                <a:cs typeface="Microsoft Sans Serif" panose="020B0604020202020204" pitchFamily="34" charset="0"/>
-              </a:endParaRPr>
-            </a:p>
-          </p:txBody>
-        </p:sp>
-        <p:sp>
-          <p:nvSpPr>
-            <p:cNvPr id="9" name="文本框 8">
-              <a:extLst>
-                <a:ext uri="{FF2B5EF4-FFF2-40B4-BE49-F238E27FC236}">
-                  <a16:creationId xmlns:a16="http://schemas.microsoft.com/office/drawing/2014/main" id="{61BCEF7D-3769-14C5-7B98-2989A7AC14B6}"/>
-                </a:ext>
-              </a:extLst>
-            </p:cNvPr>
-            <p:cNvSpPr txBox="1"/>
-            <p:nvPr userDrawn="1"/>
-          </p:nvSpPr>
-          <p:spPr>
-            <a:xfrm>
-              <a:off x="1373504" y="2282394"/>
-              <a:ext cx="4897120" cy="646331"/>
-            </a:xfrm>
-            <a:prstGeom prst="rect">
-              <a:avLst/>
-            </a:prstGeom>
-            <a:noFill/>
-          </p:spPr>
-          <p:txBody>
-            <a:bodyPr wrap="square" rtlCol="0">
-              <a:spAutoFit/>
-            </a:bodyPr>
-            <a:lstStyle/>
-            <a:p>
-              <a:r>
-                <a:rPr lang="en-US" altLang="zh-CN" sz="3600" b="1" dirty="0">
-                  <a:solidFill>
-                    <a:schemeClr val="bg1"/>
-                  </a:solidFill>
-                  <a:latin typeface="Arial" panose="020B0604020202020204" pitchFamily="34" charset="0"/>
-                  <a:cs typeface="Arial" panose="020B0604020202020204" pitchFamily="34" charset="0"/>
-                </a:rPr>
-                <a:t>Aim and function</a:t>
-              </a:r>
-              <a:endParaRPr lang="zh-CN" altLang="en-US" sz="3600" b="1" dirty="0">
-                <a:solidFill>
-                  <a:schemeClr val="bg1"/>
-                </a:solidFill>
-                <a:latin typeface="Arial" panose="020B0604020202020204" pitchFamily="34" charset="0"/>
-                <a:cs typeface="Arial" panose="020B0604020202020204" pitchFamily="34" charset="0"/>
-              </a:endParaRPr>
-            </a:p>
-          </p:txBody>
-        </p:sp>
-      </p:grpSp>
-    </p:spTree>
-    <p:extLst>
-      <p:ext uri="{BB962C8B-B14F-4D97-AF65-F5344CB8AC3E}">
-        <p14:creationId xmlns:p14="http://schemas.microsoft.com/office/powerpoint/2010/main" val="3566407729"/>
       </p:ext>
     </p:extLst>
   </p:cSld>
@@ -26932,52 +30673,6 @@
           </a:p>
         </p:txBody>
       </p:sp>
-      <p:sp>
-        <p:nvSpPr>
-          <p:cNvPr id="47" name="矩形 46">
-            <a:extLst>
-              <a:ext uri="{FF2B5EF4-FFF2-40B4-BE49-F238E27FC236}">
-                <a16:creationId xmlns:a16="http://schemas.microsoft.com/office/drawing/2014/main" id="{80824F55-0345-7128-5143-E68526590864}"/>
-              </a:ext>
-            </a:extLst>
-          </p:cNvPr>
-          <p:cNvSpPr/>
-          <p:nvPr/>
-        </p:nvSpPr>
-        <p:spPr>
-          <a:xfrm>
-            <a:off x="418953" y="4104514"/>
-            <a:ext cx="4060722" cy="2266787"/>
-          </a:xfrm>
-          <a:prstGeom prst="rect">
-            <a:avLst/>
-          </a:prstGeom>
-        </p:spPr>
-        <p:style>
-          <a:lnRef idx="2">
-            <a:schemeClr val="accent1">
-              <a:shade val="15000"/>
-            </a:schemeClr>
-          </a:lnRef>
-          <a:fillRef idx="1">
-            <a:schemeClr val="accent1"/>
-          </a:fillRef>
-          <a:effectRef idx="0">
-            <a:schemeClr val="accent1"/>
-          </a:effectRef>
-          <a:fontRef idx="minor">
-            <a:schemeClr val="lt1"/>
-          </a:fontRef>
-        </p:style>
-        <p:txBody>
-          <a:bodyPr rtlCol="0" anchor="ctr"/>
-          <a:lstStyle/>
-          <a:p>
-            <a:pPr algn="ctr"/>
-            <a:endParaRPr lang="zh-CN" altLang="en-US"/>
-          </a:p>
-        </p:txBody>
-      </p:sp>
     </p:spTree>
     <p:extLst>
       <p:ext uri="{BB962C8B-B14F-4D97-AF65-F5344CB8AC3E}">

--- a/WorkReport.pptx
+++ b/WorkReport.pptx
@@ -5,7 +5,7 @@
     <p:sldMasterId id="2147483648" r:id="rId1"/>
   </p:sldMasterIdLst>
   <p:notesMasterIdLst>
-    <p:notesMasterId r:id="rId23"/>
+    <p:notesMasterId r:id="rId25"/>
   </p:notesMasterIdLst>
   <p:sldIdLst>
     <p:sldId id="256" r:id="rId2"/>
@@ -24,11 +24,13 @@
     <p:sldId id="275" r:id="rId15"/>
     <p:sldId id="277" r:id="rId16"/>
     <p:sldId id="278" r:id="rId17"/>
-    <p:sldId id="279" r:id="rId18"/>
-    <p:sldId id="286" r:id="rId19"/>
-    <p:sldId id="287" r:id="rId20"/>
-    <p:sldId id="285" r:id="rId21"/>
-    <p:sldId id="274" r:id="rId22"/>
+    <p:sldId id="286" r:id="rId18"/>
+    <p:sldId id="279" r:id="rId19"/>
+    <p:sldId id="288" r:id="rId20"/>
+    <p:sldId id="289" r:id="rId21"/>
+    <p:sldId id="287" r:id="rId22"/>
+    <p:sldId id="285" r:id="rId23"/>
+    <p:sldId id="274" r:id="rId24"/>
   </p:sldIdLst>
   <p:sldSz cx="12192000" cy="6858000"/>
   <p:notesSz cx="6858000" cy="9144000"/>
@@ -217,7 +219,7 @@
           <a:p>
             <a:fld id="{4A884BCC-47C8-4BE9-82A3-A72362CF7AEA}" type="datetimeFigureOut">
               <a:rPr lang="zh-CN" altLang="en-US" smtClean="0"/>
-              <a:t>2024/12/5</a:t>
+              <a:t>2024/12/6</a:t>
             </a:fld>
             <a:endParaRPr lang="zh-CN" altLang="en-US"/>
           </a:p>
@@ -715,7 +717,7 @@
           <a:p>
             <a:fld id="{0CDE3696-48B4-454C-B67D-0FB3E47AFA0D}" type="datetimeFigureOut">
               <a:rPr lang="zh-CN" altLang="en-US" smtClean="0"/>
-              <a:t>2024/12/5</a:t>
+              <a:t>2024/12/6</a:t>
             </a:fld>
             <a:endParaRPr lang="zh-CN" altLang="en-US"/>
           </a:p>
@@ -1003,7 +1005,7 @@
           <a:p>
             <a:fld id="{0CDE3696-48B4-454C-B67D-0FB3E47AFA0D}" type="datetimeFigureOut">
               <a:rPr lang="zh-CN" altLang="en-US" smtClean="0"/>
-              <a:t>2024/12/5</a:t>
+              <a:t>2024/12/6</a:t>
             </a:fld>
             <a:endParaRPr lang="zh-CN" altLang="en-US"/>
           </a:p>
@@ -1201,7 +1203,7 @@
           <a:p>
             <a:fld id="{0CDE3696-48B4-454C-B67D-0FB3E47AFA0D}" type="datetimeFigureOut">
               <a:rPr lang="zh-CN" altLang="en-US" smtClean="0"/>
-              <a:t>2024/12/5</a:t>
+              <a:t>2024/12/6</a:t>
             </a:fld>
             <a:endParaRPr lang="zh-CN" altLang="en-US"/>
           </a:p>
@@ -1409,7 +1411,7 @@
           <a:p>
             <a:fld id="{0CDE3696-48B4-454C-B67D-0FB3E47AFA0D}" type="datetimeFigureOut">
               <a:rPr lang="zh-CN" altLang="en-US" smtClean="0"/>
-              <a:t>2024/12/5</a:t>
+              <a:t>2024/12/6</a:t>
             </a:fld>
             <a:endParaRPr lang="zh-CN" altLang="en-US"/>
           </a:p>
@@ -1607,7 +1609,7 @@
           <a:p>
             <a:fld id="{0CDE3696-48B4-454C-B67D-0FB3E47AFA0D}" type="datetimeFigureOut">
               <a:rPr lang="zh-CN" altLang="en-US" smtClean="0"/>
-              <a:t>2024/12/5</a:t>
+              <a:t>2024/12/6</a:t>
             </a:fld>
             <a:endParaRPr lang="zh-CN" altLang="en-US"/>
           </a:p>
@@ -1748,7 +1750,7 @@
           <a:p>
             <a:fld id="{0CDE3696-48B4-454C-B67D-0FB3E47AFA0D}" type="datetimeFigureOut">
               <a:rPr lang="zh-CN" altLang="en-US" smtClean="0"/>
-              <a:t>2024/12/5</a:t>
+              <a:t>2024/12/6</a:t>
             </a:fld>
             <a:endParaRPr lang="zh-CN" altLang="en-US"/>
           </a:p>
@@ -2083,7 +2085,7 @@
           <a:p>
             <a:fld id="{0CDE3696-48B4-454C-B67D-0FB3E47AFA0D}" type="datetimeFigureOut">
               <a:rPr lang="zh-CN" altLang="en-US" smtClean="0"/>
-              <a:t>2024/12/5</a:t>
+              <a:t>2024/12/6</a:t>
             </a:fld>
             <a:endParaRPr lang="zh-CN" altLang="en-US"/>
           </a:p>
@@ -2408,7 +2410,7 @@
           <a:p>
             <a:fld id="{0CDE3696-48B4-454C-B67D-0FB3E47AFA0D}" type="datetimeFigureOut">
               <a:rPr lang="zh-CN" altLang="en-US" smtClean="0"/>
-              <a:t>2024/12/5</a:t>
+              <a:t>2024/12/6</a:t>
             </a:fld>
             <a:endParaRPr lang="zh-CN" altLang="en-US"/>
           </a:p>
@@ -2820,7 +2822,7 @@
           <a:p>
             <a:fld id="{0CDE3696-48B4-454C-B67D-0FB3E47AFA0D}" type="datetimeFigureOut">
               <a:rPr lang="zh-CN" altLang="en-US" smtClean="0"/>
-              <a:t>2024/12/5</a:t>
+              <a:t>2024/12/6</a:t>
             </a:fld>
             <a:endParaRPr lang="zh-CN" altLang="en-US"/>
           </a:p>
@@ -2961,7 +2963,7 @@
           <a:p>
             <a:fld id="{0CDE3696-48B4-454C-B67D-0FB3E47AFA0D}" type="datetimeFigureOut">
               <a:rPr lang="zh-CN" altLang="en-US" smtClean="0"/>
-              <a:t>2024/12/5</a:t>
+              <a:t>2024/12/6</a:t>
             </a:fld>
             <a:endParaRPr lang="zh-CN" altLang="en-US"/>
           </a:p>
@@ -3074,7 +3076,7 @@
           <a:p>
             <a:fld id="{0CDE3696-48B4-454C-B67D-0FB3E47AFA0D}" type="datetimeFigureOut">
               <a:rPr lang="zh-CN" altLang="en-US" smtClean="0"/>
-              <a:t>2024/12/5</a:t>
+              <a:t>2024/12/6</a:t>
             </a:fld>
             <a:endParaRPr lang="zh-CN" altLang="en-US"/>
           </a:p>
@@ -3385,7 +3387,7 @@
           <a:p>
             <a:fld id="{0CDE3696-48B4-454C-B67D-0FB3E47AFA0D}" type="datetimeFigureOut">
               <a:rPr lang="zh-CN" altLang="en-US" smtClean="0"/>
-              <a:t>2024/12/5</a:t>
+              <a:t>2024/12/6</a:t>
             </a:fld>
             <a:endParaRPr lang="zh-CN" altLang="en-US"/>
           </a:p>
@@ -3626,7 +3628,7 @@
           <a:p>
             <a:fld id="{0CDE3696-48B4-454C-B67D-0FB3E47AFA0D}" type="datetimeFigureOut">
               <a:rPr lang="zh-CN" altLang="en-US" smtClean="0"/>
-              <a:t>2024/12/5</a:t>
+              <a:t>2024/12/6</a:t>
             </a:fld>
             <a:endParaRPr lang="zh-CN" altLang="en-US"/>
           </a:p>
@@ -20829,150 +20831,6 @@
         <p:cNvPr id="1" name="">
           <a:extLst>
             <a:ext uri="{FF2B5EF4-FFF2-40B4-BE49-F238E27FC236}">
-              <a16:creationId xmlns:a16="http://schemas.microsoft.com/office/drawing/2014/main" id="{DEE076FC-7F36-FC0A-0441-D4EEC50A6359}"/>
-            </a:ext>
-          </a:extLst>
-        </p:cNvPr>
-        <p:cNvGrpSpPr/>
-        <p:nvPr/>
-      </p:nvGrpSpPr>
-      <p:grpSpPr>
-        <a:xfrm>
-          <a:off x="0" y="0"/>
-          <a:ext cx="0" cy="0"/>
-          <a:chOff x="0" y="0"/>
-          <a:chExt cx="0" cy="0"/>
-        </a:xfrm>
-      </p:grpSpPr>
-      <p:sp>
-        <p:nvSpPr>
-          <p:cNvPr id="2" name="文本框 1">
-            <a:extLst>
-              <a:ext uri="{FF2B5EF4-FFF2-40B4-BE49-F238E27FC236}">
-                <a16:creationId xmlns:a16="http://schemas.microsoft.com/office/drawing/2014/main" id="{4D24DE4F-3B60-5B0E-9BF4-C1EF6F293E29}"/>
-              </a:ext>
-            </a:extLst>
-          </p:cNvPr>
-          <p:cNvSpPr txBox="1"/>
-          <p:nvPr/>
-        </p:nvSpPr>
-        <p:spPr>
-          <a:xfrm>
-            <a:off x="380565" y="203200"/>
-            <a:ext cx="9697500" cy="461665"/>
-          </a:xfrm>
-          <a:prstGeom prst="rect">
-            <a:avLst/>
-          </a:prstGeom>
-          <a:noFill/>
-        </p:spPr>
-        <p:txBody>
-          <a:bodyPr wrap="square" rtlCol="0">
-            <a:spAutoFit/>
-          </a:bodyPr>
-          <a:lstStyle/>
-          <a:p>
-            <a:r>
-              <a:rPr lang="en-US" altLang="zh-CN" sz="2400" dirty="0">
-                <a:solidFill>
-                  <a:schemeClr val="bg1"/>
-                </a:solidFill>
-                <a:latin typeface="Arial" panose="020B0604020202020204" pitchFamily="34" charset="0"/>
-                <a:cs typeface="Arial" panose="020B0604020202020204" pitchFamily="34" charset="0"/>
-              </a:rPr>
-              <a:t>Nested motif example</a:t>
-            </a:r>
-            <a:endParaRPr lang="zh-CN" altLang="en-US" sz="2400" dirty="0">
-              <a:solidFill>
-                <a:schemeClr val="bg1"/>
-              </a:solidFill>
-              <a:latin typeface="Arial" panose="020B0604020202020204" pitchFamily="34" charset="0"/>
-              <a:cs typeface="Arial" panose="020B0604020202020204" pitchFamily="34" charset="0"/>
-            </a:endParaRPr>
-          </a:p>
-        </p:txBody>
-      </p:sp>
-      <p:pic>
-        <p:nvPicPr>
-          <p:cNvPr id="4" name="图片 3">
-            <a:extLst>
-              <a:ext uri="{FF2B5EF4-FFF2-40B4-BE49-F238E27FC236}">
-                <a16:creationId xmlns:a16="http://schemas.microsoft.com/office/drawing/2014/main" id="{83355935-60D7-55F4-9D37-60A6F8048B9F}"/>
-              </a:ext>
-            </a:extLst>
-          </p:cNvPr>
-          <p:cNvPicPr>
-            <a:picLocks noChangeAspect="1"/>
-          </p:cNvPicPr>
-          <p:nvPr/>
-        </p:nvPicPr>
-        <p:blipFill>
-          <a:blip r:embed="rId2"/>
-          <a:stretch>
-            <a:fillRect/>
-          </a:stretch>
-        </p:blipFill>
-        <p:spPr>
-          <a:xfrm>
-            <a:off x="868544" y="1495192"/>
-            <a:ext cx="3985704" cy="1412409"/>
-          </a:xfrm>
-          <a:prstGeom prst="rect">
-            <a:avLst/>
-          </a:prstGeom>
-        </p:spPr>
-      </p:pic>
-      <p:pic>
-        <p:nvPicPr>
-          <p:cNvPr id="6" name="图片 5">
-            <a:extLst>
-              <a:ext uri="{FF2B5EF4-FFF2-40B4-BE49-F238E27FC236}">
-                <a16:creationId xmlns:a16="http://schemas.microsoft.com/office/drawing/2014/main" id="{05ADC512-A998-1F61-8958-A286DD2285AA}"/>
-              </a:ext>
-            </a:extLst>
-          </p:cNvPr>
-          <p:cNvPicPr>
-            <a:picLocks noChangeAspect="1"/>
-          </p:cNvPicPr>
-          <p:nvPr/>
-        </p:nvPicPr>
-        <p:blipFill>
-          <a:blip r:embed="rId3"/>
-          <a:stretch>
-            <a:fillRect/>
-          </a:stretch>
-        </p:blipFill>
-        <p:spPr>
-          <a:xfrm>
-            <a:off x="868544" y="3305309"/>
-            <a:ext cx="7797273" cy="1905785"/>
-          </a:xfrm>
-          <a:prstGeom prst="rect">
-            <a:avLst/>
-          </a:prstGeom>
-        </p:spPr>
-      </p:pic>
-    </p:spTree>
-    <p:extLst>
-      <p:ext uri="{BB962C8B-B14F-4D97-AF65-F5344CB8AC3E}">
-        <p14:creationId xmlns:p14="http://schemas.microsoft.com/office/powerpoint/2010/main" val="2700856495"/>
-      </p:ext>
-    </p:extLst>
-  </p:cSld>
-  <p:clrMapOvr>
-    <a:masterClrMapping/>
-  </p:clrMapOvr>
-</p:sld>
-</file>
-
-<file path=ppt/slides/slide18.xml><?xml version="1.0" encoding="utf-8"?>
-<p:sld xmlns:a="http://schemas.openxmlformats.org/drawingml/2006/main" xmlns:r="http://schemas.openxmlformats.org/officeDocument/2006/relationships" xmlns:p="http://schemas.openxmlformats.org/presentationml/2006/main">
-  <p:cSld>
-    <p:spTree>
-      <p:nvGrpSpPr>
-        <p:cNvPr id="1" name="">
-          <a:extLst>
-            <a:ext uri="{FF2B5EF4-FFF2-40B4-BE49-F238E27FC236}">
               <a16:creationId xmlns:a16="http://schemas.microsoft.com/office/drawing/2014/main" id="{F7275785-DB24-E19B-8746-D6DAE5E00EEF}"/>
             </a:ext>
           </a:extLst>
@@ -21507,7 +21365,7 @@
 </p:sld>
 </file>
 
-<file path=ppt/slides/slide19.xml><?xml version="1.0" encoding="utf-8"?>
+<file path=ppt/slides/slide18.xml><?xml version="1.0" encoding="utf-8"?>
 <p:sld xmlns:a="http://schemas.openxmlformats.org/drawingml/2006/main" xmlns:r="http://schemas.openxmlformats.org/officeDocument/2006/relationships" xmlns:p="http://schemas.openxmlformats.org/presentationml/2006/main">
   <p:cSld>
     <p:spTree>
@@ -21515,7 +21373,7 @@
         <p:cNvPr id="1" name="">
           <a:extLst>
             <a:ext uri="{FF2B5EF4-FFF2-40B4-BE49-F238E27FC236}">
-              <a16:creationId xmlns:a16="http://schemas.microsoft.com/office/drawing/2014/main" id="{83B6F849-6951-6EE9-78D5-80B66AE98931}"/>
+              <a16:creationId xmlns:a16="http://schemas.microsoft.com/office/drawing/2014/main" id="{DEE076FC-7F36-FC0A-0441-D4EEC50A6359}"/>
             </a:ext>
           </a:extLst>
         </p:cNvPr>
@@ -21530,182 +21388,442 @@
           <a:chExt cx="0" cy="0"/>
         </a:xfrm>
       </p:grpSpPr>
-      <p:grpSp>
-        <p:nvGrpSpPr>
-          <p:cNvPr id="6" name="组合 5">
+      <p:sp>
+        <p:nvSpPr>
+          <p:cNvPr id="2" name="文本框 1">
             <a:extLst>
               <a:ext uri="{FF2B5EF4-FFF2-40B4-BE49-F238E27FC236}">
-                <a16:creationId xmlns:a16="http://schemas.microsoft.com/office/drawing/2014/main" id="{3482B3FF-B41C-E615-3A01-A86D117BF479}"/>
+                <a16:creationId xmlns:a16="http://schemas.microsoft.com/office/drawing/2014/main" id="{4D24DE4F-3B60-5B0E-9BF4-C1EF6F293E29}"/>
               </a:ext>
             </a:extLst>
           </p:cNvPr>
-          <p:cNvGrpSpPr/>
+          <p:cNvSpPr txBox="1"/>
           <p:nvPr/>
-        </p:nvGrpSpPr>
-        <p:grpSpPr>
+        </p:nvSpPr>
+        <p:spPr>
           <a:xfrm>
-            <a:off x="1524953" y="4769386"/>
-            <a:ext cx="5074919" cy="1156970"/>
-            <a:chOff x="1195705" y="1808699"/>
-            <a:chExt cx="5074919" cy="1156970"/>
+            <a:off x="380565" y="203200"/>
+            <a:ext cx="9697500" cy="461665"/>
           </a:xfrm>
-        </p:grpSpPr>
-        <p:sp>
-          <p:nvSpPr>
-            <p:cNvPr id="7" name="矩形 6">
-              <a:extLst>
-                <a:ext uri="{FF2B5EF4-FFF2-40B4-BE49-F238E27FC236}">
-                  <a16:creationId xmlns:a16="http://schemas.microsoft.com/office/drawing/2014/main" id="{053057ED-2889-25CE-84D9-10A585B17412}"/>
-                </a:ext>
-              </a:extLst>
-            </p:cNvPr>
-            <p:cNvSpPr/>
-            <p:nvPr userDrawn="1"/>
-          </p:nvSpPr>
-          <p:spPr>
-            <a:xfrm>
-              <a:off x="1195705" y="1808699"/>
-              <a:ext cx="45719" cy="1156970"/>
-            </a:xfrm>
-            <a:prstGeom prst="rect">
-              <a:avLst/>
-            </a:prstGeom>
-            <a:solidFill>
-              <a:schemeClr val="bg1">
-                <a:lumMod val="95000"/>
-              </a:schemeClr>
-            </a:solidFill>
-            <a:ln>
-              <a:noFill/>
-            </a:ln>
-          </p:spPr>
-          <p:style>
-            <a:lnRef idx="2">
-              <a:schemeClr val="accent1">
-                <a:shade val="15000"/>
-              </a:schemeClr>
-            </a:lnRef>
-            <a:fillRef idx="1">
-              <a:schemeClr val="accent1"/>
-            </a:fillRef>
-            <a:effectRef idx="0">
-              <a:schemeClr val="accent1"/>
-            </a:effectRef>
-            <a:fontRef idx="minor">
-              <a:schemeClr val="lt1"/>
-            </a:fontRef>
-          </p:style>
-          <p:txBody>
-            <a:bodyPr rtlCol="0" anchor="ctr"/>
-            <a:lstStyle/>
-            <a:p>
-              <a:pPr algn="ctr"/>
-              <a:endParaRPr lang="zh-CN" altLang="en-US"/>
-            </a:p>
-          </p:txBody>
-        </p:sp>
-        <p:sp>
-          <p:nvSpPr>
-            <p:cNvPr id="8" name="文本框 7">
-              <a:extLst>
-                <a:ext uri="{FF2B5EF4-FFF2-40B4-BE49-F238E27FC236}">
-                  <a16:creationId xmlns:a16="http://schemas.microsoft.com/office/drawing/2014/main" id="{323331BE-F684-6963-72E5-2F9AA1B186B4}"/>
-                </a:ext>
-              </a:extLst>
-            </p:cNvPr>
-            <p:cNvSpPr txBox="1"/>
-            <p:nvPr userDrawn="1"/>
-          </p:nvSpPr>
-          <p:spPr>
-            <a:xfrm>
-              <a:off x="1373504" y="1866302"/>
-              <a:ext cx="2360297" cy="461665"/>
-            </a:xfrm>
-            <a:prstGeom prst="rect">
-              <a:avLst/>
-            </a:prstGeom>
-            <a:noFill/>
-          </p:spPr>
-          <p:txBody>
-            <a:bodyPr wrap="square" rtlCol="0">
-              <a:spAutoFit/>
-            </a:bodyPr>
-            <a:lstStyle/>
-            <a:p>
-              <a:r>
-                <a:rPr lang="en-US" altLang="zh-CN" sz="2400" b="1" spc="300" dirty="0">
-                  <a:solidFill>
-                    <a:schemeClr val="bg1"/>
-                  </a:solidFill>
-                  <a:latin typeface="Gadugi" panose="020B0502040204020203" pitchFamily="34" charset="0"/>
-                  <a:ea typeface="Gadugi" panose="020B0502040204020203" pitchFamily="34" charset="0"/>
-                  <a:cs typeface="Microsoft Sans Serif" panose="020B0604020202020204" pitchFamily="34" charset="0"/>
-                </a:rPr>
-                <a:t>Section V</a:t>
-              </a:r>
-              <a:endParaRPr lang="zh-CN" altLang="en-US" sz="2400" b="1" spc="300" dirty="0">
-                <a:solidFill>
-                  <a:schemeClr val="bg1"/>
-                </a:solidFill>
-                <a:latin typeface="Gadugi" panose="020B0502040204020203" pitchFamily="34" charset="0"/>
-                <a:cs typeface="Microsoft Sans Serif" panose="020B0604020202020204" pitchFamily="34" charset="0"/>
-              </a:endParaRPr>
-            </a:p>
-          </p:txBody>
-        </p:sp>
-        <p:sp>
-          <p:nvSpPr>
-            <p:cNvPr id="9" name="文本框 8">
-              <a:extLst>
-                <a:ext uri="{FF2B5EF4-FFF2-40B4-BE49-F238E27FC236}">
-                  <a16:creationId xmlns:a16="http://schemas.microsoft.com/office/drawing/2014/main" id="{A4190064-551B-A614-1F3A-0EDE01633902}"/>
-                </a:ext>
-              </a:extLst>
-            </p:cNvPr>
-            <p:cNvSpPr txBox="1"/>
-            <p:nvPr userDrawn="1"/>
-          </p:nvSpPr>
-          <p:spPr>
-            <a:xfrm>
-              <a:off x="1373504" y="2282394"/>
-              <a:ext cx="4897120" cy="646331"/>
-            </a:xfrm>
-            <a:prstGeom prst="rect">
-              <a:avLst/>
-            </a:prstGeom>
-            <a:noFill/>
-          </p:spPr>
-          <p:txBody>
-            <a:bodyPr wrap="square" rtlCol="0">
-              <a:spAutoFit/>
-            </a:bodyPr>
-            <a:lstStyle/>
-            <a:p>
-              <a:r>
-                <a:rPr lang="en-US" altLang="zh-CN" sz="3600" b="1" dirty="0">
-                  <a:solidFill>
-                    <a:schemeClr val="bg1"/>
-                  </a:solidFill>
-                  <a:latin typeface="Arial" panose="020B0604020202020204" pitchFamily="34" charset="0"/>
-                  <a:cs typeface="Arial" panose="020B0604020202020204" pitchFamily="34" charset="0"/>
-                </a:rPr>
-                <a:t>Future Plan</a:t>
-              </a:r>
-              <a:endParaRPr lang="zh-CN" altLang="en-US" sz="3600" b="1" dirty="0">
+          <a:prstGeom prst="rect">
+            <a:avLst/>
+          </a:prstGeom>
+          <a:noFill/>
+        </p:spPr>
+        <p:txBody>
+          <a:bodyPr wrap="square" rtlCol="0">
+            <a:spAutoFit/>
+          </a:bodyPr>
+          <a:lstStyle/>
+          <a:p>
+            <a:r>
+              <a:rPr lang="en-US" altLang="zh-CN" sz="2400" dirty="0">
                 <a:solidFill>
                   <a:schemeClr val="bg1"/>
                 </a:solidFill>
                 <a:latin typeface="Arial" panose="020B0604020202020204" pitchFamily="34" charset="0"/>
                 <a:cs typeface="Arial" panose="020B0604020202020204" pitchFamily="34" charset="0"/>
-              </a:endParaRPr>
-            </a:p>
-          </p:txBody>
-        </p:sp>
-      </p:grpSp>
+              </a:rPr>
+              <a:t>Nested motif example</a:t>
+            </a:r>
+            <a:endParaRPr lang="zh-CN" altLang="en-US" sz="2400" dirty="0">
+              <a:solidFill>
+                <a:schemeClr val="bg1"/>
+              </a:solidFill>
+              <a:latin typeface="Arial" panose="020B0604020202020204" pitchFamily="34" charset="0"/>
+              <a:cs typeface="Arial" panose="020B0604020202020204" pitchFamily="34" charset="0"/>
+            </a:endParaRPr>
+          </a:p>
+        </p:txBody>
+      </p:sp>
+      <p:pic>
+        <p:nvPicPr>
+          <p:cNvPr id="4" name="图片 3">
+            <a:extLst>
+              <a:ext uri="{FF2B5EF4-FFF2-40B4-BE49-F238E27FC236}">
+                <a16:creationId xmlns:a16="http://schemas.microsoft.com/office/drawing/2014/main" id="{83355935-60D7-55F4-9D37-60A6F8048B9F}"/>
+              </a:ext>
+            </a:extLst>
+          </p:cNvPr>
+          <p:cNvPicPr>
+            <a:picLocks noChangeAspect="1"/>
+          </p:cNvPicPr>
+          <p:nvPr/>
+        </p:nvPicPr>
+        <p:blipFill>
+          <a:blip r:embed="rId2"/>
+          <a:stretch>
+            <a:fillRect/>
+          </a:stretch>
+        </p:blipFill>
+        <p:spPr>
+          <a:xfrm>
+            <a:off x="868544" y="1495192"/>
+            <a:ext cx="3985704" cy="1412409"/>
+          </a:xfrm>
+          <a:prstGeom prst="rect">
+            <a:avLst/>
+          </a:prstGeom>
+        </p:spPr>
+      </p:pic>
+      <p:pic>
+        <p:nvPicPr>
+          <p:cNvPr id="6" name="图片 5">
+            <a:extLst>
+              <a:ext uri="{FF2B5EF4-FFF2-40B4-BE49-F238E27FC236}">
+                <a16:creationId xmlns:a16="http://schemas.microsoft.com/office/drawing/2014/main" id="{05ADC512-A998-1F61-8958-A286DD2285AA}"/>
+              </a:ext>
+            </a:extLst>
+          </p:cNvPr>
+          <p:cNvPicPr>
+            <a:picLocks noChangeAspect="1"/>
+          </p:cNvPicPr>
+          <p:nvPr/>
+        </p:nvPicPr>
+        <p:blipFill>
+          <a:blip r:embed="rId3"/>
+          <a:stretch>
+            <a:fillRect/>
+          </a:stretch>
+        </p:blipFill>
+        <p:spPr>
+          <a:xfrm>
+            <a:off x="868544" y="3429000"/>
+            <a:ext cx="7797273" cy="1905785"/>
+          </a:xfrm>
+          <a:prstGeom prst="rect">
+            <a:avLst/>
+          </a:prstGeom>
+        </p:spPr>
+      </p:pic>
     </p:spTree>
     <p:extLst>
       <p:ext uri="{BB962C8B-B14F-4D97-AF65-F5344CB8AC3E}">
-        <p14:creationId xmlns:p14="http://schemas.microsoft.com/office/powerpoint/2010/main" val="1487122220"/>
+        <p14:creationId xmlns:p14="http://schemas.microsoft.com/office/powerpoint/2010/main" val="2700856495"/>
+      </p:ext>
+    </p:extLst>
+  </p:cSld>
+  <p:clrMapOvr>
+    <a:masterClrMapping/>
+  </p:clrMapOvr>
+</p:sld>
+</file>
+
+<file path=ppt/slides/slide19.xml><?xml version="1.0" encoding="utf-8"?>
+<p:sld xmlns:a="http://schemas.openxmlformats.org/drawingml/2006/main" xmlns:r="http://schemas.openxmlformats.org/officeDocument/2006/relationships" xmlns:p="http://schemas.openxmlformats.org/presentationml/2006/main">
+  <p:cSld>
+    <p:spTree>
+      <p:nvGrpSpPr>
+        <p:cNvPr id="1" name="">
+          <a:extLst>
+            <a:ext uri="{FF2B5EF4-FFF2-40B4-BE49-F238E27FC236}">
+              <a16:creationId xmlns:a16="http://schemas.microsoft.com/office/drawing/2014/main" id="{78120B3F-5C26-1169-F5E5-B227A7E63555}"/>
+            </a:ext>
+          </a:extLst>
+        </p:cNvPr>
+        <p:cNvGrpSpPr/>
+        <p:nvPr/>
+      </p:nvGrpSpPr>
+      <p:grpSpPr>
+        <a:xfrm>
+          <a:off x="0" y="0"/>
+          <a:ext cx="0" cy="0"/>
+          <a:chOff x="0" y="0"/>
+          <a:chExt cx="0" cy="0"/>
+        </a:xfrm>
+      </p:grpSpPr>
+      <p:sp>
+        <p:nvSpPr>
+          <p:cNvPr id="2" name="文本框 1">
+            <a:extLst>
+              <a:ext uri="{FF2B5EF4-FFF2-40B4-BE49-F238E27FC236}">
+                <a16:creationId xmlns:a16="http://schemas.microsoft.com/office/drawing/2014/main" id="{47BDA01F-934E-9707-FC55-8A2A16ADE41E}"/>
+              </a:ext>
+            </a:extLst>
+          </p:cNvPr>
+          <p:cNvSpPr txBox="1"/>
+          <p:nvPr/>
+        </p:nvSpPr>
+        <p:spPr>
+          <a:xfrm>
+            <a:off x="380565" y="203200"/>
+            <a:ext cx="9697500" cy="461665"/>
+          </a:xfrm>
+          <a:prstGeom prst="rect">
+            <a:avLst/>
+          </a:prstGeom>
+          <a:noFill/>
+        </p:spPr>
+        <p:txBody>
+          <a:bodyPr wrap="square" rtlCol="0">
+            <a:spAutoFit/>
+          </a:bodyPr>
+          <a:lstStyle/>
+          <a:p>
+            <a:r>
+              <a:rPr lang="en-US" altLang="zh-CN" sz="2400" dirty="0" err="1">
+                <a:solidFill>
+                  <a:schemeClr val="bg1"/>
+                </a:solidFill>
+                <a:latin typeface="Arial" panose="020B0604020202020204" pitchFamily="34" charset="0"/>
+                <a:cs typeface="Arial" panose="020B0604020202020204" pitchFamily="34" charset="0"/>
+              </a:rPr>
+              <a:t>pCHT</a:t>
+            </a:r>
+            <a:r>
+              <a:rPr lang="en-US" altLang="zh-CN" sz="2400" dirty="0">
+                <a:solidFill>
+                  <a:schemeClr val="bg1"/>
+                </a:solidFill>
+                <a:latin typeface="Arial" panose="020B0604020202020204" pitchFamily="34" charset="0"/>
+                <a:cs typeface="Arial" panose="020B0604020202020204" pitchFamily="34" charset="0"/>
+              </a:rPr>
+              <a:t> sequence with spacers</a:t>
+            </a:r>
+            <a:endParaRPr lang="zh-CN" altLang="en-US" sz="2400" dirty="0">
+              <a:solidFill>
+                <a:schemeClr val="bg1"/>
+              </a:solidFill>
+              <a:latin typeface="Arial" panose="020B0604020202020204" pitchFamily="34" charset="0"/>
+              <a:cs typeface="Arial" panose="020B0604020202020204" pitchFamily="34" charset="0"/>
+            </a:endParaRPr>
+          </a:p>
+        </p:txBody>
+      </p:sp>
+      <p:sp>
+        <p:nvSpPr>
+          <p:cNvPr id="3" name="文本框 2">
+            <a:extLst>
+              <a:ext uri="{FF2B5EF4-FFF2-40B4-BE49-F238E27FC236}">
+                <a16:creationId xmlns:a16="http://schemas.microsoft.com/office/drawing/2014/main" id="{0BAC280F-A853-88A8-7DFB-39D13B498363}"/>
+              </a:ext>
+            </a:extLst>
+          </p:cNvPr>
+          <p:cNvSpPr txBox="1"/>
+          <p:nvPr/>
+        </p:nvSpPr>
+        <p:spPr>
+          <a:xfrm>
+            <a:off x="380565" y="981776"/>
+            <a:ext cx="6007510" cy="369332"/>
+          </a:xfrm>
+          <a:prstGeom prst="rect">
+            <a:avLst/>
+          </a:prstGeom>
+          <a:noFill/>
+        </p:spPr>
+        <p:txBody>
+          <a:bodyPr wrap="square">
+            <a:spAutoFit/>
+          </a:bodyPr>
+          <a:lstStyle/>
+          <a:p>
+            <a:r>
+              <a:rPr lang="en-US" altLang="zh-CN" dirty="0">
+                <a:solidFill>
+                  <a:srgbClr val="000000"/>
+                </a:solidFill>
+                <a:latin typeface="Arial" panose="020B0604020202020204" pitchFamily="34" charset="0"/>
+                <a:ea typeface="等线" panose="02010600030101010101" pitchFamily="2" charset="-122"/>
+                <a:cs typeface="Arial" panose="020B0604020202020204" pitchFamily="34" charset="0"/>
+              </a:rPr>
+              <a:t>K=13</a:t>
+            </a:r>
+            <a:endParaRPr lang="zh-CN" altLang="en-US" dirty="0">
+              <a:latin typeface="Arial" panose="020B0604020202020204" pitchFamily="34" charset="0"/>
+              <a:cs typeface="Arial" panose="020B0604020202020204" pitchFamily="34" charset="0"/>
+            </a:endParaRPr>
+          </a:p>
+        </p:txBody>
+      </p:sp>
+      <p:sp>
+        <p:nvSpPr>
+          <p:cNvPr id="4" name="矩形 3">
+            <a:extLst>
+              <a:ext uri="{FF2B5EF4-FFF2-40B4-BE49-F238E27FC236}">
+                <a16:creationId xmlns:a16="http://schemas.microsoft.com/office/drawing/2014/main" id="{0EEA3BCB-F046-14B5-B03F-42E410AA5FDE}"/>
+              </a:ext>
+            </a:extLst>
+          </p:cNvPr>
+          <p:cNvSpPr/>
+          <p:nvPr/>
+        </p:nvSpPr>
+        <p:spPr>
+          <a:xfrm>
+            <a:off x="875071" y="1675778"/>
+            <a:ext cx="4129549" cy="536480"/>
+          </a:xfrm>
+          <a:prstGeom prst="rect">
+            <a:avLst/>
+          </a:prstGeom>
+        </p:spPr>
+        <p:style>
+          <a:lnRef idx="2">
+            <a:schemeClr val="accent1">
+              <a:shade val="15000"/>
+            </a:schemeClr>
+          </a:lnRef>
+          <a:fillRef idx="1">
+            <a:schemeClr val="accent1"/>
+          </a:fillRef>
+          <a:effectRef idx="0">
+            <a:schemeClr val="accent1"/>
+          </a:effectRef>
+          <a:fontRef idx="minor">
+            <a:schemeClr val="lt1"/>
+          </a:fontRef>
+        </p:style>
+        <p:txBody>
+          <a:bodyPr rtlCol="0" anchor="ctr"/>
+          <a:lstStyle/>
+          <a:p>
+            <a:pPr algn="ctr"/>
+            <a:endParaRPr lang="zh-CN" altLang="en-US"/>
+          </a:p>
+        </p:txBody>
+      </p:sp>
+      <p:sp>
+        <p:nvSpPr>
+          <p:cNvPr id="5" name="矩形 4">
+            <a:extLst>
+              <a:ext uri="{FF2B5EF4-FFF2-40B4-BE49-F238E27FC236}">
+                <a16:creationId xmlns:a16="http://schemas.microsoft.com/office/drawing/2014/main" id="{69A3903D-676B-0A6B-26E0-2002F4D63DA3}"/>
+              </a:ext>
+            </a:extLst>
+          </p:cNvPr>
+          <p:cNvSpPr/>
+          <p:nvPr/>
+        </p:nvSpPr>
+        <p:spPr>
+          <a:xfrm>
+            <a:off x="875071" y="2501688"/>
+            <a:ext cx="4129549" cy="536480"/>
+          </a:xfrm>
+          <a:prstGeom prst="rect">
+            <a:avLst/>
+          </a:prstGeom>
+        </p:spPr>
+        <p:style>
+          <a:lnRef idx="2">
+            <a:schemeClr val="accent1">
+              <a:shade val="15000"/>
+            </a:schemeClr>
+          </a:lnRef>
+          <a:fillRef idx="1">
+            <a:schemeClr val="accent1"/>
+          </a:fillRef>
+          <a:effectRef idx="0">
+            <a:schemeClr val="accent1"/>
+          </a:effectRef>
+          <a:fontRef idx="minor">
+            <a:schemeClr val="lt1"/>
+          </a:fontRef>
+        </p:style>
+        <p:txBody>
+          <a:bodyPr rtlCol="0" anchor="ctr"/>
+          <a:lstStyle/>
+          <a:p>
+            <a:pPr algn="ctr"/>
+            <a:endParaRPr lang="zh-CN" altLang="en-US"/>
+          </a:p>
+        </p:txBody>
+      </p:sp>
+      <p:sp>
+        <p:nvSpPr>
+          <p:cNvPr id="6" name="矩形 5">
+            <a:extLst>
+              <a:ext uri="{FF2B5EF4-FFF2-40B4-BE49-F238E27FC236}">
+                <a16:creationId xmlns:a16="http://schemas.microsoft.com/office/drawing/2014/main" id="{48D79D4F-8C30-A1E2-7AF2-A75B1423FAE0}"/>
+              </a:ext>
+            </a:extLst>
+          </p:cNvPr>
+          <p:cNvSpPr/>
+          <p:nvPr/>
+        </p:nvSpPr>
+        <p:spPr>
+          <a:xfrm>
+            <a:off x="875071" y="3347262"/>
+            <a:ext cx="4129549" cy="536480"/>
+          </a:xfrm>
+          <a:prstGeom prst="rect">
+            <a:avLst/>
+          </a:prstGeom>
+        </p:spPr>
+        <p:style>
+          <a:lnRef idx="2">
+            <a:schemeClr val="accent1">
+              <a:shade val="15000"/>
+            </a:schemeClr>
+          </a:lnRef>
+          <a:fillRef idx="1">
+            <a:schemeClr val="accent1"/>
+          </a:fillRef>
+          <a:effectRef idx="0">
+            <a:schemeClr val="accent1"/>
+          </a:effectRef>
+          <a:fontRef idx="minor">
+            <a:schemeClr val="lt1"/>
+          </a:fontRef>
+        </p:style>
+        <p:txBody>
+          <a:bodyPr rtlCol="0" anchor="ctr"/>
+          <a:lstStyle/>
+          <a:p>
+            <a:pPr algn="ctr"/>
+            <a:endParaRPr lang="zh-CN" altLang="en-US"/>
+          </a:p>
+        </p:txBody>
+      </p:sp>
+      <p:sp>
+        <p:nvSpPr>
+          <p:cNvPr id="7" name="矩形 6">
+            <a:extLst>
+              <a:ext uri="{FF2B5EF4-FFF2-40B4-BE49-F238E27FC236}">
+                <a16:creationId xmlns:a16="http://schemas.microsoft.com/office/drawing/2014/main" id="{29DA6D67-E80B-F6C9-02D1-B22D644B2CA2}"/>
+              </a:ext>
+            </a:extLst>
+          </p:cNvPr>
+          <p:cNvSpPr/>
+          <p:nvPr/>
+        </p:nvSpPr>
+        <p:spPr>
+          <a:xfrm>
+            <a:off x="875071" y="4104346"/>
+            <a:ext cx="4129549" cy="536480"/>
+          </a:xfrm>
+          <a:prstGeom prst="rect">
+            <a:avLst/>
+          </a:prstGeom>
+        </p:spPr>
+        <p:style>
+          <a:lnRef idx="2">
+            <a:schemeClr val="accent1">
+              <a:shade val="15000"/>
+            </a:schemeClr>
+          </a:lnRef>
+          <a:fillRef idx="1">
+            <a:schemeClr val="accent1"/>
+          </a:fillRef>
+          <a:effectRef idx="0">
+            <a:schemeClr val="accent1"/>
+          </a:effectRef>
+          <a:fontRef idx="minor">
+            <a:schemeClr val="lt1"/>
+          </a:fontRef>
+        </p:style>
+        <p:txBody>
+          <a:bodyPr rtlCol="0" anchor="ctr"/>
+          <a:lstStyle/>
+          <a:p>
+            <a:pPr algn="ctr"/>
+            <a:endParaRPr lang="zh-CN" altLang="en-US"/>
+          </a:p>
+        </p:txBody>
+      </p:sp>
+    </p:spTree>
+    <p:extLst>
+      <p:ext uri="{BB962C8B-B14F-4D97-AF65-F5344CB8AC3E}">
+        <p14:creationId xmlns:p14="http://schemas.microsoft.com/office/powerpoint/2010/main" val="1145590310"/>
       </p:ext>
     </p:extLst>
   </p:cSld>
@@ -21931,6 +22049,538 @@
         <p:cNvPr id="1" name="">
           <a:extLst>
             <a:ext uri="{FF2B5EF4-FFF2-40B4-BE49-F238E27FC236}">
+              <a16:creationId xmlns:a16="http://schemas.microsoft.com/office/drawing/2014/main" id="{AA4D0FAA-C895-80F0-71A4-07A619B034AC}"/>
+            </a:ext>
+          </a:extLst>
+        </p:cNvPr>
+        <p:cNvGrpSpPr/>
+        <p:nvPr/>
+      </p:nvGrpSpPr>
+      <p:grpSpPr>
+        <a:xfrm>
+          <a:off x="0" y="0"/>
+          <a:ext cx="0" cy="0"/>
+          <a:chOff x="0" y="0"/>
+          <a:chExt cx="0" cy="0"/>
+        </a:xfrm>
+      </p:grpSpPr>
+      <p:sp>
+        <p:nvSpPr>
+          <p:cNvPr id="2" name="文本框 1">
+            <a:extLst>
+              <a:ext uri="{FF2B5EF4-FFF2-40B4-BE49-F238E27FC236}">
+                <a16:creationId xmlns:a16="http://schemas.microsoft.com/office/drawing/2014/main" id="{E5CD3588-FD8B-D61C-F20A-1AE01B395DB6}"/>
+              </a:ext>
+            </a:extLst>
+          </p:cNvPr>
+          <p:cNvSpPr txBox="1"/>
+          <p:nvPr/>
+        </p:nvSpPr>
+        <p:spPr>
+          <a:xfrm>
+            <a:off x="380565" y="203200"/>
+            <a:ext cx="9697500" cy="461665"/>
+          </a:xfrm>
+          <a:prstGeom prst="rect">
+            <a:avLst/>
+          </a:prstGeom>
+          <a:noFill/>
+        </p:spPr>
+        <p:txBody>
+          <a:bodyPr wrap="square" rtlCol="0">
+            <a:spAutoFit/>
+          </a:bodyPr>
+          <a:lstStyle/>
+          <a:p>
+            <a:r>
+              <a:rPr lang="en-US" altLang="zh-CN" sz="2400" dirty="0" err="1">
+                <a:solidFill>
+                  <a:schemeClr val="bg1"/>
+                </a:solidFill>
+                <a:latin typeface="Arial" panose="020B0604020202020204" pitchFamily="34" charset="0"/>
+                <a:cs typeface="Arial" panose="020B0604020202020204" pitchFamily="34" charset="0"/>
+              </a:rPr>
+              <a:t>pCHT</a:t>
+            </a:r>
+            <a:r>
+              <a:rPr lang="en-US" altLang="zh-CN" sz="2400" dirty="0">
+                <a:solidFill>
+                  <a:schemeClr val="bg1"/>
+                </a:solidFill>
+                <a:latin typeface="Arial" panose="020B0604020202020204" pitchFamily="34" charset="0"/>
+                <a:cs typeface="Arial" panose="020B0604020202020204" pitchFamily="34" charset="0"/>
+              </a:rPr>
+              <a:t> sequence with spacers</a:t>
+            </a:r>
+            <a:endParaRPr lang="zh-CN" altLang="en-US" sz="2400" dirty="0">
+              <a:solidFill>
+                <a:schemeClr val="bg1"/>
+              </a:solidFill>
+              <a:latin typeface="Arial" panose="020B0604020202020204" pitchFamily="34" charset="0"/>
+              <a:cs typeface="Arial" panose="020B0604020202020204" pitchFamily="34" charset="0"/>
+            </a:endParaRPr>
+          </a:p>
+        </p:txBody>
+      </p:sp>
+      <p:sp>
+        <p:nvSpPr>
+          <p:cNvPr id="3" name="文本框 2">
+            <a:extLst>
+              <a:ext uri="{FF2B5EF4-FFF2-40B4-BE49-F238E27FC236}">
+                <a16:creationId xmlns:a16="http://schemas.microsoft.com/office/drawing/2014/main" id="{3EFEDD08-5552-52FA-4115-059031BA869A}"/>
+              </a:ext>
+            </a:extLst>
+          </p:cNvPr>
+          <p:cNvSpPr txBox="1"/>
+          <p:nvPr/>
+        </p:nvSpPr>
+        <p:spPr>
+          <a:xfrm>
+            <a:off x="380565" y="981776"/>
+            <a:ext cx="6007510" cy="369332"/>
+          </a:xfrm>
+          <a:prstGeom prst="rect">
+            <a:avLst/>
+          </a:prstGeom>
+          <a:noFill/>
+        </p:spPr>
+        <p:txBody>
+          <a:bodyPr wrap="square">
+            <a:spAutoFit/>
+          </a:bodyPr>
+          <a:lstStyle/>
+          <a:p>
+            <a:r>
+              <a:rPr lang="en-US" altLang="zh-CN" dirty="0">
+                <a:solidFill>
+                  <a:srgbClr val="000000"/>
+                </a:solidFill>
+                <a:latin typeface="Arial" panose="020B0604020202020204" pitchFamily="34" charset="0"/>
+                <a:ea typeface="等线" panose="02010600030101010101" pitchFamily="2" charset="-122"/>
+                <a:cs typeface="Arial" panose="020B0604020202020204" pitchFamily="34" charset="0"/>
+              </a:rPr>
+              <a:t>K=13</a:t>
+            </a:r>
+            <a:endParaRPr lang="zh-CN" altLang="en-US" dirty="0">
+              <a:latin typeface="Arial" panose="020B0604020202020204" pitchFamily="34" charset="0"/>
+              <a:cs typeface="Arial" panose="020B0604020202020204" pitchFamily="34" charset="0"/>
+            </a:endParaRPr>
+          </a:p>
+        </p:txBody>
+      </p:sp>
+      <p:sp>
+        <p:nvSpPr>
+          <p:cNvPr id="4" name="矩形 3">
+            <a:extLst>
+              <a:ext uri="{FF2B5EF4-FFF2-40B4-BE49-F238E27FC236}">
+                <a16:creationId xmlns:a16="http://schemas.microsoft.com/office/drawing/2014/main" id="{72EFA7E7-7868-56D0-FA7B-C98E4F95B40F}"/>
+              </a:ext>
+            </a:extLst>
+          </p:cNvPr>
+          <p:cNvSpPr/>
+          <p:nvPr/>
+        </p:nvSpPr>
+        <p:spPr>
+          <a:xfrm>
+            <a:off x="875071" y="1675778"/>
+            <a:ext cx="4129549" cy="536480"/>
+          </a:xfrm>
+          <a:prstGeom prst="rect">
+            <a:avLst/>
+          </a:prstGeom>
+        </p:spPr>
+        <p:style>
+          <a:lnRef idx="2">
+            <a:schemeClr val="accent1">
+              <a:shade val="15000"/>
+            </a:schemeClr>
+          </a:lnRef>
+          <a:fillRef idx="1">
+            <a:schemeClr val="accent1"/>
+          </a:fillRef>
+          <a:effectRef idx="0">
+            <a:schemeClr val="accent1"/>
+          </a:effectRef>
+          <a:fontRef idx="minor">
+            <a:schemeClr val="lt1"/>
+          </a:fontRef>
+        </p:style>
+        <p:txBody>
+          <a:bodyPr rtlCol="0" anchor="ctr"/>
+          <a:lstStyle/>
+          <a:p>
+            <a:pPr algn="ctr"/>
+            <a:endParaRPr lang="zh-CN" altLang="en-US"/>
+          </a:p>
+        </p:txBody>
+      </p:sp>
+      <p:sp>
+        <p:nvSpPr>
+          <p:cNvPr id="5" name="矩形 4">
+            <a:extLst>
+              <a:ext uri="{FF2B5EF4-FFF2-40B4-BE49-F238E27FC236}">
+                <a16:creationId xmlns:a16="http://schemas.microsoft.com/office/drawing/2014/main" id="{403760B5-10AE-EB17-04D3-0545B85FDD4C}"/>
+              </a:ext>
+            </a:extLst>
+          </p:cNvPr>
+          <p:cNvSpPr/>
+          <p:nvPr/>
+        </p:nvSpPr>
+        <p:spPr>
+          <a:xfrm>
+            <a:off x="875071" y="2501688"/>
+            <a:ext cx="4129549" cy="536480"/>
+          </a:xfrm>
+          <a:prstGeom prst="rect">
+            <a:avLst/>
+          </a:prstGeom>
+        </p:spPr>
+        <p:style>
+          <a:lnRef idx="2">
+            <a:schemeClr val="accent1">
+              <a:shade val="15000"/>
+            </a:schemeClr>
+          </a:lnRef>
+          <a:fillRef idx="1">
+            <a:schemeClr val="accent1"/>
+          </a:fillRef>
+          <a:effectRef idx="0">
+            <a:schemeClr val="accent1"/>
+          </a:effectRef>
+          <a:fontRef idx="minor">
+            <a:schemeClr val="lt1"/>
+          </a:fontRef>
+        </p:style>
+        <p:txBody>
+          <a:bodyPr rtlCol="0" anchor="ctr"/>
+          <a:lstStyle/>
+          <a:p>
+            <a:pPr algn="ctr"/>
+            <a:endParaRPr lang="zh-CN" altLang="en-US"/>
+          </a:p>
+        </p:txBody>
+      </p:sp>
+      <p:sp>
+        <p:nvSpPr>
+          <p:cNvPr id="6" name="矩形 5">
+            <a:extLst>
+              <a:ext uri="{FF2B5EF4-FFF2-40B4-BE49-F238E27FC236}">
+                <a16:creationId xmlns:a16="http://schemas.microsoft.com/office/drawing/2014/main" id="{FD6021AD-62BB-F761-0426-1EB701D647CE}"/>
+              </a:ext>
+            </a:extLst>
+          </p:cNvPr>
+          <p:cNvSpPr/>
+          <p:nvPr/>
+        </p:nvSpPr>
+        <p:spPr>
+          <a:xfrm>
+            <a:off x="875071" y="3347262"/>
+            <a:ext cx="4129549" cy="536480"/>
+          </a:xfrm>
+          <a:prstGeom prst="rect">
+            <a:avLst/>
+          </a:prstGeom>
+        </p:spPr>
+        <p:style>
+          <a:lnRef idx="2">
+            <a:schemeClr val="accent1">
+              <a:shade val="15000"/>
+            </a:schemeClr>
+          </a:lnRef>
+          <a:fillRef idx="1">
+            <a:schemeClr val="accent1"/>
+          </a:fillRef>
+          <a:effectRef idx="0">
+            <a:schemeClr val="accent1"/>
+          </a:effectRef>
+          <a:fontRef idx="minor">
+            <a:schemeClr val="lt1"/>
+          </a:fontRef>
+        </p:style>
+        <p:txBody>
+          <a:bodyPr rtlCol="0" anchor="ctr"/>
+          <a:lstStyle/>
+          <a:p>
+            <a:pPr algn="ctr"/>
+            <a:endParaRPr lang="zh-CN" altLang="en-US"/>
+          </a:p>
+        </p:txBody>
+      </p:sp>
+      <p:sp>
+        <p:nvSpPr>
+          <p:cNvPr id="7" name="矩形 6">
+            <a:extLst>
+              <a:ext uri="{FF2B5EF4-FFF2-40B4-BE49-F238E27FC236}">
+                <a16:creationId xmlns:a16="http://schemas.microsoft.com/office/drawing/2014/main" id="{AB122F6A-126D-7F9C-7713-D70D79605D0E}"/>
+              </a:ext>
+            </a:extLst>
+          </p:cNvPr>
+          <p:cNvSpPr/>
+          <p:nvPr/>
+        </p:nvSpPr>
+        <p:spPr>
+          <a:xfrm>
+            <a:off x="875071" y="4104346"/>
+            <a:ext cx="4129549" cy="536480"/>
+          </a:xfrm>
+          <a:prstGeom prst="rect">
+            <a:avLst/>
+          </a:prstGeom>
+        </p:spPr>
+        <p:style>
+          <a:lnRef idx="2">
+            <a:schemeClr val="accent1">
+              <a:shade val="15000"/>
+            </a:schemeClr>
+          </a:lnRef>
+          <a:fillRef idx="1">
+            <a:schemeClr val="accent1"/>
+          </a:fillRef>
+          <a:effectRef idx="0">
+            <a:schemeClr val="accent1"/>
+          </a:effectRef>
+          <a:fontRef idx="minor">
+            <a:schemeClr val="lt1"/>
+          </a:fontRef>
+        </p:style>
+        <p:txBody>
+          <a:bodyPr rtlCol="0" anchor="ctr"/>
+          <a:lstStyle/>
+          <a:p>
+            <a:pPr algn="ctr"/>
+            <a:endParaRPr lang="zh-CN" altLang="en-US"/>
+          </a:p>
+        </p:txBody>
+      </p:sp>
+    </p:spTree>
+    <p:extLst>
+      <p:ext uri="{BB962C8B-B14F-4D97-AF65-F5344CB8AC3E}">
+        <p14:creationId xmlns:p14="http://schemas.microsoft.com/office/powerpoint/2010/main" val="3583129738"/>
+      </p:ext>
+    </p:extLst>
+  </p:cSld>
+  <p:clrMapOvr>
+    <a:masterClrMapping/>
+  </p:clrMapOvr>
+</p:sld>
+</file>
+
+<file path=ppt/slides/slide21.xml><?xml version="1.0" encoding="utf-8"?>
+<p:sld xmlns:a="http://schemas.openxmlformats.org/drawingml/2006/main" xmlns:r="http://schemas.openxmlformats.org/officeDocument/2006/relationships" xmlns:p="http://schemas.openxmlformats.org/presentationml/2006/main">
+  <p:cSld>
+    <p:spTree>
+      <p:nvGrpSpPr>
+        <p:cNvPr id="1" name="">
+          <a:extLst>
+            <a:ext uri="{FF2B5EF4-FFF2-40B4-BE49-F238E27FC236}">
+              <a16:creationId xmlns:a16="http://schemas.microsoft.com/office/drawing/2014/main" id="{83B6F849-6951-6EE9-78D5-80B66AE98931}"/>
+            </a:ext>
+          </a:extLst>
+        </p:cNvPr>
+        <p:cNvGrpSpPr/>
+        <p:nvPr/>
+      </p:nvGrpSpPr>
+      <p:grpSpPr>
+        <a:xfrm>
+          <a:off x="0" y="0"/>
+          <a:ext cx="0" cy="0"/>
+          <a:chOff x="0" y="0"/>
+          <a:chExt cx="0" cy="0"/>
+        </a:xfrm>
+      </p:grpSpPr>
+      <p:grpSp>
+        <p:nvGrpSpPr>
+          <p:cNvPr id="6" name="组合 5">
+            <a:extLst>
+              <a:ext uri="{FF2B5EF4-FFF2-40B4-BE49-F238E27FC236}">
+                <a16:creationId xmlns:a16="http://schemas.microsoft.com/office/drawing/2014/main" id="{3482B3FF-B41C-E615-3A01-A86D117BF479}"/>
+              </a:ext>
+            </a:extLst>
+          </p:cNvPr>
+          <p:cNvGrpSpPr/>
+          <p:nvPr/>
+        </p:nvGrpSpPr>
+        <p:grpSpPr>
+          <a:xfrm>
+            <a:off x="1524953" y="4769386"/>
+            <a:ext cx="5074919" cy="1156970"/>
+            <a:chOff x="1195705" y="1808699"/>
+            <a:chExt cx="5074919" cy="1156970"/>
+          </a:xfrm>
+        </p:grpSpPr>
+        <p:sp>
+          <p:nvSpPr>
+            <p:cNvPr id="7" name="矩形 6">
+              <a:extLst>
+                <a:ext uri="{FF2B5EF4-FFF2-40B4-BE49-F238E27FC236}">
+                  <a16:creationId xmlns:a16="http://schemas.microsoft.com/office/drawing/2014/main" id="{053057ED-2889-25CE-84D9-10A585B17412}"/>
+                </a:ext>
+              </a:extLst>
+            </p:cNvPr>
+            <p:cNvSpPr/>
+            <p:nvPr userDrawn="1"/>
+          </p:nvSpPr>
+          <p:spPr>
+            <a:xfrm>
+              <a:off x="1195705" y="1808699"/>
+              <a:ext cx="45719" cy="1156970"/>
+            </a:xfrm>
+            <a:prstGeom prst="rect">
+              <a:avLst/>
+            </a:prstGeom>
+            <a:solidFill>
+              <a:schemeClr val="bg1">
+                <a:lumMod val="95000"/>
+              </a:schemeClr>
+            </a:solidFill>
+            <a:ln>
+              <a:noFill/>
+            </a:ln>
+          </p:spPr>
+          <p:style>
+            <a:lnRef idx="2">
+              <a:schemeClr val="accent1">
+                <a:shade val="15000"/>
+              </a:schemeClr>
+            </a:lnRef>
+            <a:fillRef idx="1">
+              <a:schemeClr val="accent1"/>
+            </a:fillRef>
+            <a:effectRef idx="0">
+              <a:schemeClr val="accent1"/>
+            </a:effectRef>
+            <a:fontRef idx="minor">
+              <a:schemeClr val="lt1"/>
+            </a:fontRef>
+          </p:style>
+          <p:txBody>
+            <a:bodyPr rtlCol="0" anchor="ctr"/>
+            <a:lstStyle/>
+            <a:p>
+              <a:pPr algn="ctr"/>
+              <a:endParaRPr lang="zh-CN" altLang="en-US"/>
+            </a:p>
+          </p:txBody>
+        </p:sp>
+        <p:sp>
+          <p:nvSpPr>
+            <p:cNvPr id="8" name="文本框 7">
+              <a:extLst>
+                <a:ext uri="{FF2B5EF4-FFF2-40B4-BE49-F238E27FC236}">
+                  <a16:creationId xmlns:a16="http://schemas.microsoft.com/office/drawing/2014/main" id="{323331BE-F684-6963-72E5-2F9AA1B186B4}"/>
+                </a:ext>
+              </a:extLst>
+            </p:cNvPr>
+            <p:cNvSpPr txBox="1"/>
+            <p:nvPr userDrawn="1"/>
+          </p:nvSpPr>
+          <p:spPr>
+            <a:xfrm>
+              <a:off x="1373504" y="1866302"/>
+              <a:ext cx="2360297" cy="461665"/>
+            </a:xfrm>
+            <a:prstGeom prst="rect">
+              <a:avLst/>
+            </a:prstGeom>
+            <a:noFill/>
+          </p:spPr>
+          <p:txBody>
+            <a:bodyPr wrap="square" rtlCol="0">
+              <a:spAutoFit/>
+            </a:bodyPr>
+            <a:lstStyle/>
+            <a:p>
+              <a:r>
+                <a:rPr lang="en-US" altLang="zh-CN" sz="2400" b="1" spc="300" dirty="0">
+                  <a:solidFill>
+                    <a:schemeClr val="bg1"/>
+                  </a:solidFill>
+                  <a:latin typeface="Gadugi" panose="020B0502040204020203" pitchFamily="34" charset="0"/>
+                  <a:ea typeface="Gadugi" panose="020B0502040204020203" pitchFamily="34" charset="0"/>
+                  <a:cs typeface="Microsoft Sans Serif" panose="020B0604020202020204" pitchFamily="34" charset="0"/>
+                </a:rPr>
+                <a:t>Section V</a:t>
+              </a:r>
+              <a:endParaRPr lang="zh-CN" altLang="en-US" sz="2400" b="1" spc="300" dirty="0">
+                <a:solidFill>
+                  <a:schemeClr val="bg1"/>
+                </a:solidFill>
+                <a:latin typeface="Gadugi" panose="020B0502040204020203" pitchFamily="34" charset="0"/>
+                <a:cs typeface="Microsoft Sans Serif" panose="020B0604020202020204" pitchFamily="34" charset="0"/>
+              </a:endParaRPr>
+            </a:p>
+          </p:txBody>
+        </p:sp>
+        <p:sp>
+          <p:nvSpPr>
+            <p:cNvPr id="9" name="文本框 8">
+              <a:extLst>
+                <a:ext uri="{FF2B5EF4-FFF2-40B4-BE49-F238E27FC236}">
+                  <a16:creationId xmlns:a16="http://schemas.microsoft.com/office/drawing/2014/main" id="{A4190064-551B-A614-1F3A-0EDE01633902}"/>
+                </a:ext>
+              </a:extLst>
+            </p:cNvPr>
+            <p:cNvSpPr txBox="1"/>
+            <p:nvPr userDrawn="1"/>
+          </p:nvSpPr>
+          <p:spPr>
+            <a:xfrm>
+              <a:off x="1373504" y="2282394"/>
+              <a:ext cx="4897120" cy="646331"/>
+            </a:xfrm>
+            <a:prstGeom prst="rect">
+              <a:avLst/>
+            </a:prstGeom>
+            <a:noFill/>
+          </p:spPr>
+          <p:txBody>
+            <a:bodyPr wrap="square" rtlCol="0">
+              <a:spAutoFit/>
+            </a:bodyPr>
+            <a:lstStyle/>
+            <a:p>
+              <a:r>
+                <a:rPr lang="en-US" altLang="zh-CN" sz="3600" b="1" dirty="0">
+                  <a:solidFill>
+                    <a:schemeClr val="bg1"/>
+                  </a:solidFill>
+                  <a:latin typeface="Arial" panose="020B0604020202020204" pitchFamily="34" charset="0"/>
+                  <a:cs typeface="Arial" panose="020B0604020202020204" pitchFamily="34" charset="0"/>
+                </a:rPr>
+                <a:t>Future Plan</a:t>
+              </a:r>
+              <a:endParaRPr lang="zh-CN" altLang="en-US" sz="3600" b="1" dirty="0">
+                <a:solidFill>
+                  <a:schemeClr val="bg1"/>
+                </a:solidFill>
+                <a:latin typeface="Arial" panose="020B0604020202020204" pitchFamily="34" charset="0"/>
+                <a:cs typeface="Arial" panose="020B0604020202020204" pitchFamily="34" charset="0"/>
+              </a:endParaRPr>
+            </a:p>
+          </p:txBody>
+        </p:sp>
+      </p:grpSp>
+    </p:spTree>
+    <p:extLst>
+      <p:ext uri="{BB962C8B-B14F-4D97-AF65-F5344CB8AC3E}">
+        <p14:creationId xmlns:p14="http://schemas.microsoft.com/office/powerpoint/2010/main" val="1487122220"/>
+      </p:ext>
+    </p:extLst>
+  </p:cSld>
+  <p:clrMapOvr>
+    <a:masterClrMapping/>
+  </p:clrMapOvr>
+</p:sld>
+</file>
+
+<file path=ppt/slides/slide22.xml><?xml version="1.0" encoding="utf-8"?>
+<p:sld xmlns:a="http://schemas.openxmlformats.org/drawingml/2006/main" xmlns:r="http://schemas.openxmlformats.org/officeDocument/2006/relationships" xmlns:p="http://schemas.openxmlformats.org/presentationml/2006/main">
+  <p:cSld>
+    <p:spTree>
+      <p:nvGrpSpPr>
+        <p:cNvPr id="1" name="">
+          <a:extLst>
+            <a:ext uri="{FF2B5EF4-FFF2-40B4-BE49-F238E27FC236}">
               <a16:creationId xmlns:a16="http://schemas.microsoft.com/office/drawing/2014/main" id="{5D5AE9A9-F9D6-0954-7C9E-33AD2F9B4C3D}"/>
             </a:ext>
           </a:extLst>
@@ -22009,7 +22659,7 @@
           <p:nvPr>
             <p:extLst>
               <p:ext uri="{D42A27DB-BD31-4B8C-83A1-F6EECF244321}">
-                <p14:modId xmlns:p14="http://schemas.microsoft.com/office/powerpoint/2010/main" val="3195232860"/>
+                <p14:modId xmlns:p14="http://schemas.microsoft.com/office/powerpoint/2010/main" val="1182555246"/>
               </p:ext>
             </p:extLst>
           </p:nvPr>
@@ -22613,7 +23263,23 @@
                           <a:latin typeface="Arial" panose="020B0604020202020204" pitchFamily="34" charset="0"/>
                           <a:cs typeface="Arial" panose="020B0604020202020204" pitchFamily="34" charset="0"/>
                         </a:rPr>
-                        <a:t>……</a:t>
+                        <a:t>HOR N-</a:t>
+                      </a:r>
+                      <a:r>
+                        <a:rPr lang="en-US" altLang="zh-CN" sz="1400" b="0" dirty="0" err="1">
+                          <a:effectLst/>
+                          <a:latin typeface="Arial" panose="020B0604020202020204" pitchFamily="34" charset="0"/>
+                          <a:cs typeface="Arial" panose="020B0604020202020204" pitchFamily="34" charset="0"/>
+                        </a:rPr>
+                        <a:t>mer</a:t>
+                      </a:r>
+                      <a:r>
+                        <a:rPr lang="en-US" altLang="zh-CN" sz="1400" b="0" dirty="0">
+                          <a:effectLst/>
+                          <a:latin typeface="Arial" panose="020B0604020202020204" pitchFamily="34" charset="0"/>
+                          <a:cs typeface="Arial" panose="020B0604020202020204" pitchFamily="34" charset="0"/>
+                        </a:rPr>
+                        <a:t> identification (loop weight)</a:t>
                       </a:r>
                     </a:p>
                   </a:txBody>
@@ -23001,7 +23667,7 @@
 </p:sld>
 </file>
 
-<file path=ppt/slides/slide21.xml><?xml version="1.0" encoding="utf-8"?>
+<file path=ppt/slides/slide23.xml><?xml version="1.0" encoding="utf-8"?>
 <p:sld xmlns:a="http://schemas.openxmlformats.org/drawingml/2006/main" xmlns:r="http://schemas.openxmlformats.org/officeDocument/2006/relationships" xmlns:p="http://schemas.openxmlformats.org/presentationml/2006/main">
   <p:cSld>
     <p:spTree>

--- a/WorkReport.pptx
+++ b/WorkReport.pptx
@@ -219,7 +219,7 @@
           <a:p>
             <a:fld id="{4A884BCC-47C8-4BE9-82A3-A72362CF7AEA}" type="datetimeFigureOut">
               <a:rPr lang="zh-CN" altLang="en-US" smtClean="0"/>
-              <a:t>2024/12/6</a:t>
+              <a:t>2024/12/12</a:t>
             </a:fld>
             <a:endParaRPr lang="zh-CN" altLang="en-US"/>
           </a:p>
@@ -717,7 +717,7 @@
           <a:p>
             <a:fld id="{0CDE3696-48B4-454C-B67D-0FB3E47AFA0D}" type="datetimeFigureOut">
               <a:rPr lang="zh-CN" altLang="en-US" smtClean="0"/>
-              <a:t>2024/12/6</a:t>
+              <a:t>2024/12/12</a:t>
             </a:fld>
             <a:endParaRPr lang="zh-CN" altLang="en-US"/>
           </a:p>
@@ -1005,7 +1005,7 @@
           <a:p>
             <a:fld id="{0CDE3696-48B4-454C-B67D-0FB3E47AFA0D}" type="datetimeFigureOut">
               <a:rPr lang="zh-CN" altLang="en-US" smtClean="0"/>
-              <a:t>2024/12/6</a:t>
+              <a:t>2024/12/12</a:t>
             </a:fld>
             <a:endParaRPr lang="zh-CN" altLang="en-US"/>
           </a:p>
@@ -1203,7 +1203,7 @@
           <a:p>
             <a:fld id="{0CDE3696-48B4-454C-B67D-0FB3E47AFA0D}" type="datetimeFigureOut">
               <a:rPr lang="zh-CN" altLang="en-US" smtClean="0"/>
-              <a:t>2024/12/6</a:t>
+              <a:t>2024/12/12</a:t>
             </a:fld>
             <a:endParaRPr lang="zh-CN" altLang="en-US"/>
           </a:p>
@@ -1411,7 +1411,7 @@
           <a:p>
             <a:fld id="{0CDE3696-48B4-454C-B67D-0FB3E47AFA0D}" type="datetimeFigureOut">
               <a:rPr lang="zh-CN" altLang="en-US" smtClean="0"/>
-              <a:t>2024/12/6</a:t>
+              <a:t>2024/12/12</a:t>
             </a:fld>
             <a:endParaRPr lang="zh-CN" altLang="en-US"/>
           </a:p>
@@ -1609,7 +1609,7 @@
           <a:p>
             <a:fld id="{0CDE3696-48B4-454C-B67D-0FB3E47AFA0D}" type="datetimeFigureOut">
               <a:rPr lang="zh-CN" altLang="en-US" smtClean="0"/>
-              <a:t>2024/12/6</a:t>
+              <a:t>2024/12/12</a:t>
             </a:fld>
             <a:endParaRPr lang="zh-CN" altLang="en-US"/>
           </a:p>
@@ -1750,7 +1750,7 @@
           <a:p>
             <a:fld id="{0CDE3696-48B4-454C-B67D-0FB3E47AFA0D}" type="datetimeFigureOut">
               <a:rPr lang="zh-CN" altLang="en-US" smtClean="0"/>
-              <a:t>2024/12/6</a:t>
+              <a:t>2024/12/12</a:t>
             </a:fld>
             <a:endParaRPr lang="zh-CN" altLang="en-US"/>
           </a:p>
@@ -2085,7 +2085,7 @@
           <a:p>
             <a:fld id="{0CDE3696-48B4-454C-B67D-0FB3E47AFA0D}" type="datetimeFigureOut">
               <a:rPr lang="zh-CN" altLang="en-US" smtClean="0"/>
-              <a:t>2024/12/6</a:t>
+              <a:t>2024/12/12</a:t>
             </a:fld>
             <a:endParaRPr lang="zh-CN" altLang="en-US"/>
           </a:p>
@@ -2410,7 +2410,7 @@
           <a:p>
             <a:fld id="{0CDE3696-48B4-454C-B67D-0FB3E47AFA0D}" type="datetimeFigureOut">
               <a:rPr lang="zh-CN" altLang="en-US" smtClean="0"/>
-              <a:t>2024/12/6</a:t>
+              <a:t>2024/12/12</a:t>
             </a:fld>
             <a:endParaRPr lang="zh-CN" altLang="en-US"/>
           </a:p>
@@ -2822,7 +2822,7 @@
           <a:p>
             <a:fld id="{0CDE3696-48B4-454C-B67D-0FB3E47AFA0D}" type="datetimeFigureOut">
               <a:rPr lang="zh-CN" altLang="en-US" smtClean="0"/>
-              <a:t>2024/12/6</a:t>
+              <a:t>2024/12/12</a:t>
             </a:fld>
             <a:endParaRPr lang="zh-CN" altLang="en-US"/>
           </a:p>
@@ -2963,7 +2963,7 @@
           <a:p>
             <a:fld id="{0CDE3696-48B4-454C-B67D-0FB3E47AFA0D}" type="datetimeFigureOut">
               <a:rPr lang="zh-CN" altLang="en-US" smtClean="0"/>
-              <a:t>2024/12/6</a:t>
+              <a:t>2024/12/12</a:t>
             </a:fld>
             <a:endParaRPr lang="zh-CN" altLang="en-US"/>
           </a:p>
@@ -3076,7 +3076,7 @@
           <a:p>
             <a:fld id="{0CDE3696-48B4-454C-B67D-0FB3E47AFA0D}" type="datetimeFigureOut">
               <a:rPr lang="zh-CN" altLang="en-US" smtClean="0"/>
-              <a:t>2024/12/6</a:t>
+              <a:t>2024/12/12</a:t>
             </a:fld>
             <a:endParaRPr lang="zh-CN" altLang="en-US"/>
           </a:p>
@@ -3387,7 +3387,7 @@
           <a:p>
             <a:fld id="{0CDE3696-48B4-454C-B67D-0FB3E47AFA0D}" type="datetimeFigureOut">
               <a:rPr lang="zh-CN" altLang="en-US" smtClean="0"/>
-              <a:t>2024/12/6</a:t>
+              <a:t>2024/12/12</a:t>
             </a:fld>
             <a:endParaRPr lang="zh-CN" altLang="en-US"/>
           </a:p>
@@ -3628,7 +3628,7 @@
           <a:p>
             <a:fld id="{0CDE3696-48B4-454C-B67D-0FB3E47AFA0D}" type="datetimeFigureOut">
               <a:rPr lang="zh-CN" altLang="en-US" smtClean="0"/>
-              <a:t>2024/12/6</a:t>
+              <a:t>2024/12/12</a:t>
             </a:fld>
             <a:endParaRPr lang="zh-CN" altLang="en-US"/>
           </a:p>
@@ -18831,7 +18831,7 @@
           <p:nvPr>
             <p:extLst>
               <p:ext uri="{D42A27DB-BD31-4B8C-83A1-F6EECF244321}">
-                <p14:modId xmlns:p14="http://schemas.microsoft.com/office/powerpoint/2010/main" val="1596815256"/>
+                <p14:modId xmlns:p14="http://schemas.microsoft.com/office/powerpoint/2010/main" val="2923681471"/>
               </p:ext>
             </p:extLst>
           </p:nvPr>
@@ -19882,7 +19882,15 @@
                           <a:latin typeface="Arial" panose="020B0604020202020204" pitchFamily="34" charset="0"/>
                           <a:cs typeface="Arial" panose="020B0604020202020204" pitchFamily="34" charset="0"/>
                         </a:rPr>
-                        <a:t>32bp_TR.fasta, k=5</a:t>
+                        <a:t>32bp_TR.fasta, </a:t>
+                      </a:r>
+                      <a:r>
+                        <a:rPr lang="en-US" altLang="zh-CN" sz="1400">
+                          <a:effectLst/>
+                          <a:latin typeface="Arial" panose="020B0604020202020204" pitchFamily="34" charset="0"/>
+                          <a:cs typeface="Arial" panose="020B0604020202020204" pitchFamily="34" charset="0"/>
+                        </a:rPr>
+                        <a:t>k=7</a:t>
                       </a:r>
                       <a:endParaRPr lang="zh-CN" altLang="en-US" sz="1400" dirty="0">
                         <a:effectLst/>

--- a/WorkReport.pptx
+++ b/WorkReport.pptx
@@ -219,7 +219,7 @@
           <a:p>
             <a:fld id="{4A884BCC-47C8-4BE9-82A3-A72362CF7AEA}" type="datetimeFigureOut">
               <a:rPr lang="zh-CN" altLang="en-US" smtClean="0"/>
-              <a:t>2024/12/12</a:t>
+              <a:t>2024/12/13</a:t>
             </a:fld>
             <a:endParaRPr lang="zh-CN" altLang="en-US"/>
           </a:p>
@@ -717,7 +717,7 @@
           <a:p>
             <a:fld id="{0CDE3696-48B4-454C-B67D-0FB3E47AFA0D}" type="datetimeFigureOut">
               <a:rPr lang="zh-CN" altLang="en-US" smtClean="0"/>
-              <a:t>2024/12/12</a:t>
+              <a:t>2024/12/13</a:t>
             </a:fld>
             <a:endParaRPr lang="zh-CN" altLang="en-US"/>
           </a:p>
@@ -1005,7 +1005,7 @@
           <a:p>
             <a:fld id="{0CDE3696-48B4-454C-B67D-0FB3E47AFA0D}" type="datetimeFigureOut">
               <a:rPr lang="zh-CN" altLang="en-US" smtClean="0"/>
-              <a:t>2024/12/12</a:t>
+              <a:t>2024/12/13</a:t>
             </a:fld>
             <a:endParaRPr lang="zh-CN" altLang="en-US"/>
           </a:p>
@@ -1203,7 +1203,7 @@
           <a:p>
             <a:fld id="{0CDE3696-48B4-454C-B67D-0FB3E47AFA0D}" type="datetimeFigureOut">
               <a:rPr lang="zh-CN" altLang="en-US" smtClean="0"/>
-              <a:t>2024/12/12</a:t>
+              <a:t>2024/12/13</a:t>
             </a:fld>
             <a:endParaRPr lang="zh-CN" altLang="en-US"/>
           </a:p>
@@ -1411,7 +1411,7 @@
           <a:p>
             <a:fld id="{0CDE3696-48B4-454C-B67D-0FB3E47AFA0D}" type="datetimeFigureOut">
               <a:rPr lang="zh-CN" altLang="en-US" smtClean="0"/>
-              <a:t>2024/12/12</a:t>
+              <a:t>2024/12/13</a:t>
             </a:fld>
             <a:endParaRPr lang="zh-CN" altLang="en-US"/>
           </a:p>
@@ -1609,7 +1609,7 @@
           <a:p>
             <a:fld id="{0CDE3696-48B4-454C-B67D-0FB3E47AFA0D}" type="datetimeFigureOut">
               <a:rPr lang="zh-CN" altLang="en-US" smtClean="0"/>
-              <a:t>2024/12/12</a:t>
+              <a:t>2024/12/13</a:t>
             </a:fld>
             <a:endParaRPr lang="zh-CN" altLang="en-US"/>
           </a:p>
@@ -1750,7 +1750,7 @@
           <a:p>
             <a:fld id="{0CDE3696-48B4-454C-B67D-0FB3E47AFA0D}" type="datetimeFigureOut">
               <a:rPr lang="zh-CN" altLang="en-US" smtClean="0"/>
-              <a:t>2024/12/12</a:t>
+              <a:t>2024/12/13</a:t>
             </a:fld>
             <a:endParaRPr lang="zh-CN" altLang="en-US"/>
           </a:p>
@@ -2085,7 +2085,7 @@
           <a:p>
             <a:fld id="{0CDE3696-48B4-454C-B67D-0FB3E47AFA0D}" type="datetimeFigureOut">
               <a:rPr lang="zh-CN" altLang="en-US" smtClean="0"/>
-              <a:t>2024/12/12</a:t>
+              <a:t>2024/12/13</a:t>
             </a:fld>
             <a:endParaRPr lang="zh-CN" altLang="en-US"/>
           </a:p>
@@ -2410,7 +2410,7 @@
           <a:p>
             <a:fld id="{0CDE3696-48B4-454C-B67D-0FB3E47AFA0D}" type="datetimeFigureOut">
               <a:rPr lang="zh-CN" altLang="en-US" smtClean="0"/>
-              <a:t>2024/12/12</a:t>
+              <a:t>2024/12/13</a:t>
             </a:fld>
             <a:endParaRPr lang="zh-CN" altLang="en-US"/>
           </a:p>
@@ -2822,7 +2822,7 @@
           <a:p>
             <a:fld id="{0CDE3696-48B4-454C-B67D-0FB3E47AFA0D}" type="datetimeFigureOut">
               <a:rPr lang="zh-CN" altLang="en-US" smtClean="0"/>
-              <a:t>2024/12/12</a:t>
+              <a:t>2024/12/13</a:t>
             </a:fld>
             <a:endParaRPr lang="zh-CN" altLang="en-US"/>
           </a:p>
@@ -2963,7 +2963,7 @@
           <a:p>
             <a:fld id="{0CDE3696-48B4-454C-B67D-0FB3E47AFA0D}" type="datetimeFigureOut">
               <a:rPr lang="zh-CN" altLang="en-US" smtClean="0"/>
-              <a:t>2024/12/12</a:t>
+              <a:t>2024/12/13</a:t>
             </a:fld>
             <a:endParaRPr lang="zh-CN" altLang="en-US"/>
           </a:p>
@@ -3076,7 +3076,7 @@
           <a:p>
             <a:fld id="{0CDE3696-48B4-454C-B67D-0FB3E47AFA0D}" type="datetimeFigureOut">
               <a:rPr lang="zh-CN" altLang="en-US" smtClean="0"/>
-              <a:t>2024/12/12</a:t>
+              <a:t>2024/12/13</a:t>
             </a:fld>
             <a:endParaRPr lang="zh-CN" altLang="en-US"/>
           </a:p>
@@ -3387,7 +3387,7 @@
           <a:p>
             <a:fld id="{0CDE3696-48B4-454C-B67D-0FB3E47AFA0D}" type="datetimeFigureOut">
               <a:rPr lang="zh-CN" altLang="en-US" smtClean="0"/>
-              <a:t>2024/12/12</a:t>
+              <a:t>2024/12/13</a:t>
             </a:fld>
             <a:endParaRPr lang="zh-CN" altLang="en-US"/>
           </a:p>
@@ -3628,7 +3628,7 @@
           <a:p>
             <a:fld id="{0CDE3696-48B4-454C-B67D-0FB3E47AFA0D}" type="datetimeFigureOut">
               <a:rPr lang="zh-CN" altLang="en-US" smtClean="0"/>
-              <a:t>2024/12/12</a:t>
+              <a:t>2024/12/13</a:t>
             </a:fld>
             <a:endParaRPr lang="zh-CN" altLang="en-US"/>
           </a:p>
@@ -21644,190 +21644,156 @@
           </a:p>
         </p:txBody>
       </p:sp>
-      <p:sp>
-        <p:nvSpPr>
-          <p:cNvPr id="4" name="矩形 3">
+      <p:pic>
+        <p:nvPicPr>
+          <p:cNvPr id="5" name="图片 4">
             <a:extLst>
               <a:ext uri="{FF2B5EF4-FFF2-40B4-BE49-F238E27FC236}">
-                <a16:creationId xmlns:a16="http://schemas.microsoft.com/office/drawing/2014/main" id="{0EEA3BCB-F046-14B5-B03F-42E410AA5FDE}"/>
+                <a16:creationId xmlns:a16="http://schemas.microsoft.com/office/drawing/2014/main" id="{40EE81D0-263E-1132-1AD6-07609F14509A}"/>
               </a:ext>
             </a:extLst>
           </p:cNvPr>
-          <p:cNvSpPr/>
+          <p:cNvPicPr>
+            <a:picLocks noChangeAspect="1"/>
+          </p:cNvPicPr>
           <p:nvPr/>
-        </p:nvSpPr>
+        </p:nvPicPr>
+        <p:blipFill>
+          <a:blip r:embed="rId2"/>
+          <a:stretch>
+            <a:fillRect/>
+          </a:stretch>
+        </p:blipFill>
         <p:spPr>
           <a:xfrm>
-            <a:off x="875071" y="1675778"/>
-            <a:ext cx="4129549" cy="536480"/>
+            <a:off x="380565" y="1590463"/>
+            <a:ext cx="4045580" cy="2331827"/>
           </a:xfrm>
           <a:prstGeom prst="rect">
             <a:avLst/>
           </a:prstGeom>
         </p:spPr>
-        <p:style>
-          <a:lnRef idx="2">
-            <a:schemeClr val="accent1">
-              <a:shade val="15000"/>
-            </a:schemeClr>
-          </a:lnRef>
-          <a:fillRef idx="1">
-            <a:schemeClr val="accent1"/>
-          </a:fillRef>
-          <a:effectRef idx="0">
-            <a:schemeClr val="accent1"/>
-          </a:effectRef>
-          <a:fontRef idx="minor">
-            <a:schemeClr val="lt1"/>
-          </a:fontRef>
-        </p:style>
-        <p:txBody>
-          <a:bodyPr rtlCol="0" anchor="ctr"/>
-          <a:lstStyle/>
-          <a:p>
-            <a:pPr algn="ctr"/>
-            <a:endParaRPr lang="zh-CN" altLang="en-US"/>
-          </a:p>
-        </p:txBody>
-      </p:sp>
-      <p:sp>
-        <p:nvSpPr>
-          <p:cNvPr id="5" name="矩形 4">
+      </p:pic>
+      <p:pic>
+        <p:nvPicPr>
+          <p:cNvPr id="7" name="图片 6">
             <a:extLst>
               <a:ext uri="{FF2B5EF4-FFF2-40B4-BE49-F238E27FC236}">
-                <a16:creationId xmlns:a16="http://schemas.microsoft.com/office/drawing/2014/main" id="{69A3903D-676B-0A6B-26E0-2002F4D63DA3}"/>
+                <a16:creationId xmlns:a16="http://schemas.microsoft.com/office/drawing/2014/main" id="{6443969F-E921-C3F5-D5C7-980E3855AA33}"/>
               </a:ext>
             </a:extLst>
           </p:cNvPr>
-          <p:cNvSpPr/>
+          <p:cNvPicPr>
+            <a:picLocks noChangeAspect="1"/>
+          </p:cNvPicPr>
           <p:nvPr/>
-        </p:nvSpPr>
+        </p:nvPicPr>
+        <p:blipFill>
+          <a:blip r:embed="rId3"/>
+          <a:stretch>
+            <a:fillRect/>
+          </a:stretch>
+        </p:blipFill>
         <p:spPr>
           <a:xfrm>
-            <a:off x="875071" y="2501688"/>
-            <a:ext cx="4129549" cy="536480"/>
+            <a:off x="408659" y="4161645"/>
+            <a:ext cx="3989391" cy="2327145"/>
           </a:xfrm>
           <a:prstGeom prst="rect">
             <a:avLst/>
           </a:prstGeom>
         </p:spPr>
-        <p:style>
-          <a:lnRef idx="2">
-            <a:schemeClr val="accent1">
-              <a:shade val="15000"/>
-            </a:schemeClr>
-          </a:lnRef>
-          <a:fillRef idx="1">
-            <a:schemeClr val="accent1"/>
-          </a:fillRef>
-          <a:effectRef idx="0">
-            <a:schemeClr val="accent1"/>
-          </a:effectRef>
-          <a:fontRef idx="minor">
-            <a:schemeClr val="lt1"/>
-          </a:fontRef>
-        </p:style>
-        <p:txBody>
-          <a:bodyPr rtlCol="0" anchor="ctr"/>
-          <a:lstStyle/>
-          <a:p>
-            <a:pPr algn="ctr"/>
-            <a:endParaRPr lang="zh-CN" altLang="en-US"/>
-          </a:p>
-        </p:txBody>
-      </p:sp>
-      <p:sp>
-        <p:nvSpPr>
-          <p:cNvPr id="6" name="矩形 5">
+      </p:pic>
+      <p:pic>
+        <p:nvPicPr>
+          <p:cNvPr id="10" name="图片 9">
             <a:extLst>
               <a:ext uri="{FF2B5EF4-FFF2-40B4-BE49-F238E27FC236}">
-                <a16:creationId xmlns:a16="http://schemas.microsoft.com/office/drawing/2014/main" id="{48D79D4F-8C30-A1E2-7AF2-A75B1423FAE0}"/>
+                <a16:creationId xmlns:a16="http://schemas.microsoft.com/office/drawing/2014/main" id="{AACBF4D4-076C-69CA-05E5-CFBEA55FB3ED}"/>
               </a:ext>
             </a:extLst>
           </p:cNvPr>
-          <p:cNvSpPr/>
+          <p:cNvPicPr>
+            <a:picLocks noChangeAspect="1"/>
+          </p:cNvPicPr>
           <p:nvPr/>
-        </p:nvSpPr>
+        </p:nvPicPr>
+        <p:blipFill>
+          <a:blip r:embed="rId4"/>
+          <a:stretch>
+            <a:fillRect/>
+          </a:stretch>
+        </p:blipFill>
         <p:spPr>
           <a:xfrm>
-            <a:off x="875071" y="3347262"/>
-            <a:ext cx="4129549" cy="536480"/>
+            <a:off x="4567029" y="4161645"/>
+            <a:ext cx="1528972" cy="1055718"/>
           </a:xfrm>
           <a:prstGeom prst="rect">
             <a:avLst/>
           </a:prstGeom>
         </p:spPr>
-        <p:style>
-          <a:lnRef idx="2">
-            <a:schemeClr val="accent1">
-              <a:shade val="15000"/>
-            </a:schemeClr>
-          </a:lnRef>
-          <a:fillRef idx="1">
-            <a:schemeClr val="accent1"/>
-          </a:fillRef>
-          <a:effectRef idx="0">
-            <a:schemeClr val="accent1"/>
-          </a:effectRef>
-          <a:fontRef idx="minor">
-            <a:schemeClr val="lt1"/>
-          </a:fontRef>
-        </p:style>
-        <p:txBody>
-          <a:bodyPr rtlCol="0" anchor="ctr"/>
-          <a:lstStyle/>
-          <a:p>
-            <a:pPr algn="ctr"/>
-            <a:endParaRPr lang="zh-CN" altLang="en-US"/>
-          </a:p>
-        </p:txBody>
-      </p:sp>
-      <p:sp>
-        <p:nvSpPr>
-          <p:cNvPr id="7" name="矩形 6">
+      </p:pic>
+      <p:pic>
+        <p:nvPicPr>
+          <p:cNvPr id="12" name="图片 11">
             <a:extLst>
               <a:ext uri="{FF2B5EF4-FFF2-40B4-BE49-F238E27FC236}">
-                <a16:creationId xmlns:a16="http://schemas.microsoft.com/office/drawing/2014/main" id="{29DA6D67-E80B-F6C9-02D1-B22D644B2CA2}"/>
+                <a16:creationId xmlns:a16="http://schemas.microsoft.com/office/drawing/2014/main" id="{6F9DC19E-9E38-109D-D778-308C7201A6BB}"/>
               </a:ext>
             </a:extLst>
           </p:cNvPr>
-          <p:cNvSpPr/>
+          <p:cNvPicPr>
+            <a:picLocks noChangeAspect="1"/>
+          </p:cNvPicPr>
           <p:nvPr/>
-        </p:nvSpPr>
+        </p:nvPicPr>
+        <p:blipFill>
+          <a:blip r:embed="rId5"/>
+          <a:stretch>
+            <a:fillRect/>
+          </a:stretch>
+        </p:blipFill>
         <p:spPr>
           <a:xfrm>
-            <a:off x="875071" y="4104346"/>
-            <a:ext cx="4129549" cy="536480"/>
+            <a:off x="4567028" y="5343033"/>
+            <a:ext cx="1531772" cy="1038917"/>
           </a:xfrm>
           <a:prstGeom prst="rect">
             <a:avLst/>
           </a:prstGeom>
         </p:spPr>
-        <p:style>
-          <a:lnRef idx="2">
-            <a:schemeClr val="accent1">
-              <a:shade val="15000"/>
-            </a:schemeClr>
-          </a:lnRef>
-          <a:fillRef idx="1">
-            <a:schemeClr val="accent1"/>
-          </a:fillRef>
-          <a:effectRef idx="0">
-            <a:schemeClr val="accent1"/>
-          </a:effectRef>
-          <a:fontRef idx="minor">
-            <a:schemeClr val="lt1"/>
-          </a:fontRef>
-        </p:style>
-        <p:txBody>
-          <a:bodyPr rtlCol="0" anchor="ctr"/>
-          <a:lstStyle/>
-          <a:p>
-            <a:pPr algn="ctr"/>
-            <a:endParaRPr lang="zh-CN" altLang="en-US"/>
-          </a:p>
-        </p:txBody>
-      </p:sp>
+      </p:pic>
+      <p:pic>
+        <p:nvPicPr>
+          <p:cNvPr id="16" name="图片 15">
+            <a:extLst>
+              <a:ext uri="{FF2B5EF4-FFF2-40B4-BE49-F238E27FC236}">
+                <a16:creationId xmlns:a16="http://schemas.microsoft.com/office/drawing/2014/main" id="{4D7531AF-663D-8A69-EF77-FB2C8D2284CD}"/>
+              </a:ext>
+            </a:extLst>
+          </p:cNvPr>
+          <p:cNvPicPr>
+            <a:picLocks noChangeAspect="1"/>
+          </p:cNvPicPr>
+          <p:nvPr/>
+        </p:nvPicPr>
+        <p:blipFill>
+          <a:blip r:embed="rId6"/>
+          <a:stretch>
+            <a:fillRect/>
+          </a:stretch>
+        </p:blipFill>
+        <p:spPr>
+          <a:xfrm>
+            <a:off x="6810862" y="1618786"/>
+            <a:ext cx="4002691" cy="2327146"/>
+          </a:xfrm>
+          <a:prstGeom prst="rect">
+            <a:avLst/>
+          </a:prstGeom>
+        </p:spPr>
+      </p:pic>
     </p:spTree>
     <p:extLst>
       <p:ext uri="{BB962C8B-B14F-4D97-AF65-F5344CB8AC3E}">
@@ -22176,190 +22142,66 @@
           </a:p>
         </p:txBody>
       </p:sp>
-      <p:sp>
-        <p:nvSpPr>
-          <p:cNvPr id="4" name="矩形 3">
+      <p:pic>
+        <p:nvPicPr>
+          <p:cNvPr id="9" name="图片 8">
             <a:extLst>
               <a:ext uri="{FF2B5EF4-FFF2-40B4-BE49-F238E27FC236}">
-                <a16:creationId xmlns:a16="http://schemas.microsoft.com/office/drawing/2014/main" id="{72EFA7E7-7868-56D0-FA7B-C98E4F95B40F}"/>
+                <a16:creationId xmlns:a16="http://schemas.microsoft.com/office/drawing/2014/main" id="{37FDD563-EBC1-DD0C-B331-07D961D24591}"/>
               </a:ext>
             </a:extLst>
           </p:cNvPr>
-          <p:cNvSpPr/>
+          <p:cNvPicPr>
+            <a:picLocks noChangeAspect="1"/>
+          </p:cNvPicPr>
           <p:nvPr/>
-        </p:nvSpPr>
+        </p:nvPicPr>
+        <p:blipFill>
+          <a:blip r:embed="rId2"/>
+          <a:stretch>
+            <a:fillRect/>
+          </a:stretch>
+        </p:blipFill>
         <p:spPr>
           <a:xfrm>
-            <a:off x="875071" y="1675778"/>
-            <a:ext cx="4129549" cy="536480"/>
+            <a:off x="380565" y="1573415"/>
+            <a:ext cx="5156635" cy="885171"/>
           </a:xfrm>
           <a:prstGeom prst="rect">
             <a:avLst/>
           </a:prstGeom>
         </p:spPr>
-        <p:style>
-          <a:lnRef idx="2">
-            <a:schemeClr val="accent1">
-              <a:shade val="15000"/>
-            </a:schemeClr>
-          </a:lnRef>
-          <a:fillRef idx="1">
-            <a:schemeClr val="accent1"/>
-          </a:fillRef>
-          <a:effectRef idx="0">
-            <a:schemeClr val="accent1"/>
-          </a:effectRef>
-          <a:fontRef idx="minor">
-            <a:schemeClr val="lt1"/>
-          </a:fontRef>
-        </p:style>
-        <p:txBody>
-          <a:bodyPr rtlCol="0" anchor="ctr"/>
-          <a:lstStyle/>
-          <a:p>
-            <a:pPr algn="ctr"/>
-            <a:endParaRPr lang="zh-CN" altLang="en-US"/>
-          </a:p>
-        </p:txBody>
-      </p:sp>
-      <p:sp>
-        <p:nvSpPr>
-          <p:cNvPr id="5" name="矩形 4">
+      </p:pic>
+      <p:pic>
+        <p:nvPicPr>
+          <p:cNvPr id="11" name="图片 10">
             <a:extLst>
               <a:ext uri="{FF2B5EF4-FFF2-40B4-BE49-F238E27FC236}">
-                <a16:creationId xmlns:a16="http://schemas.microsoft.com/office/drawing/2014/main" id="{403760B5-10AE-EB17-04D3-0545B85FDD4C}"/>
+                <a16:creationId xmlns:a16="http://schemas.microsoft.com/office/drawing/2014/main" id="{1641446D-6351-BF60-8448-7612C51E1046}"/>
               </a:ext>
             </a:extLst>
           </p:cNvPr>
-          <p:cNvSpPr/>
+          <p:cNvPicPr>
+            <a:picLocks noChangeAspect="1"/>
+          </p:cNvPicPr>
           <p:nvPr/>
-        </p:nvSpPr>
+        </p:nvPicPr>
+        <p:blipFill>
+          <a:blip r:embed="rId3"/>
+          <a:stretch>
+            <a:fillRect/>
+          </a:stretch>
+        </p:blipFill>
         <p:spPr>
           <a:xfrm>
-            <a:off x="875071" y="2501688"/>
-            <a:ext cx="4129549" cy="536480"/>
+            <a:off x="5665431" y="1166442"/>
+            <a:ext cx="6313209" cy="3704496"/>
           </a:xfrm>
           <a:prstGeom prst="rect">
             <a:avLst/>
           </a:prstGeom>
         </p:spPr>
-        <p:style>
-          <a:lnRef idx="2">
-            <a:schemeClr val="accent1">
-              <a:shade val="15000"/>
-            </a:schemeClr>
-          </a:lnRef>
-          <a:fillRef idx="1">
-            <a:schemeClr val="accent1"/>
-          </a:fillRef>
-          <a:effectRef idx="0">
-            <a:schemeClr val="accent1"/>
-          </a:effectRef>
-          <a:fontRef idx="minor">
-            <a:schemeClr val="lt1"/>
-          </a:fontRef>
-        </p:style>
-        <p:txBody>
-          <a:bodyPr rtlCol="0" anchor="ctr"/>
-          <a:lstStyle/>
-          <a:p>
-            <a:pPr algn="ctr"/>
-            <a:endParaRPr lang="zh-CN" altLang="en-US"/>
-          </a:p>
-        </p:txBody>
-      </p:sp>
-      <p:sp>
-        <p:nvSpPr>
-          <p:cNvPr id="6" name="矩形 5">
-            <a:extLst>
-              <a:ext uri="{FF2B5EF4-FFF2-40B4-BE49-F238E27FC236}">
-                <a16:creationId xmlns:a16="http://schemas.microsoft.com/office/drawing/2014/main" id="{FD6021AD-62BB-F761-0426-1EB701D647CE}"/>
-              </a:ext>
-            </a:extLst>
-          </p:cNvPr>
-          <p:cNvSpPr/>
-          <p:nvPr/>
-        </p:nvSpPr>
-        <p:spPr>
-          <a:xfrm>
-            <a:off x="875071" y="3347262"/>
-            <a:ext cx="4129549" cy="536480"/>
-          </a:xfrm>
-          <a:prstGeom prst="rect">
-            <a:avLst/>
-          </a:prstGeom>
-        </p:spPr>
-        <p:style>
-          <a:lnRef idx="2">
-            <a:schemeClr val="accent1">
-              <a:shade val="15000"/>
-            </a:schemeClr>
-          </a:lnRef>
-          <a:fillRef idx="1">
-            <a:schemeClr val="accent1"/>
-          </a:fillRef>
-          <a:effectRef idx="0">
-            <a:schemeClr val="accent1"/>
-          </a:effectRef>
-          <a:fontRef idx="minor">
-            <a:schemeClr val="lt1"/>
-          </a:fontRef>
-        </p:style>
-        <p:txBody>
-          <a:bodyPr rtlCol="0" anchor="ctr"/>
-          <a:lstStyle/>
-          <a:p>
-            <a:pPr algn="ctr"/>
-            <a:endParaRPr lang="zh-CN" altLang="en-US"/>
-          </a:p>
-        </p:txBody>
-      </p:sp>
-      <p:sp>
-        <p:nvSpPr>
-          <p:cNvPr id="7" name="矩形 6">
-            <a:extLst>
-              <a:ext uri="{FF2B5EF4-FFF2-40B4-BE49-F238E27FC236}">
-                <a16:creationId xmlns:a16="http://schemas.microsoft.com/office/drawing/2014/main" id="{AB122F6A-126D-7F9C-7713-D70D79605D0E}"/>
-              </a:ext>
-            </a:extLst>
-          </p:cNvPr>
-          <p:cNvSpPr/>
-          <p:nvPr/>
-        </p:nvSpPr>
-        <p:spPr>
-          <a:xfrm>
-            <a:off x="875071" y="4104346"/>
-            <a:ext cx="4129549" cy="536480"/>
-          </a:xfrm>
-          <a:prstGeom prst="rect">
-            <a:avLst/>
-          </a:prstGeom>
-        </p:spPr>
-        <p:style>
-          <a:lnRef idx="2">
-            <a:schemeClr val="accent1">
-              <a:shade val="15000"/>
-            </a:schemeClr>
-          </a:lnRef>
-          <a:fillRef idx="1">
-            <a:schemeClr val="accent1"/>
-          </a:fillRef>
-          <a:effectRef idx="0">
-            <a:schemeClr val="accent1"/>
-          </a:effectRef>
-          <a:fontRef idx="minor">
-            <a:schemeClr val="lt1"/>
-          </a:fontRef>
-        </p:style>
-        <p:txBody>
-          <a:bodyPr rtlCol="0" anchor="ctr"/>
-          <a:lstStyle/>
-          <a:p>
-            <a:pPr algn="ctr"/>
-            <a:endParaRPr lang="zh-CN" altLang="en-US"/>
-          </a:p>
-        </p:txBody>
-      </p:sp>
+      </p:pic>
     </p:spTree>
     <p:extLst>
       <p:ext uri="{BB962C8B-B14F-4D97-AF65-F5344CB8AC3E}">
